--- a/presentation/main.pptx
+++ b/presentation/main.pptx
@@ -2,11 +2,18 @@
 <file path=ppt/presentation.xml><?xml version="1.0" encoding="utf-8"?>
 <p:presentation xmlns:a="http://schemas.openxmlformats.org/drawingml/2006/main" xmlns:r="http://schemas.openxmlformats.org/officeDocument/2006/relationships" xmlns:p="http://schemas.openxmlformats.org/presentationml/2006/main" saveSubsetFonts="1">
   <p:sldMasterIdLst>
-    <p:sldMasterId id="2147483648" r:id="rId1"/>
+    <p:sldMasterId id="2147483900" r:id="rId1"/>
   </p:sldMasterIdLst>
   <p:sldIdLst>
     <p:sldId id="256" r:id="rId2"/>
-    <p:sldId id="257" r:id="rId3"/>
+    <p:sldId id="263" r:id="rId3"/>
+    <p:sldId id="257" r:id="rId4"/>
+    <p:sldId id="265" r:id="rId5"/>
+    <p:sldId id="264" r:id="rId6"/>
+    <p:sldId id="258" r:id="rId7"/>
+    <p:sldId id="259" r:id="rId8"/>
+    <p:sldId id="260" r:id="rId9"/>
+    <p:sldId id="261" r:id="rId10"/>
   </p:sldIdLst>
   <p:sldSz cx="12192000" cy="6858000"/>
   <p:notesSz cx="6858000" cy="9144000"/>
@@ -105,6 +112,11 @@
       </a:defRPr>
     </a:lvl9pPr>
   </p:defaultTextStyle>
+  <p:extLst>
+    <p:ext uri="{EFAFB233-063F-42B5-8137-9DF3F51BA10A}">
+      <p15:sldGuideLst xmlns:p15="http://schemas.microsoft.com/office/powerpoint/2012/main"/>
+    </p:ext>
+  </p:extLst>
 </p:presentation>
 </file>
 
@@ -239,7 +251,7 @@
           <a:p>
             <a:fld id="{953017BF-A5B8-4ADE-9F2A-7DA53699538B}" type="datetimeFigureOut">
               <a:rPr lang="en-US" smtClean="0"/>
-              <a:t>5/9/2015</a:t>
+              <a:t>5/10/2015</a:t>
             </a:fld>
             <a:endParaRPr lang="en-US"/>
           </a:p>
@@ -290,7 +302,7 @@
     </p:spTree>
     <p:extLst>
       <p:ext uri="{BB962C8B-B14F-4D97-AF65-F5344CB8AC3E}">
-        <p14:creationId xmlns:p14="http://schemas.microsoft.com/office/powerpoint/2010/main" val="1506362829"/>
+        <p14:creationId xmlns:p14="http://schemas.microsoft.com/office/powerpoint/2010/main" val="2105592313"/>
       </p:ext>
     </p:extLst>
   </p:cSld>
@@ -409,7 +421,7 @@
           <a:p>
             <a:fld id="{953017BF-A5B8-4ADE-9F2A-7DA53699538B}" type="datetimeFigureOut">
               <a:rPr lang="en-US" smtClean="0"/>
-              <a:t>5/9/2015</a:t>
+              <a:t>5/10/2015</a:t>
             </a:fld>
             <a:endParaRPr lang="en-US"/>
           </a:p>
@@ -460,7 +472,7 @@
     </p:spTree>
     <p:extLst>
       <p:ext uri="{BB962C8B-B14F-4D97-AF65-F5344CB8AC3E}">
-        <p14:creationId xmlns:p14="http://schemas.microsoft.com/office/powerpoint/2010/main" val="2295054530"/>
+        <p14:creationId xmlns:p14="http://schemas.microsoft.com/office/powerpoint/2010/main" val="3914718083"/>
       </p:ext>
     </p:extLst>
   </p:cSld>
@@ -589,7 +601,7 @@
           <a:p>
             <a:fld id="{953017BF-A5B8-4ADE-9F2A-7DA53699538B}" type="datetimeFigureOut">
               <a:rPr lang="en-US" smtClean="0"/>
-              <a:t>5/9/2015</a:t>
+              <a:t>5/10/2015</a:t>
             </a:fld>
             <a:endParaRPr lang="en-US"/>
           </a:p>
@@ -640,7 +652,7 @@
     </p:spTree>
     <p:extLst>
       <p:ext uri="{BB962C8B-B14F-4D97-AF65-F5344CB8AC3E}">
-        <p14:creationId xmlns:p14="http://schemas.microsoft.com/office/powerpoint/2010/main" val="2389817897"/>
+        <p14:creationId xmlns:p14="http://schemas.microsoft.com/office/powerpoint/2010/main" val="1262683273"/>
       </p:ext>
     </p:extLst>
   </p:cSld>
@@ -759,7 +771,7 @@
           <a:p>
             <a:fld id="{953017BF-A5B8-4ADE-9F2A-7DA53699538B}" type="datetimeFigureOut">
               <a:rPr lang="en-US" smtClean="0"/>
-              <a:t>5/9/2015</a:t>
+              <a:t>5/10/2015</a:t>
             </a:fld>
             <a:endParaRPr lang="en-US"/>
           </a:p>
@@ -810,7 +822,7 @@
     </p:spTree>
     <p:extLst>
       <p:ext uri="{BB962C8B-B14F-4D97-AF65-F5344CB8AC3E}">
-        <p14:creationId xmlns:p14="http://schemas.microsoft.com/office/powerpoint/2010/main" val="4064330913"/>
+        <p14:creationId xmlns:p14="http://schemas.microsoft.com/office/powerpoint/2010/main" val="49855330"/>
       </p:ext>
     </p:extLst>
   </p:cSld>
@@ -1005,7 +1017,7 @@
           <a:p>
             <a:fld id="{953017BF-A5B8-4ADE-9F2A-7DA53699538B}" type="datetimeFigureOut">
               <a:rPr lang="en-US" smtClean="0"/>
-              <a:t>5/9/2015</a:t>
+              <a:t>5/10/2015</a:t>
             </a:fld>
             <a:endParaRPr lang="en-US"/>
           </a:p>
@@ -1056,7 +1068,7 @@
     </p:spTree>
     <p:extLst>
       <p:ext uri="{BB962C8B-B14F-4D97-AF65-F5344CB8AC3E}">
-        <p14:creationId xmlns:p14="http://schemas.microsoft.com/office/powerpoint/2010/main" val="3397309226"/>
+        <p14:creationId xmlns:p14="http://schemas.microsoft.com/office/powerpoint/2010/main" val="2098462096"/>
       </p:ext>
     </p:extLst>
   </p:cSld>
@@ -1237,7 +1249,7 @@
           <a:p>
             <a:fld id="{953017BF-A5B8-4ADE-9F2A-7DA53699538B}" type="datetimeFigureOut">
               <a:rPr lang="en-US" smtClean="0"/>
-              <a:t>5/9/2015</a:t>
+              <a:t>5/10/2015</a:t>
             </a:fld>
             <a:endParaRPr lang="en-US"/>
           </a:p>
@@ -1288,7 +1300,7 @@
     </p:spTree>
     <p:extLst>
       <p:ext uri="{BB962C8B-B14F-4D97-AF65-F5344CB8AC3E}">
-        <p14:creationId xmlns:p14="http://schemas.microsoft.com/office/powerpoint/2010/main" val="2778100608"/>
+        <p14:creationId xmlns:p14="http://schemas.microsoft.com/office/powerpoint/2010/main" val="3998673192"/>
       </p:ext>
     </p:extLst>
   </p:cSld>
@@ -1604,7 +1616,7 @@
           <a:p>
             <a:fld id="{953017BF-A5B8-4ADE-9F2A-7DA53699538B}" type="datetimeFigureOut">
               <a:rPr lang="en-US" smtClean="0"/>
-              <a:t>5/9/2015</a:t>
+              <a:t>5/10/2015</a:t>
             </a:fld>
             <a:endParaRPr lang="en-US"/>
           </a:p>
@@ -1655,7 +1667,7 @@
     </p:spTree>
     <p:extLst>
       <p:ext uri="{BB962C8B-B14F-4D97-AF65-F5344CB8AC3E}">
-        <p14:creationId xmlns:p14="http://schemas.microsoft.com/office/powerpoint/2010/main" val="3718596151"/>
+        <p14:creationId xmlns:p14="http://schemas.microsoft.com/office/powerpoint/2010/main" val="1743495743"/>
       </p:ext>
     </p:extLst>
   </p:cSld>
@@ -1722,7 +1734,7 @@
           <a:p>
             <a:fld id="{953017BF-A5B8-4ADE-9F2A-7DA53699538B}" type="datetimeFigureOut">
               <a:rPr lang="en-US" smtClean="0"/>
-              <a:t>5/9/2015</a:t>
+              <a:t>5/10/2015</a:t>
             </a:fld>
             <a:endParaRPr lang="en-US"/>
           </a:p>
@@ -1773,7 +1785,7 @@
     </p:spTree>
     <p:extLst>
       <p:ext uri="{BB962C8B-B14F-4D97-AF65-F5344CB8AC3E}">
-        <p14:creationId xmlns:p14="http://schemas.microsoft.com/office/powerpoint/2010/main" val="3500399687"/>
+        <p14:creationId xmlns:p14="http://schemas.microsoft.com/office/powerpoint/2010/main" val="3433780787"/>
       </p:ext>
     </p:extLst>
   </p:cSld>
@@ -1817,7 +1829,7 @@
           <a:p>
             <a:fld id="{953017BF-A5B8-4ADE-9F2A-7DA53699538B}" type="datetimeFigureOut">
               <a:rPr lang="en-US" smtClean="0"/>
-              <a:t>5/9/2015</a:t>
+              <a:t>5/10/2015</a:t>
             </a:fld>
             <a:endParaRPr lang="en-US"/>
           </a:p>
@@ -1868,7 +1880,7 @@
     </p:spTree>
     <p:extLst>
       <p:ext uri="{BB962C8B-B14F-4D97-AF65-F5344CB8AC3E}">
-        <p14:creationId xmlns:p14="http://schemas.microsoft.com/office/powerpoint/2010/main" val="2254187311"/>
+        <p14:creationId xmlns:p14="http://schemas.microsoft.com/office/powerpoint/2010/main" val="2663682791"/>
       </p:ext>
     </p:extLst>
   </p:cSld>
@@ -2094,7 +2106,7 @@
           <a:p>
             <a:fld id="{953017BF-A5B8-4ADE-9F2A-7DA53699538B}" type="datetimeFigureOut">
               <a:rPr lang="en-US" smtClean="0"/>
-              <a:t>5/9/2015</a:t>
+              <a:t>5/10/2015</a:t>
             </a:fld>
             <a:endParaRPr lang="en-US"/>
           </a:p>
@@ -2145,7 +2157,7 @@
     </p:spTree>
     <p:extLst>
       <p:ext uri="{BB962C8B-B14F-4D97-AF65-F5344CB8AC3E}">
-        <p14:creationId xmlns:p14="http://schemas.microsoft.com/office/powerpoint/2010/main" val="1056974607"/>
+        <p14:creationId xmlns:p14="http://schemas.microsoft.com/office/powerpoint/2010/main" val="2101016622"/>
       </p:ext>
     </p:extLst>
   </p:cSld>
@@ -2347,7 +2359,7 @@
           <a:p>
             <a:fld id="{953017BF-A5B8-4ADE-9F2A-7DA53699538B}" type="datetimeFigureOut">
               <a:rPr lang="en-US" smtClean="0"/>
-              <a:t>5/9/2015</a:t>
+              <a:t>5/10/2015</a:t>
             </a:fld>
             <a:endParaRPr lang="en-US"/>
           </a:p>
@@ -2368,7 +2380,7 @@
           <a:bodyPr/>
           <a:lstStyle/>
           <a:p>
-            <a:endParaRPr lang="en-US"/>
+            <a:endParaRPr lang="en-US" dirty="0"/>
           </a:p>
         </p:txBody>
       </p:sp>
@@ -2398,7 +2410,7 @@
     </p:spTree>
     <p:extLst>
       <p:ext uri="{BB962C8B-B14F-4D97-AF65-F5344CB8AC3E}">
-        <p14:creationId xmlns:p14="http://schemas.microsoft.com/office/powerpoint/2010/main" val="4010591860"/>
+        <p14:creationId xmlns:p14="http://schemas.microsoft.com/office/powerpoint/2010/main" val="1213332650"/>
       </p:ext>
     </p:extLst>
   </p:cSld>
@@ -2560,7 +2572,7 @@
           <a:p>
             <a:fld id="{953017BF-A5B8-4ADE-9F2A-7DA53699538B}" type="datetimeFigureOut">
               <a:rPr lang="en-US" smtClean="0"/>
-              <a:t>5/9/2015</a:t>
+              <a:t>5/10/2015</a:t>
             </a:fld>
             <a:endParaRPr lang="en-US"/>
           </a:p>
@@ -2647,23 +2659,23 @@
     </p:spTree>
     <p:extLst>
       <p:ext uri="{BB962C8B-B14F-4D97-AF65-F5344CB8AC3E}">
-        <p14:creationId xmlns:p14="http://schemas.microsoft.com/office/powerpoint/2010/main" val="2854012466"/>
+        <p14:creationId xmlns:p14="http://schemas.microsoft.com/office/powerpoint/2010/main" val="3840030778"/>
       </p:ext>
     </p:extLst>
   </p:cSld>
   <p:clrMap bg1="lt1" tx1="dk1" bg2="lt2" tx2="dk2" accent1="accent1" accent2="accent2" accent3="accent3" accent4="accent4" accent5="accent5" accent6="accent6" hlink="hlink" folHlink="folHlink"/>
   <p:sldLayoutIdLst>
-    <p:sldLayoutId id="2147483649" r:id="rId1"/>
-    <p:sldLayoutId id="2147483650" r:id="rId2"/>
-    <p:sldLayoutId id="2147483651" r:id="rId3"/>
-    <p:sldLayoutId id="2147483652" r:id="rId4"/>
-    <p:sldLayoutId id="2147483653" r:id="rId5"/>
-    <p:sldLayoutId id="2147483654" r:id="rId6"/>
-    <p:sldLayoutId id="2147483655" r:id="rId7"/>
-    <p:sldLayoutId id="2147483656" r:id="rId8"/>
-    <p:sldLayoutId id="2147483657" r:id="rId9"/>
-    <p:sldLayoutId id="2147483658" r:id="rId10"/>
-    <p:sldLayoutId id="2147483659" r:id="rId11"/>
+    <p:sldLayoutId id="2147483901" r:id="rId1"/>
+    <p:sldLayoutId id="2147483902" r:id="rId2"/>
+    <p:sldLayoutId id="2147483903" r:id="rId3"/>
+    <p:sldLayoutId id="2147483904" r:id="rId4"/>
+    <p:sldLayoutId id="2147483905" r:id="rId5"/>
+    <p:sldLayoutId id="2147483906" r:id="rId6"/>
+    <p:sldLayoutId id="2147483907" r:id="rId7"/>
+    <p:sldLayoutId id="2147483908" r:id="rId8"/>
+    <p:sldLayoutId id="2147483909" r:id="rId9"/>
+    <p:sldLayoutId id="2147483910" r:id="rId10"/>
+    <p:sldLayoutId id="2147483911" r:id="rId11"/>
   </p:sldLayoutIdLst>
   <p:txStyles>
     <p:titleStyle>
@@ -3125,6 +3137,213 @@
           <a:chExt cx="0" cy="0"/>
         </a:xfrm>
       </p:grpSpPr>
+      <p:sp>
+        <p:nvSpPr>
+          <p:cNvPr id="2" name="TextBox 1"/>
+          <p:cNvSpPr txBox="1"/>
+          <p:nvPr/>
+        </p:nvSpPr>
+        <p:spPr>
+          <a:xfrm>
+            <a:off x="838200" y="1256494"/>
+            <a:ext cx="10515600" cy="5324535"/>
+          </a:xfrm>
+          <a:prstGeom prst="rect">
+            <a:avLst/>
+          </a:prstGeom>
+          <a:noFill/>
+        </p:spPr>
+        <p:txBody>
+          <a:bodyPr wrap="square" rtlCol="0">
+            <a:spAutoFit/>
+          </a:bodyPr>
+          <a:lstStyle/>
+          <a:p>
+            <a:pPr marL="571500" indent="-571500">
+              <a:spcBef>
+                <a:spcPts val="1200"/>
+              </a:spcBef>
+              <a:buFont typeface="Arial" panose="020B0604020202020204" pitchFamily="34" charset="0"/>
+              <a:buChar char="•"/>
+            </a:pPr>
+            <a:r>
+              <a:rPr lang="en-US" sz="4000" dirty="0">
+                <a:cs typeface="Arial" panose="020B0604020202020204" pitchFamily="34" charset="0"/>
+              </a:rPr>
+              <a:t>Introduction</a:t>
+            </a:r>
+          </a:p>
+          <a:p>
+            <a:pPr marL="571500" indent="-571500">
+              <a:spcBef>
+                <a:spcPts val="1200"/>
+              </a:spcBef>
+              <a:buFont typeface="Arial" panose="020B0604020202020204" pitchFamily="34" charset="0"/>
+              <a:buChar char="•"/>
+            </a:pPr>
+            <a:r>
+              <a:rPr lang="en-US" sz="4000" dirty="0">
+                <a:cs typeface="Arial" panose="020B0604020202020204" pitchFamily="34" charset="0"/>
+              </a:rPr>
+              <a:t>Hardware and Design</a:t>
+            </a:r>
+          </a:p>
+          <a:p>
+            <a:pPr marL="571500" indent="-571500">
+              <a:spcBef>
+                <a:spcPts val="1200"/>
+              </a:spcBef>
+              <a:buFont typeface="Arial" panose="020B0604020202020204" pitchFamily="34" charset="0"/>
+              <a:buChar char="•"/>
+            </a:pPr>
+            <a:r>
+              <a:rPr lang="en-US" sz="4000" dirty="0">
+                <a:cs typeface="Arial" panose="020B0604020202020204" pitchFamily="34" charset="0"/>
+              </a:rPr>
+              <a:t>Software Architecture</a:t>
+            </a:r>
+          </a:p>
+          <a:p>
+            <a:pPr marL="571500" indent="-571500">
+              <a:spcBef>
+                <a:spcPts val="1200"/>
+              </a:spcBef>
+              <a:buFont typeface="Arial" panose="020B0604020202020204" pitchFamily="34" charset="0"/>
+              <a:buChar char="•"/>
+            </a:pPr>
+            <a:r>
+              <a:rPr lang="en-US" sz="4000" dirty="0">
+                <a:cs typeface="Arial" panose="020B0604020202020204" pitchFamily="34" charset="0"/>
+              </a:rPr>
+              <a:t>System Modeling</a:t>
+            </a:r>
+          </a:p>
+          <a:p>
+            <a:pPr marL="571500" indent="-571500">
+              <a:spcBef>
+                <a:spcPts val="1200"/>
+              </a:spcBef>
+              <a:buFont typeface="Arial" panose="020B0604020202020204" pitchFamily="34" charset="0"/>
+              <a:buChar char="•"/>
+            </a:pPr>
+            <a:r>
+              <a:rPr lang="en-US" sz="4000" dirty="0">
+                <a:cs typeface="Arial" panose="020B0604020202020204" pitchFamily="34" charset="0"/>
+              </a:rPr>
+              <a:t>Gait and Stability Control</a:t>
+            </a:r>
+          </a:p>
+          <a:p>
+            <a:pPr marL="571500" indent="-571500">
+              <a:spcBef>
+                <a:spcPts val="1200"/>
+              </a:spcBef>
+              <a:buFont typeface="Arial" panose="020B0604020202020204" pitchFamily="34" charset="0"/>
+              <a:buChar char="•"/>
+            </a:pPr>
+            <a:r>
+              <a:rPr lang="en-US" sz="4000" dirty="0">
+                <a:cs typeface="Arial" panose="020B0604020202020204" pitchFamily="34" charset="0"/>
+              </a:rPr>
+              <a:t>Navigation Control</a:t>
+            </a:r>
+          </a:p>
+          <a:p>
+            <a:pPr marL="571500" indent="-571500">
+              <a:spcBef>
+                <a:spcPts val="1200"/>
+              </a:spcBef>
+              <a:buFont typeface="Arial" panose="020B0604020202020204" pitchFamily="34" charset="0"/>
+              <a:buChar char="•"/>
+            </a:pPr>
+            <a:r>
+              <a:rPr lang="en-US" sz="4000" dirty="0" smtClean="0">
+                <a:cs typeface="Arial" panose="020B0604020202020204" pitchFamily="34" charset="0"/>
+              </a:rPr>
+              <a:t>Concluding Remarks</a:t>
+            </a:r>
+            <a:endParaRPr lang="en-US" sz="4000" dirty="0">
+              <a:cs typeface="Arial" panose="020B0604020202020204" pitchFamily="34" charset="0"/>
+            </a:endParaRPr>
+          </a:p>
+        </p:txBody>
+      </p:sp>
+      <p:sp>
+        <p:nvSpPr>
+          <p:cNvPr id="8" name="TextBox 7"/>
+          <p:cNvSpPr txBox="1"/>
+          <p:nvPr/>
+        </p:nvSpPr>
+        <p:spPr>
+          <a:xfrm>
+            <a:off x="0" y="297020"/>
+            <a:ext cx="12192000" cy="769441"/>
+          </a:xfrm>
+          <a:prstGeom prst="rect">
+            <a:avLst/>
+          </a:prstGeom>
+          <a:solidFill>
+            <a:schemeClr val="bg1">
+              <a:lumMod val="95000"/>
+            </a:schemeClr>
+          </a:solidFill>
+          <a:ln>
+            <a:solidFill>
+              <a:schemeClr val="bg1">
+                <a:lumMod val="75000"/>
+              </a:schemeClr>
+            </a:solidFill>
+          </a:ln>
+        </p:spPr>
+        <p:txBody>
+          <a:bodyPr wrap="square" rtlCol="0">
+            <a:spAutoFit/>
+          </a:bodyPr>
+          <a:lstStyle/>
+          <a:p>
+            <a:pPr algn="ctr"/>
+            <a:r>
+              <a:rPr lang="en-US" sz="4400" dirty="0" smtClean="0">
+                <a:cs typeface="Arial" panose="020B0604020202020204" pitchFamily="34" charset="0"/>
+              </a:rPr>
+              <a:t>Overview</a:t>
+            </a:r>
+            <a:endParaRPr lang="en-US" sz="4400" dirty="0" smtClean="0">
+              <a:cs typeface="Arial" panose="020B0604020202020204" pitchFamily="34" charset="0"/>
+            </a:endParaRPr>
+          </a:p>
+        </p:txBody>
+      </p:sp>
+    </p:spTree>
+    <p:extLst>
+      <p:ext uri="{BB962C8B-B14F-4D97-AF65-F5344CB8AC3E}">
+        <p14:creationId xmlns:p14="http://schemas.microsoft.com/office/powerpoint/2010/main" val="3507814111"/>
+      </p:ext>
+    </p:extLst>
+  </p:cSld>
+  <p:clrMapOvr>
+    <a:masterClrMapping/>
+  </p:clrMapOvr>
+</p:sld>
+</file>
+
+<file path=ppt/slides/slide3.xml><?xml version="1.0" encoding="utf-8"?>
+<p:sld xmlns:a="http://schemas.openxmlformats.org/drawingml/2006/main" xmlns:r="http://schemas.openxmlformats.org/officeDocument/2006/relationships" xmlns:p="http://schemas.openxmlformats.org/presentationml/2006/main">
+  <p:cSld>
+    <p:spTree>
+      <p:nvGrpSpPr>
+        <p:cNvPr id="1" name=""/>
+        <p:cNvGrpSpPr/>
+        <p:nvPr/>
+      </p:nvGrpSpPr>
+      <p:grpSpPr>
+        <a:xfrm>
+          <a:off x="0" y="0"/>
+          <a:ext cx="0" cy="0"/>
+          <a:chOff x="0" y="0"/>
+          <a:chExt cx="0" cy="0"/>
+        </a:xfrm>
+      </p:grpSpPr>
       <p:pic>
         <p:nvPicPr>
           <p:cNvPr id="4" name="Picture 3"/>
@@ -3174,7 +3393,18 @@
           <a:prstGeom prst="rect">
             <a:avLst/>
           </a:prstGeom>
-          <a:noFill/>
+          <a:solidFill>
+            <a:schemeClr val="bg1">
+              <a:lumMod val="95000"/>
+            </a:schemeClr>
+          </a:solidFill>
+          <a:ln>
+            <a:solidFill>
+              <a:schemeClr val="bg1">
+                <a:lumMod val="75000"/>
+              </a:schemeClr>
+            </a:solidFill>
+          </a:ln>
         </p:spPr>
         <p:txBody>
           <a:bodyPr wrap="square" rtlCol="0">
@@ -3187,7 +3417,13 @@
               <a:rPr lang="en-US" sz="4400" dirty="0" smtClean="0">
                 <a:cs typeface="Arial" panose="020B0604020202020204" pitchFamily="34" charset="0"/>
               </a:rPr>
-              <a:t>The BlueFoot Platform</a:t>
+              <a:t>Introduction: The </a:t>
+            </a:r>
+            <a:r>
+              <a:rPr lang="en-US" sz="4400" dirty="0" smtClean="0">
+                <a:cs typeface="Arial" panose="020B0604020202020204" pitchFamily="34" charset="0"/>
+              </a:rPr>
+              <a:t>BlueFoot Platform</a:t>
             </a:r>
           </a:p>
         </p:txBody>
@@ -3196,6 +3432,949 @@
     <p:extLst>
       <p:ext uri="{BB962C8B-B14F-4D97-AF65-F5344CB8AC3E}">
         <p14:creationId xmlns:p14="http://schemas.microsoft.com/office/powerpoint/2010/main" val="3737033567"/>
+      </p:ext>
+    </p:extLst>
+  </p:cSld>
+  <p:clrMapOvr>
+    <a:masterClrMapping/>
+  </p:clrMapOvr>
+</p:sld>
+</file>
+
+<file path=ppt/slides/slide4.xml><?xml version="1.0" encoding="utf-8"?>
+<p:sld xmlns:a="http://schemas.openxmlformats.org/drawingml/2006/main" xmlns:r="http://schemas.openxmlformats.org/officeDocument/2006/relationships" xmlns:p="http://schemas.openxmlformats.org/presentationml/2006/main">
+  <p:cSld>
+    <p:spTree>
+      <p:nvGrpSpPr>
+        <p:cNvPr id="1" name=""/>
+        <p:cNvGrpSpPr/>
+        <p:nvPr/>
+      </p:nvGrpSpPr>
+      <p:grpSpPr>
+        <a:xfrm>
+          <a:off x="0" y="0"/>
+          <a:ext cx="0" cy="0"/>
+          <a:chOff x="0" y="0"/>
+          <a:chExt cx="0" cy="0"/>
+        </a:xfrm>
+      </p:grpSpPr>
+      <p:sp>
+        <p:nvSpPr>
+          <p:cNvPr id="5" name="TextBox 4"/>
+          <p:cNvSpPr txBox="1"/>
+          <p:nvPr/>
+        </p:nvSpPr>
+        <p:spPr>
+          <a:xfrm>
+            <a:off x="0" y="297020"/>
+            <a:ext cx="12192000" cy="769441"/>
+          </a:xfrm>
+          <a:prstGeom prst="rect">
+            <a:avLst/>
+          </a:prstGeom>
+          <a:solidFill>
+            <a:schemeClr val="bg1">
+              <a:lumMod val="95000"/>
+            </a:schemeClr>
+          </a:solidFill>
+          <a:ln>
+            <a:solidFill>
+              <a:schemeClr val="bg1">
+                <a:lumMod val="75000"/>
+              </a:schemeClr>
+            </a:solidFill>
+          </a:ln>
+        </p:spPr>
+        <p:txBody>
+          <a:bodyPr wrap="square" rtlCol="0">
+            <a:spAutoFit/>
+          </a:bodyPr>
+          <a:lstStyle/>
+          <a:p>
+            <a:pPr algn="ctr"/>
+            <a:r>
+              <a:rPr lang="en-US" sz="4400" dirty="0">
+                <a:cs typeface="Arial" panose="020B0604020202020204" pitchFamily="34" charset="0"/>
+              </a:rPr>
+              <a:t>Introduction: The </a:t>
+            </a:r>
+            <a:r>
+              <a:rPr lang="en-US" sz="4400" dirty="0" smtClean="0">
+                <a:cs typeface="Arial" panose="020B0604020202020204" pitchFamily="34" charset="0"/>
+              </a:rPr>
+              <a:t>BlueFoot Platform</a:t>
+            </a:r>
+          </a:p>
+        </p:txBody>
+      </p:sp>
+      <p:sp>
+        <p:nvSpPr>
+          <p:cNvPr id="6" name="TextBox 5"/>
+          <p:cNvSpPr txBox="1"/>
+          <p:nvPr/>
+        </p:nvSpPr>
+        <p:spPr>
+          <a:xfrm>
+            <a:off x="838200" y="1256494"/>
+            <a:ext cx="10515600" cy="5170646"/>
+          </a:xfrm>
+          <a:prstGeom prst="rect">
+            <a:avLst/>
+          </a:prstGeom>
+          <a:noFill/>
+        </p:spPr>
+        <p:txBody>
+          <a:bodyPr wrap="square" rtlCol="0">
+            <a:spAutoFit/>
+          </a:bodyPr>
+          <a:lstStyle/>
+          <a:p>
+            <a:pPr marL="571500" indent="-571500">
+              <a:spcBef>
+                <a:spcPts val="1200"/>
+              </a:spcBef>
+              <a:buFont typeface="Arial" panose="020B0604020202020204" pitchFamily="34" charset="0"/>
+              <a:buChar char="•"/>
+            </a:pPr>
+            <a:r>
+              <a:rPr lang="en-US" sz="4000" dirty="0" smtClean="0">
+                <a:cs typeface="Arial" panose="020B0604020202020204" pitchFamily="34" charset="0"/>
+              </a:rPr>
+              <a:t>Project inspired by well known quadruped robotic systems from the past decade:</a:t>
+            </a:r>
+          </a:p>
+          <a:p>
+            <a:pPr marL="1028700" lvl="1" indent="-571500">
+              <a:spcBef>
+                <a:spcPts val="1200"/>
+              </a:spcBef>
+              <a:buFont typeface="Arial" panose="020B0604020202020204" pitchFamily="34" charset="0"/>
+              <a:buChar char="•"/>
+            </a:pPr>
+            <a:r>
+              <a:rPr lang="en-US" sz="4000" dirty="0" err="1" smtClean="0">
+                <a:cs typeface="Arial" panose="020B0604020202020204" pitchFamily="34" charset="0"/>
+              </a:rPr>
+              <a:t>BigDog</a:t>
+            </a:r>
+            <a:r>
+              <a:rPr lang="en-US" sz="4000" dirty="0" smtClean="0">
+                <a:cs typeface="Arial" panose="020B0604020202020204" pitchFamily="34" charset="0"/>
+              </a:rPr>
+              <a:t> (Boston Dynamics) </a:t>
+            </a:r>
+          </a:p>
+          <a:p>
+            <a:pPr marL="1028700" lvl="1" indent="-571500">
+              <a:spcBef>
+                <a:spcPts val="1200"/>
+              </a:spcBef>
+              <a:buFont typeface="Arial" panose="020B0604020202020204" pitchFamily="34" charset="0"/>
+              <a:buChar char="•"/>
+            </a:pPr>
+            <a:r>
+              <a:rPr lang="en-US" sz="4000" dirty="0" err="1" smtClean="0">
+                <a:cs typeface="Arial" panose="020B0604020202020204" pitchFamily="34" charset="0"/>
+              </a:rPr>
+              <a:t>LittleDog</a:t>
+            </a:r>
+            <a:r>
+              <a:rPr lang="en-US" sz="4000" dirty="0" smtClean="0">
+                <a:cs typeface="Arial" panose="020B0604020202020204" pitchFamily="34" charset="0"/>
+              </a:rPr>
+              <a:t> </a:t>
+            </a:r>
+            <a:r>
+              <a:rPr lang="en-US" sz="4000" dirty="0">
+                <a:cs typeface="Arial" panose="020B0604020202020204" pitchFamily="34" charset="0"/>
+              </a:rPr>
+              <a:t>(Boston Dynamics) </a:t>
+            </a:r>
+            <a:endParaRPr lang="en-US" sz="4000" dirty="0" smtClean="0">
+              <a:cs typeface="Arial" panose="020B0604020202020204" pitchFamily="34" charset="0"/>
+            </a:endParaRPr>
+          </a:p>
+          <a:p>
+            <a:pPr marL="1028700" lvl="1" indent="-571500">
+              <a:spcBef>
+                <a:spcPts val="1200"/>
+              </a:spcBef>
+              <a:buFont typeface="Arial" panose="020B0604020202020204" pitchFamily="34" charset="0"/>
+              <a:buChar char="•"/>
+            </a:pPr>
+            <a:r>
+              <a:rPr lang="en-US" sz="4000" dirty="0">
+                <a:cs typeface="Arial" panose="020B0604020202020204" pitchFamily="34" charset="0"/>
+              </a:rPr>
+              <a:t>Tekken </a:t>
+            </a:r>
+            <a:r>
+              <a:rPr lang="en-US" sz="4000" dirty="0" smtClean="0">
+                <a:cs typeface="Arial" panose="020B0604020202020204" pitchFamily="34" charset="0"/>
+              </a:rPr>
+              <a:t>(</a:t>
+            </a:r>
+            <a:r>
+              <a:rPr lang="en-US" sz="4000" dirty="0" smtClean="0"/>
+              <a:t>Kyoto Institute of Technology)</a:t>
+            </a:r>
+            <a:endParaRPr lang="en-US" sz="4000" dirty="0">
+              <a:cs typeface="Arial" panose="020B0604020202020204" pitchFamily="34" charset="0"/>
+            </a:endParaRPr>
+          </a:p>
+          <a:p>
+            <a:pPr marL="1028700" lvl="1" indent="-571500">
+              <a:spcBef>
+                <a:spcPts val="1200"/>
+              </a:spcBef>
+              <a:buFont typeface="Arial" panose="020B0604020202020204" pitchFamily="34" charset="0"/>
+              <a:buChar char="•"/>
+            </a:pPr>
+            <a:r>
+              <a:rPr lang="en-US" sz="4000" dirty="0" err="1" smtClean="0">
+                <a:cs typeface="Arial" panose="020B0604020202020204" pitchFamily="34" charset="0"/>
+              </a:rPr>
+              <a:t>Kolt</a:t>
+            </a:r>
+            <a:r>
+              <a:rPr lang="en-US" sz="4000" dirty="0" smtClean="0">
+                <a:cs typeface="Arial" panose="020B0604020202020204" pitchFamily="34" charset="0"/>
+              </a:rPr>
+              <a:t> (</a:t>
+            </a:r>
+            <a:r>
+              <a:rPr lang="en-US" sz="4000" dirty="0"/>
+              <a:t>Stanford </a:t>
+            </a:r>
+            <a:r>
+              <a:rPr lang="en-US" sz="4000" dirty="0" smtClean="0"/>
+              <a:t>University)</a:t>
+            </a:r>
+            <a:endParaRPr lang="en-US" sz="4000" dirty="0" smtClean="0">
+              <a:cs typeface="Arial" panose="020B0604020202020204" pitchFamily="34" charset="0"/>
+            </a:endParaRPr>
+          </a:p>
+          <a:p>
+            <a:pPr marL="1028700" lvl="1" indent="-571500">
+              <a:spcBef>
+                <a:spcPts val="1200"/>
+              </a:spcBef>
+              <a:buFont typeface="Arial" panose="020B0604020202020204" pitchFamily="34" charset="0"/>
+              <a:buChar char="•"/>
+            </a:pPr>
+            <a:r>
+              <a:rPr lang="en-US" sz="4000" dirty="0" err="1" smtClean="0">
+                <a:cs typeface="Arial" panose="020B0604020202020204" pitchFamily="34" charset="0"/>
+              </a:rPr>
+              <a:t>HyQ</a:t>
+            </a:r>
+            <a:r>
+              <a:rPr lang="en-US" sz="4000" dirty="0" smtClean="0">
+                <a:cs typeface="Arial" panose="020B0604020202020204" pitchFamily="34" charset="0"/>
+              </a:rPr>
+              <a:t> (</a:t>
+            </a:r>
+            <a:r>
+              <a:rPr lang="en-US" sz="4000" dirty="0" err="1"/>
+              <a:t>Istituto</a:t>
+            </a:r>
+            <a:r>
+              <a:rPr lang="en-US" sz="4000" dirty="0"/>
+              <a:t> </a:t>
+            </a:r>
+            <a:r>
+              <a:rPr lang="en-US" sz="4000" dirty="0" err="1"/>
+              <a:t>Italiano</a:t>
+            </a:r>
+            <a:r>
+              <a:rPr lang="en-US" sz="4000" dirty="0"/>
+              <a:t> di </a:t>
+            </a:r>
+            <a:r>
+              <a:rPr lang="en-US" sz="4000" dirty="0" err="1" smtClean="0"/>
+              <a:t>Tecnologia</a:t>
+            </a:r>
+            <a:r>
+              <a:rPr lang="en-US" sz="4000" dirty="0"/>
+              <a:t>)</a:t>
+            </a:r>
+            <a:endParaRPr lang="en-US" sz="4000" dirty="0"/>
+          </a:p>
+        </p:txBody>
+      </p:sp>
+    </p:spTree>
+    <p:extLst>
+      <p:ext uri="{BB962C8B-B14F-4D97-AF65-F5344CB8AC3E}">
+        <p14:creationId xmlns:p14="http://schemas.microsoft.com/office/powerpoint/2010/main" val="1499066114"/>
+      </p:ext>
+    </p:extLst>
+  </p:cSld>
+  <p:clrMapOvr>
+    <a:masterClrMapping/>
+  </p:clrMapOvr>
+</p:sld>
+</file>
+
+<file path=ppt/slides/slide5.xml><?xml version="1.0" encoding="utf-8"?>
+<p:sld xmlns:a="http://schemas.openxmlformats.org/drawingml/2006/main" xmlns:r="http://schemas.openxmlformats.org/officeDocument/2006/relationships" xmlns:p="http://schemas.openxmlformats.org/presentationml/2006/main">
+  <p:cSld>
+    <p:spTree>
+      <p:nvGrpSpPr>
+        <p:cNvPr id="1" name=""/>
+        <p:cNvGrpSpPr/>
+        <p:nvPr/>
+      </p:nvGrpSpPr>
+      <p:grpSpPr>
+        <a:xfrm>
+          <a:off x="0" y="0"/>
+          <a:ext cx="0" cy="0"/>
+          <a:chOff x="0" y="0"/>
+          <a:chExt cx="0" cy="0"/>
+        </a:xfrm>
+      </p:grpSpPr>
+      <p:sp>
+        <p:nvSpPr>
+          <p:cNvPr id="5" name="TextBox 4"/>
+          <p:cNvSpPr txBox="1"/>
+          <p:nvPr/>
+        </p:nvSpPr>
+        <p:spPr>
+          <a:xfrm>
+            <a:off x="0" y="297020"/>
+            <a:ext cx="12192000" cy="769441"/>
+          </a:xfrm>
+          <a:prstGeom prst="rect">
+            <a:avLst/>
+          </a:prstGeom>
+          <a:solidFill>
+            <a:schemeClr val="bg1">
+              <a:lumMod val="95000"/>
+            </a:schemeClr>
+          </a:solidFill>
+          <a:ln>
+            <a:solidFill>
+              <a:schemeClr val="bg1">
+                <a:lumMod val="75000"/>
+              </a:schemeClr>
+            </a:solidFill>
+          </a:ln>
+        </p:spPr>
+        <p:txBody>
+          <a:bodyPr wrap="square" rtlCol="0">
+            <a:spAutoFit/>
+          </a:bodyPr>
+          <a:lstStyle/>
+          <a:p>
+            <a:pPr algn="ctr"/>
+            <a:r>
+              <a:rPr lang="en-US" sz="4400" dirty="0">
+                <a:cs typeface="Arial" panose="020B0604020202020204" pitchFamily="34" charset="0"/>
+              </a:rPr>
+              <a:t>Introduction: The </a:t>
+            </a:r>
+            <a:r>
+              <a:rPr lang="en-US" sz="4400" dirty="0" smtClean="0">
+                <a:cs typeface="Arial" panose="020B0604020202020204" pitchFamily="34" charset="0"/>
+              </a:rPr>
+              <a:t>BlueFoot Platform</a:t>
+            </a:r>
+          </a:p>
+        </p:txBody>
+      </p:sp>
+      <p:sp>
+        <p:nvSpPr>
+          <p:cNvPr id="6" name="TextBox 5"/>
+          <p:cNvSpPr txBox="1"/>
+          <p:nvPr/>
+        </p:nvSpPr>
+        <p:spPr>
+          <a:xfrm>
+            <a:off x="838200" y="1430666"/>
+            <a:ext cx="10515600" cy="4939814"/>
+          </a:xfrm>
+          <a:prstGeom prst="rect">
+            <a:avLst/>
+          </a:prstGeom>
+          <a:noFill/>
+        </p:spPr>
+        <p:txBody>
+          <a:bodyPr wrap="square" rtlCol="0">
+            <a:spAutoFit/>
+          </a:bodyPr>
+          <a:lstStyle/>
+          <a:p>
+            <a:pPr marL="571500" indent="-571500">
+              <a:spcBef>
+                <a:spcPts val="1800"/>
+              </a:spcBef>
+              <a:buFont typeface="Arial" panose="020B0604020202020204" pitchFamily="34" charset="0"/>
+              <a:buChar char="•"/>
+            </a:pPr>
+            <a:r>
+              <a:rPr lang="en-US" sz="4000" dirty="0" smtClean="0">
+                <a:cs typeface="Arial" panose="020B0604020202020204" pitchFamily="34" charset="0"/>
+              </a:rPr>
+              <a:t>Small-scale quadruped robot </a:t>
+            </a:r>
+          </a:p>
+          <a:p>
+            <a:pPr marL="571500" indent="-571500">
+              <a:spcBef>
+                <a:spcPts val="1800"/>
+              </a:spcBef>
+              <a:buFont typeface="Arial" panose="020B0604020202020204" pitchFamily="34" charset="0"/>
+              <a:buChar char="•"/>
+            </a:pPr>
+            <a:r>
+              <a:rPr lang="en-US" sz="4000" dirty="0" smtClean="0">
+                <a:cs typeface="Arial" panose="020B0604020202020204" pitchFamily="34" charset="0"/>
+              </a:rPr>
+              <a:t>16 actuated degrees </a:t>
+            </a:r>
+            <a:r>
+              <a:rPr lang="en-US" sz="4000" dirty="0">
+                <a:cs typeface="Arial" panose="020B0604020202020204" pitchFamily="34" charset="0"/>
+              </a:rPr>
+              <a:t>of </a:t>
+            </a:r>
+            <a:r>
+              <a:rPr lang="en-US" sz="4000" dirty="0" smtClean="0">
+                <a:cs typeface="Arial" panose="020B0604020202020204" pitchFamily="34" charset="0"/>
+              </a:rPr>
+              <a:t>freedom</a:t>
+            </a:r>
+          </a:p>
+          <a:p>
+            <a:pPr marL="571500" indent="-571500">
+              <a:spcBef>
+                <a:spcPts val="1800"/>
+              </a:spcBef>
+              <a:buFont typeface="Arial" panose="020B0604020202020204" pitchFamily="34" charset="0"/>
+              <a:buChar char="•"/>
+            </a:pPr>
+            <a:r>
+              <a:rPr lang="en-US" sz="4000" dirty="0" smtClean="0">
+                <a:cs typeface="Arial" panose="020B0604020202020204" pitchFamily="34" charset="0"/>
+              </a:rPr>
+              <a:t>High Dexterity:</a:t>
+            </a:r>
+          </a:p>
+          <a:p>
+            <a:pPr marL="1028700" lvl="1" indent="-571500">
+              <a:spcBef>
+                <a:spcPts val="1800"/>
+              </a:spcBef>
+              <a:buFont typeface="Courier New" panose="02070309020205020404" pitchFamily="49" charset="0"/>
+              <a:buChar char="o"/>
+            </a:pPr>
+            <a:r>
+              <a:rPr lang="en-US" sz="4000" dirty="0">
+                <a:cs typeface="Arial" panose="020B0604020202020204" pitchFamily="34" charset="0"/>
+              </a:rPr>
+              <a:t>S</a:t>
+            </a:r>
+            <a:r>
+              <a:rPr lang="en-US" sz="4000" dirty="0" smtClean="0">
+                <a:cs typeface="Arial" panose="020B0604020202020204" pitchFamily="34" charset="0"/>
+              </a:rPr>
+              <a:t>tabilize and reposition on rough terrain</a:t>
+            </a:r>
+          </a:p>
+          <a:p>
+            <a:pPr marL="1028700" lvl="1" indent="-571500">
+              <a:spcBef>
+                <a:spcPts val="1800"/>
+              </a:spcBef>
+              <a:buFont typeface="Courier New" panose="02070309020205020404" pitchFamily="49" charset="0"/>
+              <a:buChar char="o"/>
+            </a:pPr>
+            <a:r>
+              <a:rPr lang="en-US" sz="4000" dirty="0" smtClean="0">
+                <a:cs typeface="Arial" panose="020B0604020202020204" pitchFamily="34" charset="0"/>
+              </a:rPr>
+              <a:t>Trunk articulation</a:t>
+            </a:r>
+          </a:p>
+          <a:p>
+            <a:pPr marL="1028700" lvl="1" indent="-571500">
+              <a:spcBef>
+                <a:spcPts val="1800"/>
+              </a:spcBef>
+              <a:buFont typeface="Courier New" panose="02070309020205020404" pitchFamily="49" charset="0"/>
+              <a:buChar char="o"/>
+            </a:pPr>
+            <a:r>
+              <a:rPr lang="en-US" sz="4000" dirty="0" smtClean="0">
+                <a:cs typeface="Arial" panose="020B0604020202020204" pitchFamily="34" charset="0"/>
+              </a:rPr>
+              <a:t>Overcome raised/uneven terrain</a:t>
+            </a:r>
+            <a:endParaRPr lang="en-US" sz="4000" dirty="0">
+              <a:cs typeface="Arial" panose="020B0604020202020204" pitchFamily="34" charset="0"/>
+            </a:endParaRPr>
+          </a:p>
+        </p:txBody>
+      </p:sp>
+    </p:spTree>
+    <p:extLst>
+      <p:ext uri="{BB962C8B-B14F-4D97-AF65-F5344CB8AC3E}">
+        <p14:creationId xmlns:p14="http://schemas.microsoft.com/office/powerpoint/2010/main" val="1904891184"/>
+      </p:ext>
+    </p:extLst>
+  </p:cSld>
+  <p:clrMapOvr>
+    <a:masterClrMapping/>
+  </p:clrMapOvr>
+</p:sld>
+</file>
+
+<file path=ppt/slides/slide6.xml><?xml version="1.0" encoding="utf-8"?>
+<p:sld xmlns:a="http://schemas.openxmlformats.org/drawingml/2006/main" xmlns:r="http://schemas.openxmlformats.org/officeDocument/2006/relationships" xmlns:p="http://schemas.openxmlformats.org/presentationml/2006/main">
+  <p:cSld>
+    <p:bg>
+      <p:bgPr>
+        <a:solidFill>
+          <a:schemeClr val="tx1"/>
+        </a:solidFill>
+        <a:effectLst/>
+      </p:bgPr>
+    </p:bg>
+    <p:spTree>
+      <p:nvGrpSpPr>
+        <p:cNvPr id="1" name=""/>
+        <p:cNvGrpSpPr/>
+        <p:nvPr/>
+      </p:nvGrpSpPr>
+      <p:grpSpPr>
+        <a:xfrm>
+          <a:off x="0" y="0"/>
+          <a:ext cx="0" cy="0"/>
+          <a:chOff x="0" y="0"/>
+          <a:chExt cx="0" cy="0"/>
+        </a:xfrm>
+      </p:grpSpPr>
+      <p:sp>
+        <p:nvSpPr>
+          <p:cNvPr id="5" name="TextBox 4"/>
+          <p:cNvSpPr txBox="1"/>
+          <p:nvPr/>
+        </p:nvSpPr>
+        <p:spPr>
+          <a:xfrm>
+            <a:off x="0" y="297020"/>
+            <a:ext cx="12192000" cy="769441"/>
+          </a:xfrm>
+          <a:prstGeom prst="rect">
+            <a:avLst/>
+          </a:prstGeom>
+          <a:solidFill>
+            <a:schemeClr val="bg1">
+              <a:lumMod val="95000"/>
+            </a:schemeClr>
+          </a:solidFill>
+          <a:ln>
+            <a:solidFill>
+              <a:schemeClr val="bg1">
+                <a:lumMod val="75000"/>
+              </a:schemeClr>
+            </a:solidFill>
+          </a:ln>
+        </p:spPr>
+        <p:txBody>
+          <a:bodyPr wrap="square" rtlCol="0">
+            <a:spAutoFit/>
+          </a:bodyPr>
+          <a:lstStyle/>
+          <a:p>
+            <a:pPr algn="ctr"/>
+            <a:r>
+              <a:rPr lang="en-US" sz="4400" dirty="0" smtClean="0">
+                <a:cs typeface="Arial" panose="020B0604020202020204" pitchFamily="34" charset="0"/>
+              </a:rPr>
+              <a:t>Source Point Cloud (1)</a:t>
+            </a:r>
+            <a:endParaRPr lang="en-US" sz="4400" dirty="0" smtClean="0">
+              <a:cs typeface="Arial" panose="020B0604020202020204" pitchFamily="34" charset="0"/>
+            </a:endParaRPr>
+          </a:p>
+        </p:txBody>
+      </p:sp>
+      <p:pic>
+        <p:nvPicPr>
+          <p:cNvPr id="2" name="Picture 1"/>
+          <p:cNvPicPr>
+            <a:picLocks noChangeAspect="1"/>
+          </p:cNvPicPr>
+          <p:nvPr/>
+        </p:nvPicPr>
+        <p:blipFill>
+          <a:blip r:embed="rId2">
+            <a:extLst>
+              <a:ext uri="{28A0092B-C50C-407E-A947-70E740481C1C}">
+                <a14:useLocalDpi xmlns:a14="http://schemas.microsoft.com/office/drawing/2010/main" val="0"/>
+              </a:ext>
+            </a:extLst>
+          </a:blip>
+          <a:stretch>
+            <a:fillRect/>
+          </a:stretch>
+        </p:blipFill>
+        <p:spPr>
+          <a:xfrm>
+            <a:off x="1696329" y="1066461"/>
+            <a:ext cx="8799342" cy="5656208"/>
+          </a:xfrm>
+          <a:prstGeom prst="rect">
+            <a:avLst/>
+          </a:prstGeom>
+        </p:spPr>
+      </p:pic>
+    </p:spTree>
+    <p:extLst>
+      <p:ext uri="{BB962C8B-B14F-4D97-AF65-F5344CB8AC3E}">
+        <p14:creationId xmlns:p14="http://schemas.microsoft.com/office/powerpoint/2010/main" val="1546070400"/>
+      </p:ext>
+    </p:extLst>
+  </p:cSld>
+  <p:clrMapOvr>
+    <a:masterClrMapping/>
+  </p:clrMapOvr>
+</p:sld>
+</file>
+
+<file path=ppt/slides/slide7.xml><?xml version="1.0" encoding="utf-8"?>
+<p:sld xmlns:a="http://schemas.openxmlformats.org/drawingml/2006/main" xmlns:r="http://schemas.openxmlformats.org/officeDocument/2006/relationships" xmlns:p="http://schemas.openxmlformats.org/presentationml/2006/main">
+  <p:cSld>
+    <p:bg>
+      <p:bgPr>
+        <a:solidFill>
+          <a:schemeClr val="tx1"/>
+        </a:solidFill>
+        <a:effectLst/>
+      </p:bgPr>
+    </p:bg>
+    <p:spTree>
+      <p:nvGrpSpPr>
+        <p:cNvPr id="1" name=""/>
+        <p:cNvGrpSpPr/>
+        <p:nvPr/>
+      </p:nvGrpSpPr>
+      <p:grpSpPr>
+        <a:xfrm>
+          <a:off x="0" y="0"/>
+          <a:ext cx="0" cy="0"/>
+          <a:chOff x="0" y="0"/>
+          <a:chExt cx="0" cy="0"/>
+        </a:xfrm>
+      </p:grpSpPr>
+      <p:sp>
+        <p:nvSpPr>
+          <p:cNvPr id="5" name="TextBox 4"/>
+          <p:cNvSpPr txBox="1"/>
+          <p:nvPr/>
+        </p:nvSpPr>
+        <p:spPr>
+          <a:xfrm>
+            <a:off x="0" y="297020"/>
+            <a:ext cx="12192000" cy="769441"/>
+          </a:xfrm>
+          <a:prstGeom prst="rect">
+            <a:avLst/>
+          </a:prstGeom>
+          <a:solidFill>
+            <a:schemeClr val="bg1">
+              <a:lumMod val="95000"/>
+            </a:schemeClr>
+          </a:solidFill>
+          <a:ln>
+            <a:solidFill>
+              <a:schemeClr val="bg1">
+                <a:lumMod val="75000"/>
+              </a:schemeClr>
+            </a:solidFill>
+          </a:ln>
+        </p:spPr>
+        <p:txBody>
+          <a:bodyPr wrap="square" rtlCol="0">
+            <a:spAutoFit/>
+          </a:bodyPr>
+          <a:lstStyle/>
+          <a:p>
+            <a:pPr algn="ctr"/>
+            <a:r>
+              <a:rPr lang="en-US" sz="4400" dirty="0" smtClean="0">
+                <a:cs typeface="Arial" panose="020B0604020202020204" pitchFamily="34" charset="0"/>
+              </a:rPr>
+              <a:t>Surface Normal Estimation (2)</a:t>
+            </a:r>
+            <a:endParaRPr lang="en-US" sz="4400" dirty="0" smtClean="0">
+              <a:cs typeface="Arial" panose="020B0604020202020204" pitchFamily="34" charset="0"/>
+            </a:endParaRPr>
+          </a:p>
+        </p:txBody>
+      </p:sp>
+      <p:pic>
+        <p:nvPicPr>
+          <p:cNvPr id="3" name="Picture 2"/>
+          <p:cNvPicPr>
+            <a:picLocks noChangeAspect="1"/>
+          </p:cNvPicPr>
+          <p:nvPr/>
+        </p:nvPicPr>
+        <p:blipFill>
+          <a:blip r:embed="rId2">
+            <a:extLst>
+              <a:ext uri="{28A0092B-C50C-407E-A947-70E740481C1C}">
+                <a14:useLocalDpi xmlns:a14="http://schemas.microsoft.com/office/drawing/2010/main" val="0"/>
+              </a:ext>
+            </a:extLst>
+          </a:blip>
+          <a:stretch>
+            <a:fillRect/>
+          </a:stretch>
+        </p:blipFill>
+        <p:spPr>
+          <a:xfrm>
+            <a:off x="1696329" y="1066461"/>
+            <a:ext cx="8799342" cy="5656208"/>
+          </a:xfrm>
+          <a:prstGeom prst="rect">
+            <a:avLst/>
+          </a:prstGeom>
+        </p:spPr>
+      </p:pic>
+    </p:spTree>
+    <p:extLst>
+      <p:ext uri="{BB962C8B-B14F-4D97-AF65-F5344CB8AC3E}">
+        <p14:creationId xmlns:p14="http://schemas.microsoft.com/office/powerpoint/2010/main" val="2878914286"/>
+      </p:ext>
+    </p:extLst>
+  </p:cSld>
+  <p:clrMapOvr>
+    <a:masterClrMapping/>
+  </p:clrMapOvr>
+</p:sld>
+</file>
+
+<file path=ppt/slides/slide8.xml><?xml version="1.0" encoding="utf-8"?>
+<p:sld xmlns:a="http://schemas.openxmlformats.org/drawingml/2006/main" xmlns:r="http://schemas.openxmlformats.org/officeDocument/2006/relationships" xmlns:p="http://schemas.openxmlformats.org/presentationml/2006/main">
+  <p:cSld>
+    <p:bg>
+      <p:bgPr>
+        <a:solidFill>
+          <a:schemeClr val="tx1"/>
+        </a:solidFill>
+        <a:effectLst/>
+      </p:bgPr>
+    </p:bg>
+    <p:spTree>
+      <p:nvGrpSpPr>
+        <p:cNvPr id="1" name=""/>
+        <p:cNvGrpSpPr/>
+        <p:nvPr/>
+      </p:nvGrpSpPr>
+      <p:grpSpPr>
+        <a:xfrm>
+          <a:off x="0" y="0"/>
+          <a:ext cx="0" cy="0"/>
+          <a:chOff x="0" y="0"/>
+          <a:chExt cx="0" cy="0"/>
+        </a:xfrm>
+      </p:grpSpPr>
+      <p:pic>
+        <p:nvPicPr>
+          <p:cNvPr id="3" name="Picture 2"/>
+          <p:cNvPicPr>
+            <a:picLocks noChangeAspect="1"/>
+          </p:cNvPicPr>
+          <p:nvPr/>
+        </p:nvPicPr>
+        <p:blipFill>
+          <a:blip r:embed="rId2">
+            <a:extLst>
+              <a:ext uri="{28A0092B-C50C-407E-A947-70E740481C1C}">
+                <a14:useLocalDpi xmlns:a14="http://schemas.microsoft.com/office/drawing/2010/main" val="0"/>
+              </a:ext>
+            </a:extLst>
+          </a:blip>
+          <a:stretch>
+            <a:fillRect/>
+          </a:stretch>
+        </p:blipFill>
+        <p:spPr>
+          <a:xfrm>
+            <a:off x="1696330" y="1066461"/>
+            <a:ext cx="8799342" cy="5626642"/>
+          </a:xfrm>
+          <a:prstGeom prst="rect">
+            <a:avLst/>
+          </a:prstGeom>
+        </p:spPr>
+      </p:pic>
+      <p:sp>
+        <p:nvSpPr>
+          <p:cNvPr id="5" name="TextBox 4"/>
+          <p:cNvSpPr txBox="1"/>
+          <p:nvPr/>
+        </p:nvSpPr>
+        <p:spPr>
+          <a:xfrm>
+            <a:off x="0" y="297020"/>
+            <a:ext cx="12192000" cy="769441"/>
+          </a:xfrm>
+          <a:prstGeom prst="rect">
+            <a:avLst/>
+          </a:prstGeom>
+          <a:solidFill>
+            <a:schemeClr val="bg1">
+              <a:lumMod val="95000"/>
+            </a:schemeClr>
+          </a:solidFill>
+          <a:ln>
+            <a:solidFill>
+              <a:schemeClr val="bg1">
+                <a:lumMod val="75000"/>
+              </a:schemeClr>
+            </a:solidFill>
+          </a:ln>
+        </p:spPr>
+        <p:txBody>
+          <a:bodyPr wrap="square" rtlCol="0">
+            <a:spAutoFit/>
+          </a:bodyPr>
+          <a:lstStyle/>
+          <a:p>
+            <a:pPr algn="ctr"/>
+            <a:r>
+              <a:rPr lang="en-US" sz="4400" dirty="0" smtClean="0">
+                <a:cs typeface="Arial" panose="020B0604020202020204" pitchFamily="34" charset="0"/>
+              </a:rPr>
+              <a:t>Source Point Cloud (2)</a:t>
+            </a:r>
+            <a:endParaRPr lang="en-US" sz="4400" dirty="0" smtClean="0">
+              <a:cs typeface="Arial" panose="020B0604020202020204" pitchFamily="34" charset="0"/>
+            </a:endParaRPr>
+          </a:p>
+        </p:txBody>
+      </p:sp>
+    </p:spTree>
+    <p:extLst>
+      <p:ext uri="{BB962C8B-B14F-4D97-AF65-F5344CB8AC3E}">
+        <p14:creationId xmlns:p14="http://schemas.microsoft.com/office/powerpoint/2010/main" val="599067305"/>
+      </p:ext>
+    </p:extLst>
+  </p:cSld>
+  <p:clrMapOvr>
+    <a:masterClrMapping/>
+  </p:clrMapOvr>
+</p:sld>
+</file>
+
+<file path=ppt/slides/slide9.xml><?xml version="1.0" encoding="utf-8"?>
+<p:sld xmlns:a="http://schemas.openxmlformats.org/drawingml/2006/main" xmlns:r="http://schemas.openxmlformats.org/officeDocument/2006/relationships" xmlns:p="http://schemas.openxmlformats.org/presentationml/2006/main">
+  <p:cSld>
+    <p:bg>
+      <p:bgPr>
+        <a:solidFill>
+          <a:schemeClr val="tx1"/>
+        </a:solidFill>
+        <a:effectLst/>
+      </p:bgPr>
+    </p:bg>
+    <p:spTree>
+      <p:nvGrpSpPr>
+        <p:cNvPr id="1" name=""/>
+        <p:cNvGrpSpPr/>
+        <p:nvPr/>
+      </p:nvGrpSpPr>
+      <p:grpSpPr>
+        <a:xfrm>
+          <a:off x="0" y="0"/>
+          <a:ext cx="0" cy="0"/>
+          <a:chOff x="0" y="0"/>
+          <a:chExt cx="0" cy="0"/>
+        </a:xfrm>
+      </p:grpSpPr>
+      <p:pic>
+        <p:nvPicPr>
+          <p:cNvPr id="2" name="Picture 1"/>
+          <p:cNvPicPr>
+            <a:picLocks noChangeAspect="1"/>
+          </p:cNvPicPr>
+          <p:nvPr/>
+        </p:nvPicPr>
+        <p:blipFill>
+          <a:blip r:embed="rId2">
+            <a:extLst>
+              <a:ext uri="{28A0092B-C50C-407E-A947-70E740481C1C}">
+                <a14:useLocalDpi xmlns:a14="http://schemas.microsoft.com/office/drawing/2010/main" val="0"/>
+              </a:ext>
+            </a:extLst>
+          </a:blip>
+          <a:stretch>
+            <a:fillRect/>
+          </a:stretch>
+        </p:blipFill>
+        <p:spPr>
+          <a:xfrm>
+            <a:off x="1696329" y="1066461"/>
+            <a:ext cx="8799342" cy="5619382"/>
+          </a:xfrm>
+          <a:prstGeom prst="rect">
+            <a:avLst/>
+          </a:prstGeom>
+        </p:spPr>
+      </p:pic>
+      <p:sp>
+        <p:nvSpPr>
+          <p:cNvPr id="5" name="TextBox 4"/>
+          <p:cNvSpPr txBox="1"/>
+          <p:nvPr/>
+        </p:nvSpPr>
+        <p:spPr>
+          <a:xfrm>
+            <a:off x="0" y="297020"/>
+            <a:ext cx="12192000" cy="769441"/>
+          </a:xfrm>
+          <a:prstGeom prst="rect">
+            <a:avLst/>
+          </a:prstGeom>
+          <a:solidFill>
+            <a:schemeClr val="bg1">
+              <a:lumMod val="95000"/>
+            </a:schemeClr>
+          </a:solidFill>
+          <a:ln>
+            <a:solidFill>
+              <a:schemeClr val="bg1">
+                <a:lumMod val="75000"/>
+              </a:schemeClr>
+            </a:solidFill>
+          </a:ln>
+        </p:spPr>
+        <p:txBody>
+          <a:bodyPr wrap="square" rtlCol="0">
+            <a:spAutoFit/>
+          </a:bodyPr>
+          <a:lstStyle/>
+          <a:p>
+            <a:pPr algn="ctr"/>
+            <a:r>
+              <a:rPr lang="en-US" sz="4400" dirty="0" smtClean="0">
+                <a:cs typeface="Arial" panose="020B0604020202020204" pitchFamily="34" charset="0"/>
+              </a:rPr>
+              <a:t>Surface Normal Estimation (2)</a:t>
+            </a:r>
+            <a:endParaRPr lang="en-US" sz="4400" dirty="0" smtClean="0">
+              <a:cs typeface="Arial" panose="020B0604020202020204" pitchFamily="34" charset="0"/>
+            </a:endParaRPr>
+          </a:p>
+        </p:txBody>
+      </p:sp>
+    </p:spTree>
+    <p:extLst>
+      <p:ext uri="{BB962C8B-B14F-4D97-AF65-F5344CB8AC3E}">
+        <p14:creationId xmlns:p14="http://schemas.microsoft.com/office/powerpoint/2010/main" val="1574429692"/>
       </p:ext>
     </p:extLst>
   </p:cSld>

--- a/presentation/main.pptx
+++ b/presentation/main.pptx
@@ -19,6 +19,12 @@
     <p:sldId id="266" r:id="rId14"/>
     <p:sldId id="267" r:id="rId15"/>
     <p:sldId id="268" r:id="rId16"/>
+    <p:sldId id="269" r:id="rId17"/>
+    <p:sldId id="270" r:id="rId18"/>
+    <p:sldId id="271" r:id="rId19"/>
+    <p:sldId id="272" r:id="rId20"/>
+    <p:sldId id="273" r:id="rId21"/>
+    <p:sldId id="274" r:id="rId22"/>
   </p:sldIdLst>
   <p:sldSz cx="12192000" cy="6858000"/>
   <p:notesSz cx="7772400" cy="10058400"/>
@@ -66,7 +72,7 @@
       </p:grpSpPr>
       <p:sp>
         <p:nvSpPr>
-          <p:cNvPr id="26" name="PlaceHolder 1"/>
+          <p:cNvPr id="23" name="PlaceHolder 1"/>
           <p:cNvSpPr>
             <a:spLocks noGrp="1"/>
           </p:cNvSpPr>
@@ -76,8 +82,8 @@
         </p:nvSpPr>
         <p:spPr>
           <a:xfrm>
-            <a:off x="838080" y="365040"/>
-            <a:ext cx="10515240" cy="1325520"/>
+            <a:off x="609480" y="273600"/>
+            <a:ext cx="10972440" cy="1145160"/>
           </a:xfrm>
           <a:prstGeom prst="rect">
             <a:avLst/>
@@ -86,13 +92,14 @@
         <p:txBody>
           <a:bodyPr lIns="0" rIns="0" tIns="0" bIns="0" anchor="ctr"/>
           <a:p>
-            <a:endParaRPr/>
-          </a:p>
-        </p:txBody>
-      </p:sp>
-      <p:sp>
-        <p:nvSpPr>
-          <p:cNvPr id="27" name="PlaceHolder 2"/>
+            <a:pPr algn="ctr"/>
+            <a:endParaRPr/>
+          </a:p>
+        </p:txBody>
+      </p:sp>
+      <p:sp>
+        <p:nvSpPr>
+          <p:cNvPr id="24" name="PlaceHolder 2"/>
           <p:cNvSpPr>
             <a:spLocks noGrp="1"/>
           </p:cNvSpPr>
@@ -102,8 +109,8 @@
         </p:nvSpPr>
         <p:spPr>
           <a:xfrm>
-            <a:off x="838080" y="1825560"/>
-            <a:ext cx="10515240" cy="2075040"/>
+            <a:off x="609480" y="1604520"/>
+            <a:ext cx="10972440" cy="1896840"/>
           </a:xfrm>
           <a:prstGeom prst="rect">
             <a:avLst/>
@@ -118,7 +125,7 @@
       </p:sp>
       <p:sp>
         <p:nvSpPr>
-          <p:cNvPr id="28" name="PlaceHolder 3"/>
+          <p:cNvPr id="25" name="PlaceHolder 3"/>
           <p:cNvSpPr>
             <a:spLocks noGrp="1"/>
           </p:cNvSpPr>
@@ -128,8 +135,8 @@
         </p:nvSpPr>
         <p:spPr>
           <a:xfrm>
-            <a:off x="838080" y="4098240"/>
-            <a:ext cx="10515240" cy="2075040"/>
+            <a:off x="609480" y="3682080"/>
+            <a:ext cx="10972440" cy="1896840"/>
           </a:xfrm>
           <a:prstGeom prst="rect">
             <a:avLst/>
@@ -166,7 +173,7 @@
       </p:grpSpPr>
       <p:sp>
         <p:nvSpPr>
-          <p:cNvPr id="29" name="PlaceHolder 1"/>
+          <p:cNvPr id="26" name="PlaceHolder 1"/>
           <p:cNvSpPr>
             <a:spLocks noGrp="1"/>
           </p:cNvSpPr>
@@ -176,8 +183,8 @@
         </p:nvSpPr>
         <p:spPr>
           <a:xfrm>
-            <a:off x="838080" y="365040"/>
-            <a:ext cx="10515240" cy="1325520"/>
+            <a:off x="609480" y="273600"/>
+            <a:ext cx="10972440" cy="1145160"/>
           </a:xfrm>
           <a:prstGeom prst="rect">
             <a:avLst/>
@@ -186,13 +193,14 @@
         <p:txBody>
           <a:bodyPr lIns="0" rIns="0" tIns="0" bIns="0" anchor="ctr"/>
           <a:p>
-            <a:endParaRPr/>
-          </a:p>
-        </p:txBody>
-      </p:sp>
-      <p:sp>
-        <p:nvSpPr>
-          <p:cNvPr id="30" name="PlaceHolder 2"/>
+            <a:pPr algn="ctr"/>
+            <a:endParaRPr/>
+          </a:p>
+        </p:txBody>
+      </p:sp>
+      <p:sp>
+        <p:nvSpPr>
+          <p:cNvPr id="27" name="PlaceHolder 2"/>
           <p:cNvSpPr>
             <a:spLocks noGrp="1"/>
           </p:cNvSpPr>
@@ -202,8 +210,8 @@
         </p:nvSpPr>
         <p:spPr>
           <a:xfrm>
-            <a:off x="838080" y="1825560"/>
-            <a:ext cx="5131080" cy="2075040"/>
+            <a:off x="609480" y="1604520"/>
+            <a:ext cx="5354280" cy="1896840"/>
           </a:xfrm>
           <a:prstGeom prst="rect">
             <a:avLst/>
@@ -218,7 +226,7 @@
       </p:sp>
       <p:sp>
         <p:nvSpPr>
-          <p:cNvPr id="31" name="PlaceHolder 3"/>
+          <p:cNvPr id="28" name="PlaceHolder 3"/>
           <p:cNvSpPr>
             <a:spLocks noGrp="1"/>
           </p:cNvSpPr>
@@ -228,8 +236,8 @@
         </p:nvSpPr>
         <p:spPr>
           <a:xfrm>
-            <a:off x="6226200" y="1825560"/>
-            <a:ext cx="5131080" cy="2075040"/>
+            <a:off x="6231960" y="1604520"/>
+            <a:ext cx="5354280" cy="1896840"/>
           </a:xfrm>
           <a:prstGeom prst="rect">
             <a:avLst/>
@@ -244,7 +252,7 @@
       </p:sp>
       <p:sp>
         <p:nvSpPr>
-          <p:cNvPr id="32" name="PlaceHolder 4"/>
+          <p:cNvPr id="29" name="PlaceHolder 4"/>
           <p:cNvSpPr>
             <a:spLocks noGrp="1"/>
           </p:cNvSpPr>
@@ -254,8 +262,8 @@
         </p:nvSpPr>
         <p:spPr>
           <a:xfrm>
-            <a:off x="6226200" y="4098240"/>
-            <a:ext cx="5131080" cy="2075040"/>
+            <a:off x="6231960" y="3682080"/>
+            <a:ext cx="5354280" cy="1896840"/>
           </a:xfrm>
           <a:prstGeom prst="rect">
             <a:avLst/>
@@ -270,7 +278,7 @@
       </p:sp>
       <p:sp>
         <p:nvSpPr>
-          <p:cNvPr id="33" name="PlaceHolder 5"/>
+          <p:cNvPr id="30" name="PlaceHolder 5"/>
           <p:cNvSpPr>
             <a:spLocks noGrp="1"/>
           </p:cNvSpPr>
@@ -280,8 +288,8 @@
         </p:nvSpPr>
         <p:spPr>
           <a:xfrm>
-            <a:off x="838080" y="4098240"/>
-            <a:ext cx="5131080" cy="2075040"/>
+            <a:off x="609480" y="3682080"/>
+            <a:ext cx="5354280" cy="1896840"/>
           </a:xfrm>
           <a:prstGeom prst="rect">
             <a:avLst/>
@@ -318,7 +326,7 @@
       </p:grpSpPr>
       <p:sp>
         <p:nvSpPr>
-          <p:cNvPr id="34" name="PlaceHolder 1"/>
+          <p:cNvPr id="31" name="PlaceHolder 1"/>
           <p:cNvSpPr>
             <a:spLocks noGrp="1"/>
           </p:cNvSpPr>
@@ -328,8 +336,8 @@
         </p:nvSpPr>
         <p:spPr>
           <a:xfrm>
-            <a:off x="838080" y="365040"/>
-            <a:ext cx="10515240" cy="1325520"/>
+            <a:off x="609480" y="273600"/>
+            <a:ext cx="10972440" cy="1145160"/>
           </a:xfrm>
           <a:prstGeom prst="rect">
             <a:avLst/>
@@ -338,13 +346,14 @@
         <p:txBody>
           <a:bodyPr lIns="0" rIns="0" tIns="0" bIns="0" anchor="ctr"/>
           <a:p>
-            <a:endParaRPr/>
-          </a:p>
-        </p:txBody>
-      </p:sp>
-      <p:sp>
-        <p:nvSpPr>
-          <p:cNvPr id="35" name="PlaceHolder 2"/>
+            <a:pPr algn="ctr"/>
+            <a:endParaRPr/>
+          </a:p>
+        </p:txBody>
+      </p:sp>
+      <p:sp>
+        <p:nvSpPr>
+          <p:cNvPr id="32" name="PlaceHolder 2"/>
           <p:cNvSpPr>
             <a:spLocks noGrp="1"/>
           </p:cNvSpPr>
@@ -354,8 +363,8 @@
         </p:nvSpPr>
         <p:spPr>
           <a:xfrm>
-            <a:off x="838080" y="1825560"/>
-            <a:ext cx="10515240" cy="4350960"/>
+            <a:off x="609480" y="1604520"/>
+            <a:ext cx="10972440" cy="3976920"/>
           </a:xfrm>
           <a:prstGeom prst="rect">
             <a:avLst/>
@@ -370,7 +379,7 @@
       </p:sp>
       <p:sp>
         <p:nvSpPr>
-          <p:cNvPr id="36" name="PlaceHolder 3"/>
+          <p:cNvPr id="33" name="PlaceHolder 3"/>
           <p:cNvSpPr>
             <a:spLocks noGrp="1"/>
           </p:cNvSpPr>
@@ -380,8 +389,8 @@
         </p:nvSpPr>
         <p:spPr>
           <a:xfrm>
-            <a:off x="838080" y="1825560"/>
-            <a:ext cx="10515240" cy="4350960"/>
+            <a:off x="609480" y="1604520"/>
+            <a:ext cx="10972440" cy="3976920"/>
           </a:xfrm>
           <a:prstGeom prst="rect">
             <a:avLst/>
@@ -396,7 +405,7 @@
       </p:sp>
       <p:pic>
         <p:nvPicPr>
-          <p:cNvPr id="37" name="" descr=""/>
+          <p:cNvPr id="34" name="" descr=""/>
           <p:cNvPicPr/>
           <p:nvPr/>
         </p:nvPicPr>
@@ -408,8 +417,8 @@
         </p:blipFill>
         <p:spPr>
           <a:xfrm>
-            <a:off x="3368880" y="1825560"/>
-            <a:ext cx="5452920" cy="4350960"/>
+            <a:off x="3603240" y="1604160"/>
+            <a:ext cx="4984200" cy="3976920"/>
           </a:xfrm>
           <a:prstGeom prst="rect">
             <a:avLst/>
@@ -421,7 +430,7 @@
       </p:pic>
       <p:pic>
         <p:nvPicPr>
-          <p:cNvPr id="38" name="" descr=""/>
+          <p:cNvPr id="35" name="" descr=""/>
           <p:cNvPicPr/>
           <p:nvPr/>
         </p:nvPicPr>
@@ -433,8 +442,8 @@
         </p:blipFill>
         <p:spPr>
           <a:xfrm>
-            <a:off x="3368880" y="1825560"/>
-            <a:ext cx="5452920" cy="4350960"/>
+            <a:off x="3603240" y="1604160"/>
+            <a:ext cx="4984200" cy="3976920"/>
           </a:xfrm>
           <a:prstGeom prst="rect">
             <a:avLst/>
@@ -490,7 +499,7 @@
       </p:grpSpPr>
       <p:sp>
         <p:nvSpPr>
-          <p:cNvPr id="44" name="PlaceHolder 1"/>
+          <p:cNvPr id="38" name="PlaceHolder 1"/>
           <p:cNvSpPr>
             <a:spLocks noGrp="1"/>
           </p:cNvSpPr>
@@ -500,8 +509,8 @@
         </p:nvSpPr>
         <p:spPr>
           <a:xfrm>
-            <a:off x="838080" y="365040"/>
-            <a:ext cx="10515240" cy="1325520"/>
+            <a:off x="609480" y="273600"/>
+            <a:ext cx="10972440" cy="1145160"/>
           </a:xfrm>
           <a:prstGeom prst="rect">
             <a:avLst/>
@@ -510,13 +519,14 @@
         <p:txBody>
           <a:bodyPr lIns="0" rIns="0" tIns="0" bIns="0" anchor="ctr"/>
           <a:p>
-            <a:endParaRPr/>
-          </a:p>
-        </p:txBody>
-      </p:sp>
-      <p:sp>
-        <p:nvSpPr>
-          <p:cNvPr id="45" name="PlaceHolder 2"/>
+            <a:pPr algn="ctr"/>
+            <a:endParaRPr/>
+          </a:p>
+        </p:txBody>
+      </p:sp>
+      <p:sp>
+        <p:nvSpPr>
+          <p:cNvPr id="39" name="PlaceHolder 2"/>
           <p:cNvSpPr>
             <a:spLocks noGrp="1"/>
           </p:cNvSpPr>
@@ -526,8 +536,8 @@
         </p:nvSpPr>
         <p:spPr>
           <a:xfrm>
-            <a:off x="838080" y="1825560"/>
-            <a:ext cx="10515240" cy="4351320"/>
+            <a:off x="609480" y="1604520"/>
+            <a:ext cx="10972440" cy="3977280"/>
           </a:xfrm>
           <a:prstGeom prst="rect">
             <a:avLst/>
@@ -565,7 +575,7 @@
       </p:grpSpPr>
       <p:sp>
         <p:nvSpPr>
-          <p:cNvPr id="46" name="PlaceHolder 1"/>
+          <p:cNvPr id="40" name="PlaceHolder 1"/>
           <p:cNvSpPr>
             <a:spLocks noGrp="1"/>
           </p:cNvSpPr>
@@ -575,8 +585,8 @@
         </p:nvSpPr>
         <p:spPr>
           <a:xfrm>
-            <a:off x="838080" y="365040"/>
-            <a:ext cx="10515240" cy="1325520"/>
+            <a:off x="609480" y="273600"/>
+            <a:ext cx="10972440" cy="1145160"/>
           </a:xfrm>
           <a:prstGeom prst="rect">
             <a:avLst/>
@@ -585,13 +595,14 @@
         <p:txBody>
           <a:bodyPr lIns="0" rIns="0" tIns="0" bIns="0" anchor="ctr"/>
           <a:p>
-            <a:endParaRPr/>
-          </a:p>
-        </p:txBody>
-      </p:sp>
-      <p:sp>
-        <p:nvSpPr>
-          <p:cNvPr id="47" name="PlaceHolder 2"/>
+            <a:pPr algn="ctr"/>
+            <a:endParaRPr/>
+          </a:p>
+        </p:txBody>
+      </p:sp>
+      <p:sp>
+        <p:nvSpPr>
+          <p:cNvPr id="41" name="PlaceHolder 2"/>
           <p:cNvSpPr>
             <a:spLocks noGrp="1"/>
           </p:cNvSpPr>
@@ -601,8 +612,8 @@
         </p:nvSpPr>
         <p:spPr>
           <a:xfrm>
-            <a:off x="838080" y="1825560"/>
-            <a:ext cx="10515240" cy="4350960"/>
+            <a:off x="609480" y="1604520"/>
+            <a:ext cx="10972440" cy="3976920"/>
           </a:xfrm>
           <a:prstGeom prst="rect">
             <a:avLst/>
@@ -639,7 +650,7 @@
       </p:grpSpPr>
       <p:sp>
         <p:nvSpPr>
-          <p:cNvPr id="48" name="PlaceHolder 1"/>
+          <p:cNvPr id="42" name="PlaceHolder 1"/>
           <p:cNvSpPr>
             <a:spLocks noGrp="1"/>
           </p:cNvSpPr>
@@ -649,8 +660,8 @@
         </p:nvSpPr>
         <p:spPr>
           <a:xfrm>
-            <a:off x="838080" y="365040"/>
-            <a:ext cx="10515240" cy="1325520"/>
+            <a:off x="609480" y="273600"/>
+            <a:ext cx="10972440" cy="1145160"/>
           </a:xfrm>
           <a:prstGeom prst="rect">
             <a:avLst/>
@@ -659,13 +670,14 @@
         <p:txBody>
           <a:bodyPr lIns="0" rIns="0" tIns="0" bIns="0" anchor="ctr"/>
           <a:p>
-            <a:endParaRPr/>
-          </a:p>
-        </p:txBody>
-      </p:sp>
-      <p:sp>
-        <p:nvSpPr>
-          <p:cNvPr id="49" name="PlaceHolder 2"/>
+            <a:pPr algn="ctr"/>
+            <a:endParaRPr/>
+          </a:p>
+        </p:txBody>
+      </p:sp>
+      <p:sp>
+        <p:nvSpPr>
+          <p:cNvPr id="43" name="PlaceHolder 2"/>
           <p:cNvSpPr>
             <a:spLocks noGrp="1"/>
           </p:cNvSpPr>
@@ -675,8 +687,8 @@
         </p:nvSpPr>
         <p:spPr>
           <a:xfrm>
-            <a:off x="838080" y="1825560"/>
-            <a:ext cx="5131080" cy="4350960"/>
+            <a:off x="609480" y="1604520"/>
+            <a:ext cx="5354280" cy="3976920"/>
           </a:xfrm>
           <a:prstGeom prst="rect">
             <a:avLst/>
@@ -691,7 +703,7 @@
       </p:sp>
       <p:sp>
         <p:nvSpPr>
-          <p:cNvPr id="50" name="PlaceHolder 3"/>
+          <p:cNvPr id="44" name="PlaceHolder 3"/>
           <p:cNvSpPr>
             <a:spLocks noGrp="1"/>
           </p:cNvSpPr>
@@ -701,8 +713,8 @@
         </p:nvSpPr>
         <p:spPr>
           <a:xfrm>
-            <a:off x="6226200" y="1825560"/>
-            <a:ext cx="5131080" cy="4350960"/>
+            <a:off x="6231960" y="1604520"/>
+            <a:ext cx="5354280" cy="3976920"/>
           </a:xfrm>
           <a:prstGeom prst="rect">
             <a:avLst/>
@@ -739,7 +751,7 @@
       </p:grpSpPr>
       <p:sp>
         <p:nvSpPr>
-          <p:cNvPr id="51" name="PlaceHolder 1"/>
+          <p:cNvPr id="45" name="PlaceHolder 1"/>
           <p:cNvSpPr>
             <a:spLocks noGrp="1"/>
           </p:cNvSpPr>
@@ -749,8 +761,8 @@
         </p:nvSpPr>
         <p:spPr>
           <a:xfrm>
-            <a:off x="838080" y="365040"/>
-            <a:ext cx="10515240" cy="1325520"/>
+            <a:off x="609480" y="273600"/>
+            <a:ext cx="10972440" cy="1145160"/>
           </a:xfrm>
           <a:prstGeom prst="rect">
             <a:avLst/>
@@ -759,6 +771,7 @@
         <p:txBody>
           <a:bodyPr lIns="0" rIns="0" tIns="0" bIns="0" anchor="ctr"/>
           <a:p>
+            <a:pPr algn="ctr"/>
             <a:endParaRPr/>
           </a:p>
         </p:txBody>
@@ -787,7 +800,7 @@
       </p:grpSpPr>
       <p:sp>
         <p:nvSpPr>
-          <p:cNvPr id="52" name="PlaceHolder 1"/>
+          <p:cNvPr id="46" name="PlaceHolder 1"/>
           <p:cNvSpPr>
             <a:spLocks noGrp="1"/>
           </p:cNvSpPr>
@@ -797,8 +810,8 @@
         </p:nvSpPr>
         <p:spPr>
           <a:xfrm>
-            <a:off x="838080" y="365040"/>
-            <a:ext cx="10515240" cy="6144480"/>
+            <a:off x="609480" y="273600"/>
+            <a:ext cx="10972440" cy="5308200"/>
           </a:xfrm>
           <a:prstGeom prst="rect">
             <a:avLst/>
@@ -836,7 +849,7 @@
       </p:grpSpPr>
       <p:sp>
         <p:nvSpPr>
-          <p:cNvPr id="53" name="PlaceHolder 1"/>
+          <p:cNvPr id="47" name="PlaceHolder 1"/>
           <p:cNvSpPr>
             <a:spLocks noGrp="1"/>
           </p:cNvSpPr>
@@ -846,8 +859,8 @@
         </p:nvSpPr>
         <p:spPr>
           <a:xfrm>
-            <a:off x="838080" y="365040"/>
-            <a:ext cx="10515240" cy="1325520"/>
+            <a:off x="609480" y="273600"/>
+            <a:ext cx="10972440" cy="1145160"/>
           </a:xfrm>
           <a:prstGeom prst="rect">
             <a:avLst/>
@@ -856,13 +869,14 @@
         <p:txBody>
           <a:bodyPr lIns="0" rIns="0" tIns="0" bIns="0" anchor="ctr"/>
           <a:p>
-            <a:endParaRPr/>
-          </a:p>
-        </p:txBody>
-      </p:sp>
-      <p:sp>
-        <p:nvSpPr>
-          <p:cNvPr id="54" name="PlaceHolder 2"/>
+            <a:pPr algn="ctr"/>
+            <a:endParaRPr/>
+          </a:p>
+        </p:txBody>
+      </p:sp>
+      <p:sp>
+        <p:nvSpPr>
+          <p:cNvPr id="48" name="PlaceHolder 2"/>
           <p:cNvSpPr>
             <a:spLocks noGrp="1"/>
           </p:cNvSpPr>
@@ -872,8 +886,8 @@
         </p:nvSpPr>
         <p:spPr>
           <a:xfrm>
-            <a:off x="838080" y="1825560"/>
-            <a:ext cx="5131080" cy="2075040"/>
+            <a:off x="609480" y="1604520"/>
+            <a:ext cx="5354280" cy="1896840"/>
           </a:xfrm>
           <a:prstGeom prst="rect">
             <a:avLst/>
@@ -888,7 +902,7 @@
       </p:sp>
       <p:sp>
         <p:nvSpPr>
-          <p:cNvPr id="55" name="PlaceHolder 3"/>
+          <p:cNvPr id="49" name="PlaceHolder 3"/>
           <p:cNvSpPr>
             <a:spLocks noGrp="1"/>
           </p:cNvSpPr>
@@ -898,8 +912,8 @@
         </p:nvSpPr>
         <p:spPr>
           <a:xfrm>
-            <a:off x="838080" y="4098240"/>
-            <a:ext cx="5131080" cy="2075040"/>
+            <a:off x="609480" y="3682080"/>
+            <a:ext cx="5354280" cy="1896840"/>
           </a:xfrm>
           <a:prstGeom prst="rect">
             <a:avLst/>
@@ -914,7 +928,7 @@
       </p:sp>
       <p:sp>
         <p:nvSpPr>
-          <p:cNvPr id="56" name="PlaceHolder 4"/>
+          <p:cNvPr id="50" name="PlaceHolder 4"/>
           <p:cNvSpPr>
             <a:spLocks noGrp="1"/>
           </p:cNvSpPr>
@@ -924,8 +938,8 @@
         </p:nvSpPr>
         <p:spPr>
           <a:xfrm>
-            <a:off x="6226200" y="1825560"/>
-            <a:ext cx="5131080" cy="4350960"/>
+            <a:off x="6231960" y="1604520"/>
+            <a:ext cx="5354280" cy="3976920"/>
           </a:xfrm>
           <a:prstGeom prst="rect">
             <a:avLst/>
@@ -962,7 +976,7 @@
       </p:grpSpPr>
       <p:sp>
         <p:nvSpPr>
-          <p:cNvPr id="5" name="PlaceHolder 1"/>
+          <p:cNvPr id="2" name="PlaceHolder 1"/>
           <p:cNvSpPr>
             <a:spLocks noGrp="1"/>
           </p:cNvSpPr>
@@ -972,8 +986,8 @@
         </p:nvSpPr>
         <p:spPr>
           <a:xfrm>
-            <a:off x="838080" y="365040"/>
-            <a:ext cx="10515240" cy="1325520"/>
+            <a:off x="609480" y="273600"/>
+            <a:ext cx="10972440" cy="1145160"/>
           </a:xfrm>
           <a:prstGeom prst="rect">
             <a:avLst/>
@@ -982,13 +996,14 @@
         <p:txBody>
           <a:bodyPr lIns="0" rIns="0" tIns="0" bIns="0" anchor="ctr"/>
           <a:p>
-            <a:endParaRPr/>
-          </a:p>
-        </p:txBody>
-      </p:sp>
-      <p:sp>
-        <p:nvSpPr>
-          <p:cNvPr id="6" name="PlaceHolder 2"/>
+            <a:pPr algn="ctr"/>
+            <a:endParaRPr/>
+          </a:p>
+        </p:txBody>
+      </p:sp>
+      <p:sp>
+        <p:nvSpPr>
+          <p:cNvPr id="3" name="PlaceHolder 2"/>
           <p:cNvSpPr>
             <a:spLocks noGrp="1"/>
           </p:cNvSpPr>
@@ -998,8 +1013,8 @@
         </p:nvSpPr>
         <p:spPr>
           <a:xfrm>
-            <a:off x="838080" y="1825560"/>
-            <a:ext cx="10515240" cy="4351320"/>
+            <a:off x="609480" y="1604520"/>
+            <a:ext cx="10972440" cy="3977280"/>
           </a:xfrm>
           <a:prstGeom prst="rect">
             <a:avLst/>
@@ -1037,7 +1052,7 @@
       </p:grpSpPr>
       <p:sp>
         <p:nvSpPr>
-          <p:cNvPr id="57" name="PlaceHolder 1"/>
+          <p:cNvPr id="51" name="PlaceHolder 1"/>
           <p:cNvSpPr>
             <a:spLocks noGrp="1"/>
           </p:cNvSpPr>
@@ -1047,8 +1062,8 @@
         </p:nvSpPr>
         <p:spPr>
           <a:xfrm>
-            <a:off x="838080" y="365040"/>
-            <a:ext cx="10515240" cy="1325520"/>
+            <a:off x="609480" y="273600"/>
+            <a:ext cx="10972440" cy="1145160"/>
           </a:xfrm>
           <a:prstGeom prst="rect">
             <a:avLst/>
@@ -1057,13 +1072,14 @@
         <p:txBody>
           <a:bodyPr lIns="0" rIns="0" tIns="0" bIns="0" anchor="ctr"/>
           <a:p>
-            <a:endParaRPr/>
-          </a:p>
-        </p:txBody>
-      </p:sp>
-      <p:sp>
-        <p:nvSpPr>
-          <p:cNvPr id="58" name="PlaceHolder 2"/>
+            <a:pPr algn="ctr"/>
+            <a:endParaRPr/>
+          </a:p>
+        </p:txBody>
+      </p:sp>
+      <p:sp>
+        <p:nvSpPr>
+          <p:cNvPr id="52" name="PlaceHolder 2"/>
           <p:cNvSpPr>
             <a:spLocks noGrp="1"/>
           </p:cNvSpPr>
@@ -1073,8 +1089,8 @@
         </p:nvSpPr>
         <p:spPr>
           <a:xfrm>
-            <a:off x="838080" y="1825560"/>
-            <a:ext cx="5131080" cy="4350960"/>
+            <a:off x="609480" y="1604520"/>
+            <a:ext cx="5354280" cy="3976920"/>
           </a:xfrm>
           <a:prstGeom prst="rect">
             <a:avLst/>
@@ -1089,7 +1105,7 @@
       </p:sp>
       <p:sp>
         <p:nvSpPr>
-          <p:cNvPr id="59" name="PlaceHolder 3"/>
+          <p:cNvPr id="53" name="PlaceHolder 3"/>
           <p:cNvSpPr>
             <a:spLocks noGrp="1"/>
           </p:cNvSpPr>
@@ -1099,8 +1115,8 @@
         </p:nvSpPr>
         <p:spPr>
           <a:xfrm>
-            <a:off x="6226200" y="1825560"/>
-            <a:ext cx="5131080" cy="2075040"/>
+            <a:off x="6231960" y="1604520"/>
+            <a:ext cx="5354280" cy="1896840"/>
           </a:xfrm>
           <a:prstGeom prst="rect">
             <a:avLst/>
@@ -1115,7 +1131,7 @@
       </p:sp>
       <p:sp>
         <p:nvSpPr>
-          <p:cNvPr id="60" name="PlaceHolder 4"/>
+          <p:cNvPr id="54" name="PlaceHolder 4"/>
           <p:cNvSpPr>
             <a:spLocks noGrp="1"/>
           </p:cNvSpPr>
@@ -1125,8 +1141,8 @@
         </p:nvSpPr>
         <p:spPr>
           <a:xfrm>
-            <a:off x="6226200" y="4098240"/>
-            <a:ext cx="5131080" cy="2075040"/>
+            <a:off x="6231960" y="3682080"/>
+            <a:ext cx="5354280" cy="1896840"/>
           </a:xfrm>
           <a:prstGeom prst="rect">
             <a:avLst/>
@@ -1163,7 +1179,7 @@
       </p:grpSpPr>
       <p:sp>
         <p:nvSpPr>
-          <p:cNvPr id="61" name="PlaceHolder 1"/>
+          <p:cNvPr id="55" name="PlaceHolder 1"/>
           <p:cNvSpPr>
             <a:spLocks noGrp="1"/>
           </p:cNvSpPr>
@@ -1173,8 +1189,8 @@
         </p:nvSpPr>
         <p:spPr>
           <a:xfrm>
-            <a:off x="838080" y="365040"/>
-            <a:ext cx="10515240" cy="1325520"/>
+            <a:off x="609480" y="273600"/>
+            <a:ext cx="10972440" cy="1145160"/>
           </a:xfrm>
           <a:prstGeom prst="rect">
             <a:avLst/>
@@ -1183,13 +1199,14 @@
         <p:txBody>
           <a:bodyPr lIns="0" rIns="0" tIns="0" bIns="0" anchor="ctr"/>
           <a:p>
-            <a:endParaRPr/>
-          </a:p>
-        </p:txBody>
-      </p:sp>
-      <p:sp>
-        <p:nvSpPr>
-          <p:cNvPr id="62" name="PlaceHolder 2"/>
+            <a:pPr algn="ctr"/>
+            <a:endParaRPr/>
+          </a:p>
+        </p:txBody>
+      </p:sp>
+      <p:sp>
+        <p:nvSpPr>
+          <p:cNvPr id="56" name="PlaceHolder 2"/>
           <p:cNvSpPr>
             <a:spLocks noGrp="1"/>
           </p:cNvSpPr>
@@ -1199,8 +1216,8 @@
         </p:nvSpPr>
         <p:spPr>
           <a:xfrm>
-            <a:off x="838080" y="1825560"/>
-            <a:ext cx="5131080" cy="2075040"/>
+            <a:off x="609480" y="1604520"/>
+            <a:ext cx="5354280" cy="1896840"/>
           </a:xfrm>
           <a:prstGeom prst="rect">
             <a:avLst/>
@@ -1215,7 +1232,7 @@
       </p:sp>
       <p:sp>
         <p:nvSpPr>
-          <p:cNvPr id="63" name="PlaceHolder 3"/>
+          <p:cNvPr id="57" name="PlaceHolder 3"/>
           <p:cNvSpPr>
             <a:spLocks noGrp="1"/>
           </p:cNvSpPr>
@@ -1225,8 +1242,8 @@
         </p:nvSpPr>
         <p:spPr>
           <a:xfrm>
-            <a:off x="6226200" y="1825560"/>
-            <a:ext cx="5131080" cy="2075040"/>
+            <a:off x="6231960" y="1604520"/>
+            <a:ext cx="5354280" cy="1896840"/>
           </a:xfrm>
           <a:prstGeom prst="rect">
             <a:avLst/>
@@ -1241,7 +1258,7 @@
       </p:sp>
       <p:sp>
         <p:nvSpPr>
-          <p:cNvPr id="64" name="PlaceHolder 4"/>
+          <p:cNvPr id="58" name="PlaceHolder 4"/>
           <p:cNvSpPr>
             <a:spLocks noGrp="1"/>
           </p:cNvSpPr>
@@ -1251,8 +1268,8 @@
         </p:nvSpPr>
         <p:spPr>
           <a:xfrm>
-            <a:off x="838080" y="4098240"/>
-            <a:ext cx="10515240" cy="2075040"/>
+            <a:off x="609480" y="3682080"/>
+            <a:ext cx="10972440" cy="1896840"/>
           </a:xfrm>
           <a:prstGeom prst="rect">
             <a:avLst/>
@@ -1289,7 +1306,7 @@
       </p:grpSpPr>
       <p:sp>
         <p:nvSpPr>
-          <p:cNvPr id="65" name="PlaceHolder 1"/>
+          <p:cNvPr id="59" name="PlaceHolder 1"/>
           <p:cNvSpPr>
             <a:spLocks noGrp="1"/>
           </p:cNvSpPr>
@@ -1299,8 +1316,8 @@
         </p:nvSpPr>
         <p:spPr>
           <a:xfrm>
-            <a:off x="838080" y="365040"/>
-            <a:ext cx="10515240" cy="1325520"/>
+            <a:off x="609480" y="273600"/>
+            <a:ext cx="10972440" cy="1145160"/>
           </a:xfrm>
           <a:prstGeom prst="rect">
             <a:avLst/>
@@ -1309,13 +1326,14 @@
         <p:txBody>
           <a:bodyPr lIns="0" rIns="0" tIns="0" bIns="0" anchor="ctr"/>
           <a:p>
-            <a:endParaRPr/>
-          </a:p>
-        </p:txBody>
-      </p:sp>
-      <p:sp>
-        <p:nvSpPr>
-          <p:cNvPr id="66" name="PlaceHolder 2"/>
+            <a:pPr algn="ctr"/>
+            <a:endParaRPr/>
+          </a:p>
+        </p:txBody>
+      </p:sp>
+      <p:sp>
+        <p:nvSpPr>
+          <p:cNvPr id="60" name="PlaceHolder 2"/>
           <p:cNvSpPr>
             <a:spLocks noGrp="1"/>
           </p:cNvSpPr>
@@ -1325,8 +1343,8 @@
         </p:nvSpPr>
         <p:spPr>
           <a:xfrm>
-            <a:off x="838080" y="1825560"/>
-            <a:ext cx="10515240" cy="2075040"/>
+            <a:off x="609480" y="1604520"/>
+            <a:ext cx="10972440" cy="1896840"/>
           </a:xfrm>
           <a:prstGeom prst="rect">
             <a:avLst/>
@@ -1341,7 +1359,7 @@
       </p:sp>
       <p:sp>
         <p:nvSpPr>
-          <p:cNvPr id="67" name="PlaceHolder 3"/>
+          <p:cNvPr id="61" name="PlaceHolder 3"/>
           <p:cNvSpPr>
             <a:spLocks noGrp="1"/>
           </p:cNvSpPr>
@@ -1351,8 +1369,8 @@
         </p:nvSpPr>
         <p:spPr>
           <a:xfrm>
-            <a:off x="838080" y="4098240"/>
-            <a:ext cx="10515240" cy="2075040"/>
+            <a:off x="609480" y="3682080"/>
+            <a:ext cx="10972440" cy="1896840"/>
           </a:xfrm>
           <a:prstGeom prst="rect">
             <a:avLst/>
@@ -1389,7 +1407,7 @@
       </p:grpSpPr>
       <p:sp>
         <p:nvSpPr>
-          <p:cNvPr id="68" name="PlaceHolder 1"/>
+          <p:cNvPr id="62" name="PlaceHolder 1"/>
           <p:cNvSpPr>
             <a:spLocks noGrp="1"/>
           </p:cNvSpPr>
@@ -1399,8 +1417,8 @@
         </p:nvSpPr>
         <p:spPr>
           <a:xfrm>
-            <a:off x="838080" y="365040"/>
-            <a:ext cx="10515240" cy="1325520"/>
+            <a:off x="609480" y="273600"/>
+            <a:ext cx="10972440" cy="1145160"/>
           </a:xfrm>
           <a:prstGeom prst="rect">
             <a:avLst/>
@@ -1409,13 +1427,14 @@
         <p:txBody>
           <a:bodyPr lIns="0" rIns="0" tIns="0" bIns="0" anchor="ctr"/>
           <a:p>
-            <a:endParaRPr/>
-          </a:p>
-        </p:txBody>
-      </p:sp>
-      <p:sp>
-        <p:nvSpPr>
-          <p:cNvPr id="69" name="PlaceHolder 2"/>
+            <a:pPr algn="ctr"/>
+            <a:endParaRPr/>
+          </a:p>
+        </p:txBody>
+      </p:sp>
+      <p:sp>
+        <p:nvSpPr>
+          <p:cNvPr id="63" name="PlaceHolder 2"/>
           <p:cNvSpPr>
             <a:spLocks noGrp="1"/>
           </p:cNvSpPr>
@@ -1425,8 +1444,8 @@
         </p:nvSpPr>
         <p:spPr>
           <a:xfrm>
-            <a:off x="838080" y="1825560"/>
-            <a:ext cx="5131080" cy="2075040"/>
+            <a:off x="609480" y="1604520"/>
+            <a:ext cx="5354280" cy="1896840"/>
           </a:xfrm>
           <a:prstGeom prst="rect">
             <a:avLst/>
@@ -1441,7 +1460,7 @@
       </p:sp>
       <p:sp>
         <p:nvSpPr>
-          <p:cNvPr id="70" name="PlaceHolder 3"/>
+          <p:cNvPr id="64" name="PlaceHolder 3"/>
           <p:cNvSpPr>
             <a:spLocks noGrp="1"/>
           </p:cNvSpPr>
@@ -1451,8 +1470,8 @@
         </p:nvSpPr>
         <p:spPr>
           <a:xfrm>
-            <a:off x="6226200" y="1825560"/>
-            <a:ext cx="5131080" cy="2075040"/>
+            <a:off x="6231960" y="1604520"/>
+            <a:ext cx="5354280" cy="1896840"/>
           </a:xfrm>
           <a:prstGeom prst="rect">
             <a:avLst/>
@@ -1467,7 +1486,7 @@
       </p:sp>
       <p:sp>
         <p:nvSpPr>
-          <p:cNvPr id="71" name="PlaceHolder 4"/>
+          <p:cNvPr id="65" name="PlaceHolder 4"/>
           <p:cNvSpPr>
             <a:spLocks noGrp="1"/>
           </p:cNvSpPr>
@@ -1477,8 +1496,8 @@
         </p:nvSpPr>
         <p:spPr>
           <a:xfrm>
-            <a:off x="6226200" y="4098240"/>
-            <a:ext cx="5131080" cy="2075040"/>
+            <a:off x="6231960" y="3682080"/>
+            <a:ext cx="5354280" cy="1896840"/>
           </a:xfrm>
           <a:prstGeom prst="rect">
             <a:avLst/>
@@ -1493,7 +1512,7 @@
       </p:sp>
       <p:sp>
         <p:nvSpPr>
-          <p:cNvPr id="72" name="PlaceHolder 5"/>
+          <p:cNvPr id="66" name="PlaceHolder 5"/>
           <p:cNvSpPr>
             <a:spLocks noGrp="1"/>
           </p:cNvSpPr>
@@ -1503,8 +1522,8 @@
         </p:nvSpPr>
         <p:spPr>
           <a:xfrm>
-            <a:off x="838080" y="4098240"/>
-            <a:ext cx="5131080" cy="2075040"/>
+            <a:off x="609480" y="3682080"/>
+            <a:ext cx="5354280" cy="1896840"/>
           </a:xfrm>
           <a:prstGeom prst="rect">
             <a:avLst/>
@@ -1541,7 +1560,7 @@
       </p:grpSpPr>
       <p:sp>
         <p:nvSpPr>
-          <p:cNvPr id="73" name="PlaceHolder 1"/>
+          <p:cNvPr id="67" name="PlaceHolder 1"/>
           <p:cNvSpPr>
             <a:spLocks noGrp="1"/>
           </p:cNvSpPr>
@@ -1551,8 +1570,8 @@
         </p:nvSpPr>
         <p:spPr>
           <a:xfrm>
-            <a:off x="838080" y="365040"/>
-            <a:ext cx="10515240" cy="1325520"/>
+            <a:off x="609480" y="273600"/>
+            <a:ext cx="10972440" cy="1145160"/>
           </a:xfrm>
           <a:prstGeom prst="rect">
             <a:avLst/>
@@ -1561,13 +1580,14 @@
         <p:txBody>
           <a:bodyPr lIns="0" rIns="0" tIns="0" bIns="0" anchor="ctr"/>
           <a:p>
-            <a:endParaRPr/>
-          </a:p>
-        </p:txBody>
-      </p:sp>
-      <p:sp>
-        <p:nvSpPr>
-          <p:cNvPr id="74" name="PlaceHolder 2"/>
+            <a:pPr algn="ctr"/>
+            <a:endParaRPr/>
+          </a:p>
+        </p:txBody>
+      </p:sp>
+      <p:sp>
+        <p:nvSpPr>
+          <p:cNvPr id="68" name="PlaceHolder 2"/>
           <p:cNvSpPr>
             <a:spLocks noGrp="1"/>
           </p:cNvSpPr>
@@ -1577,8 +1597,8 @@
         </p:nvSpPr>
         <p:spPr>
           <a:xfrm>
-            <a:off x="838080" y="1825560"/>
-            <a:ext cx="10515240" cy="4350960"/>
+            <a:off x="609480" y="1604520"/>
+            <a:ext cx="10972440" cy="3976920"/>
           </a:xfrm>
           <a:prstGeom prst="rect">
             <a:avLst/>
@@ -1593,7 +1613,7 @@
       </p:sp>
       <p:sp>
         <p:nvSpPr>
-          <p:cNvPr id="75" name="PlaceHolder 3"/>
+          <p:cNvPr id="69" name="PlaceHolder 3"/>
           <p:cNvSpPr>
             <a:spLocks noGrp="1"/>
           </p:cNvSpPr>
@@ -1603,8 +1623,8 @@
         </p:nvSpPr>
         <p:spPr>
           <a:xfrm>
-            <a:off x="838080" y="1825560"/>
-            <a:ext cx="10515240" cy="4350960"/>
+            <a:off x="609480" y="1604520"/>
+            <a:ext cx="10972440" cy="3976920"/>
           </a:xfrm>
           <a:prstGeom prst="rect">
             <a:avLst/>
@@ -1619,7 +1639,7 @@
       </p:sp>
       <p:pic>
         <p:nvPicPr>
-          <p:cNvPr id="76" name="" descr=""/>
+          <p:cNvPr id="70" name="" descr=""/>
           <p:cNvPicPr/>
           <p:nvPr/>
         </p:nvPicPr>
@@ -1631,8 +1651,8 @@
         </p:blipFill>
         <p:spPr>
           <a:xfrm>
-            <a:off x="3368880" y="1825560"/>
-            <a:ext cx="5452920" cy="4350960"/>
+            <a:off x="3603240" y="1604160"/>
+            <a:ext cx="4984200" cy="3976920"/>
           </a:xfrm>
           <a:prstGeom prst="rect">
             <a:avLst/>
@@ -1644,7 +1664,7 @@
       </p:pic>
       <p:pic>
         <p:nvPicPr>
-          <p:cNvPr id="77" name="" descr=""/>
+          <p:cNvPr id="71" name="" descr=""/>
           <p:cNvPicPr/>
           <p:nvPr/>
         </p:nvPicPr>
@@ -1656,8 +1676,8 @@
         </p:blipFill>
         <p:spPr>
           <a:xfrm>
-            <a:off x="3368880" y="1825560"/>
-            <a:ext cx="5452920" cy="4350960"/>
+            <a:off x="3603240" y="1604160"/>
+            <a:ext cx="4984200" cy="3976920"/>
           </a:xfrm>
           <a:prstGeom prst="rect">
             <a:avLst/>
@@ -1691,7 +1711,7 @@
       </p:grpSpPr>
       <p:sp>
         <p:nvSpPr>
-          <p:cNvPr id="7" name="PlaceHolder 1"/>
+          <p:cNvPr id="4" name="PlaceHolder 1"/>
           <p:cNvSpPr>
             <a:spLocks noGrp="1"/>
           </p:cNvSpPr>
@@ -1701,8 +1721,8 @@
         </p:nvSpPr>
         <p:spPr>
           <a:xfrm>
-            <a:off x="838080" y="365040"/>
-            <a:ext cx="10515240" cy="1325520"/>
+            <a:off x="609480" y="273600"/>
+            <a:ext cx="10972440" cy="1145160"/>
           </a:xfrm>
           <a:prstGeom prst="rect">
             <a:avLst/>
@@ -1711,13 +1731,14 @@
         <p:txBody>
           <a:bodyPr lIns="0" rIns="0" tIns="0" bIns="0" anchor="ctr"/>
           <a:p>
-            <a:endParaRPr/>
-          </a:p>
-        </p:txBody>
-      </p:sp>
-      <p:sp>
-        <p:nvSpPr>
-          <p:cNvPr id="8" name="PlaceHolder 2"/>
+            <a:pPr algn="ctr"/>
+            <a:endParaRPr/>
+          </a:p>
+        </p:txBody>
+      </p:sp>
+      <p:sp>
+        <p:nvSpPr>
+          <p:cNvPr id="5" name="PlaceHolder 2"/>
           <p:cNvSpPr>
             <a:spLocks noGrp="1"/>
           </p:cNvSpPr>
@@ -1727,8 +1748,8 @@
         </p:nvSpPr>
         <p:spPr>
           <a:xfrm>
-            <a:off x="838080" y="1825560"/>
-            <a:ext cx="10515240" cy="4350960"/>
+            <a:off x="609480" y="1604520"/>
+            <a:ext cx="10972440" cy="3976920"/>
           </a:xfrm>
           <a:prstGeom prst="rect">
             <a:avLst/>
@@ -1765,7 +1786,7 @@
       </p:grpSpPr>
       <p:sp>
         <p:nvSpPr>
-          <p:cNvPr id="9" name="PlaceHolder 1"/>
+          <p:cNvPr id="6" name="PlaceHolder 1"/>
           <p:cNvSpPr>
             <a:spLocks noGrp="1"/>
           </p:cNvSpPr>
@@ -1775,8 +1796,8 @@
         </p:nvSpPr>
         <p:spPr>
           <a:xfrm>
-            <a:off x="838080" y="365040"/>
-            <a:ext cx="10515240" cy="1325520"/>
+            <a:off x="609480" y="273600"/>
+            <a:ext cx="10972440" cy="1145160"/>
           </a:xfrm>
           <a:prstGeom prst="rect">
             <a:avLst/>
@@ -1785,13 +1806,14 @@
         <p:txBody>
           <a:bodyPr lIns="0" rIns="0" tIns="0" bIns="0" anchor="ctr"/>
           <a:p>
-            <a:endParaRPr/>
-          </a:p>
-        </p:txBody>
-      </p:sp>
-      <p:sp>
-        <p:nvSpPr>
-          <p:cNvPr id="10" name="PlaceHolder 2"/>
+            <a:pPr algn="ctr"/>
+            <a:endParaRPr/>
+          </a:p>
+        </p:txBody>
+      </p:sp>
+      <p:sp>
+        <p:nvSpPr>
+          <p:cNvPr id="7" name="PlaceHolder 2"/>
           <p:cNvSpPr>
             <a:spLocks noGrp="1"/>
           </p:cNvSpPr>
@@ -1801,8 +1823,8 @@
         </p:nvSpPr>
         <p:spPr>
           <a:xfrm>
-            <a:off x="838080" y="1825560"/>
-            <a:ext cx="5131080" cy="4350960"/>
+            <a:off x="609480" y="1604520"/>
+            <a:ext cx="5354280" cy="3976920"/>
           </a:xfrm>
           <a:prstGeom prst="rect">
             <a:avLst/>
@@ -1817,7 +1839,7 @@
       </p:sp>
       <p:sp>
         <p:nvSpPr>
-          <p:cNvPr id="11" name="PlaceHolder 3"/>
+          <p:cNvPr id="8" name="PlaceHolder 3"/>
           <p:cNvSpPr>
             <a:spLocks noGrp="1"/>
           </p:cNvSpPr>
@@ -1827,8 +1849,8 @@
         </p:nvSpPr>
         <p:spPr>
           <a:xfrm>
-            <a:off x="6226200" y="1825560"/>
-            <a:ext cx="5131080" cy="4350960"/>
+            <a:off x="6231960" y="1604520"/>
+            <a:ext cx="5354280" cy="3976920"/>
           </a:xfrm>
           <a:prstGeom prst="rect">
             <a:avLst/>
@@ -1865,7 +1887,7 @@
       </p:grpSpPr>
       <p:sp>
         <p:nvSpPr>
-          <p:cNvPr id="12" name="PlaceHolder 1"/>
+          <p:cNvPr id="9" name="PlaceHolder 1"/>
           <p:cNvSpPr>
             <a:spLocks noGrp="1"/>
           </p:cNvSpPr>
@@ -1875,8 +1897,8 @@
         </p:nvSpPr>
         <p:spPr>
           <a:xfrm>
-            <a:off x="838080" y="365040"/>
-            <a:ext cx="10515240" cy="1325520"/>
+            <a:off x="609480" y="273600"/>
+            <a:ext cx="10972440" cy="1145160"/>
           </a:xfrm>
           <a:prstGeom prst="rect">
             <a:avLst/>
@@ -1885,6 +1907,7 @@
         <p:txBody>
           <a:bodyPr lIns="0" rIns="0" tIns="0" bIns="0" anchor="ctr"/>
           <a:p>
+            <a:pPr algn="ctr"/>
             <a:endParaRPr/>
           </a:p>
         </p:txBody>
@@ -1913,7 +1936,7 @@
       </p:grpSpPr>
       <p:sp>
         <p:nvSpPr>
-          <p:cNvPr id="13" name="PlaceHolder 1"/>
+          <p:cNvPr id="10" name="PlaceHolder 1"/>
           <p:cNvSpPr>
             <a:spLocks noGrp="1"/>
           </p:cNvSpPr>
@@ -1923,8 +1946,8 @@
         </p:nvSpPr>
         <p:spPr>
           <a:xfrm>
-            <a:off x="838080" y="365040"/>
-            <a:ext cx="10515240" cy="6144480"/>
+            <a:off x="609480" y="273600"/>
+            <a:ext cx="10972440" cy="5308200"/>
           </a:xfrm>
           <a:prstGeom prst="rect">
             <a:avLst/>
@@ -1962,7 +1985,7 @@
       </p:grpSpPr>
       <p:sp>
         <p:nvSpPr>
-          <p:cNvPr id="14" name="PlaceHolder 1"/>
+          <p:cNvPr id="11" name="PlaceHolder 1"/>
           <p:cNvSpPr>
             <a:spLocks noGrp="1"/>
           </p:cNvSpPr>
@@ -1972,8 +1995,8 @@
         </p:nvSpPr>
         <p:spPr>
           <a:xfrm>
-            <a:off x="838080" y="365040"/>
-            <a:ext cx="10515240" cy="1325520"/>
+            <a:off x="609480" y="273600"/>
+            <a:ext cx="10972440" cy="1145160"/>
           </a:xfrm>
           <a:prstGeom prst="rect">
             <a:avLst/>
@@ -1982,13 +2005,14 @@
         <p:txBody>
           <a:bodyPr lIns="0" rIns="0" tIns="0" bIns="0" anchor="ctr"/>
           <a:p>
-            <a:endParaRPr/>
-          </a:p>
-        </p:txBody>
-      </p:sp>
-      <p:sp>
-        <p:nvSpPr>
-          <p:cNvPr id="15" name="PlaceHolder 2"/>
+            <a:pPr algn="ctr"/>
+            <a:endParaRPr/>
+          </a:p>
+        </p:txBody>
+      </p:sp>
+      <p:sp>
+        <p:nvSpPr>
+          <p:cNvPr id="12" name="PlaceHolder 2"/>
           <p:cNvSpPr>
             <a:spLocks noGrp="1"/>
           </p:cNvSpPr>
@@ -1998,8 +2022,8 @@
         </p:nvSpPr>
         <p:spPr>
           <a:xfrm>
-            <a:off x="838080" y="1825560"/>
-            <a:ext cx="5131080" cy="2075040"/>
+            <a:off x="609480" y="1604520"/>
+            <a:ext cx="5354280" cy="1896840"/>
           </a:xfrm>
           <a:prstGeom prst="rect">
             <a:avLst/>
@@ -2014,7 +2038,7 @@
       </p:sp>
       <p:sp>
         <p:nvSpPr>
-          <p:cNvPr id="16" name="PlaceHolder 3"/>
+          <p:cNvPr id="13" name="PlaceHolder 3"/>
           <p:cNvSpPr>
             <a:spLocks noGrp="1"/>
           </p:cNvSpPr>
@@ -2024,8 +2048,8 @@
         </p:nvSpPr>
         <p:spPr>
           <a:xfrm>
-            <a:off x="838080" y="4098240"/>
-            <a:ext cx="5131080" cy="2075040"/>
+            <a:off x="609480" y="3682080"/>
+            <a:ext cx="5354280" cy="1896840"/>
           </a:xfrm>
           <a:prstGeom prst="rect">
             <a:avLst/>
@@ -2040,7 +2064,7 @@
       </p:sp>
       <p:sp>
         <p:nvSpPr>
-          <p:cNvPr id="17" name="PlaceHolder 4"/>
+          <p:cNvPr id="14" name="PlaceHolder 4"/>
           <p:cNvSpPr>
             <a:spLocks noGrp="1"/>
           </p:cNvSpPr>
@@ -2050,8 +2074,8 @@
         </p:nvSpPr>
         <p:spPr>
           <a:xfrm>
-            <a:off x="6226200" y="1825560"/>
-            <a:ext cx="5131080" cy="4350960"/>
+            <a:off x="6231960" y="1604520"/>
+            <a:ext cx="5354280" cy="3976920"/>
           </a:xfrm>
           <a:prstGeom prst="rect">
             <a:avLst/>
@@ -2088,7 +2112,7 @@
       </p:grpSpPr>
       <p:sp>
         <p:nvSpPr>
-          <p:cNvPr id="18" name="PlaceHolder 1"/>
+          <p:cNvPr id="15" name="PlaceHolder 1"/>
           <p:cNvSpPr>
             <a:spLocks noGrp="1"/>
           </p:cNvSpPr>
@@ -2098,8 +2122,8 @@
         </p:nvSpPr>
         <p:spPr>
           <a:xfrm>
-            <a:off x="838080" y="365040"/>
-            <a:ext cx="10515240" cy="1325520"/>
+            <a:off x="609480" y="273600"/>
+            <a:ext cx="10972440" cy="1145160"/>
           </a:xfrm>
           <a:prstGeom prst="rect">
             <a:avLst/>
@@ -2108,13 +2132,14 @@
         <p:txBody>
           <a:bodyPr lIns="0" rIns="0" tIns="0" bIns="0" anchor="ctr"/>
           <a:p>
-            <a:endParaRPr/>
-          </a:p>
-        </p:txBody>
-      </p:sp>
-      <p:sp>
-        <p:nvSpPr>
-          <p:cNvPr id="19" name="PlaceHolder 2"/>
+            <a:pPr algn="ctr"/>
+            <a:endParaRPr/>
+          </a:p>
+        </p:txBody>
+      </p:sp>
+      <p:sp>
+        <p:nvSpPr>
+          <p:cNvPr id="16" name="PlaceHolder 2"/>
           <p:cNvSpPr>
             <a:spLocks noGrp="1"/>
           </p:cNvSpPr>
@@ -2124,8 +2149,8 @@
         </p:nvSpPr>
         <p:spPr>
           <a:xfrm>
-            <a:off x="838080" y="1825560"/>
-            <a:ext cx="5131080" cy="4350960"/>
+            <a:off x="609480" y="1604520"/>
+            <a:ext cx="5354280" cy="3976920"/>
           </a:xfrm>
           <a:prstGeom prst="rect">
             <a:avLst/>
@@ -2140,7 +2165,7 @@
       </p:sp>
       <p:sp>
         <p:nvSpPr>
-          <p:cNvPr id="20" name="PlaceHolder 3"/>
+          <p:cNvPr id="17" name="PlaceHolder 3"/>
           <p:cNvSpPr>
             <a:spLocks noGrp="1"/>
           </p:cNvSpPr>
@@ -2150,8 +2175,8 @@
         </p:nvSpPr>
         <p:spPr>
           <a:xfrm>
-            <a:off x="6226200" y="1825560"/>
-            <a:ext cx="5131080" cy="2075040"/>
+            <a:off x="6231960" y="1604520"/>
+            <a:ext cx="5354280" cy="1896840"/>
           </a:xfrm>
           <a:prstGeom prst="rect">
             <a:avLst/>
@@ -2166,7 +2191,7 @@
       </p:sp>
       <p:sp>
         <p:nvSpPr>
-          <p:cNvPr id="21" name="PlaceHolder 4"/>
+          <p:cNvPr id="18" name="PlaceHolder 4"/>
           <p:cNvSpPr>
             <a:spLocks noGrp="1"/>
           </p:cNvSpPr>
@@ -2176,8 +2201,8 @@
         </p:nvSpPr>
         <p:spPr>
           <a:xfrm>
-            <a:off x="6226200" y="4098240"/>
-            <a:ext cx="5131080" cy="2075040"/>
+            <a:off x="6231960" y="3682080"/>
+            <a:ext cx="5354280" cy="1896840"/>
           </a:xfrm>
           <a:prstGeom prst="rect">
             <a:avLst/>
@@ -2214,7 +2239,7 @@
       </p:grpSpPr>
       <p:sp>
         <p:nvSpPr>
-          <p:cNvPr id="22" name="PlaceHolder 1"/>
+          <p:cNvPr id="19" name="PlaceHolder 1"/>
           <p:cNvSpPr>
             <a:spLocks noGrp="1"/>
           </p:cNvSpPr>
@@ -2224,8 +2249,8 @@
         </p:nvSpPr>
         <p:spPr>
           <a:xfrm>
-            <a:off x="838080" y="365040"/>
-            <a:ext cx="10515240" cy="1325520"/>
+            <a:off x="609480" y="273600"/>
+            <a:ext cx="10972440" cy="1145160"/>
           </a:xfrm>
           <a:prstGeom prst="rect">
             <a:avLst/>
@@ -2234,13 +2259,14 @@
         <p:txBody>
           <a:bodyPr lIns="0" rIns="0" tIns="0" bIns="0" anchor="ctr"/>
           <a:p>
-            <a:endParaRPr/>
-          </a:p>
-        </p:txBody>
-      </p:sp>
-      <p:sp>
-        <p:nvSpPr>
-          <p:cNvPr id="23" name="PlaceHolder 2"/>
+            <a:pPr algn="ctr"/>
+            <a:endParaRPr/>
+          </a:p>
+        </p:txBody>
+      </p:sp>
+      <p:sp>
+        <p:nvSpPr>
+          <p:cNvPr id="20" name="PlaceHolder 2"/>
           <p:cNvSpPr>
             <a:spLocks noGrp="1"/>
           </p:cNvSpPr>
@@ -2250,8 +2276,8 @@
         </p:nvSpPr>
         <p:spPr>
           <a:xfrm>
-            <a:off x="838080" y="1825560"/>
-            <a:ext cx="5131080" cy="2075040"/>
+            <a:off x="609480" y="1604520"/>
+            <a:ext cx="5354280" cy="1896840"/>
           </a:xfrm>
           <a:prstGeom prst="rect">
             <a:avLst/>
@@ -2266,7 +2292,7 @@
       </p:sp>
       <p:sp>
         <p:nvSpPr>
-          <p:cNvPr id="24" name="PlaceHolder 3"/>
+          <p:cNvPr id="21" name="PlaceHolder 3"/>
           <p:cNvSpPr>
             <a:spLocks noGrp="1"/>
           </p:cNvSpPr>
@@ -2276,8 +2302,8 @@
         </p:nvSpPr>
         <p:spPr>
           <a:xfrm>
-            <a:off x="6226200" y="1825560"/>
-            <a:ext cx="5131080" cy="2075040"/>
+            <a:off x="6231960" y="1604520"/>
+            <a:ext cx="5354280" cy="1896840"/>
           </a:xfrm>
           <a:prstGeom prst="rect">
             <a:avLst/>
@@ -2292,7 +2318,7 @@
       </p:sp>
       <p:sp>
         <p:nvSpPr>
-          <p:cNvPr id="25" name="PlaceHolder 4"/>
+          <p:cNvPr id="22" name="PlaceHolder 4"/>
           <p:cNvSpPr>
             <a:spLocks noGrp="1"/>
           </p:cNvSpPr>
@@ -2302,8 +2328,8 @@
         </p:nvSpPr>
         <p:spPr>
           <a:xfrm>
-            <a:off x="838080" y="4098240"/>
-            <a:ext cx="10515240" cy="2075040"/>
+            <a:off x="609480" y="3682080"/>
+            <a:ext cx="10972440" cy="1896840"/>
           </a:xfrm>
           <a:prstGeom prst="rect">
             <a:avLst/>
@@ -2357,29 +2383,21 @@
         </p:nvSpPr>
         <p:spPr>
           <a:xfrm>
-            <a:off x="1523880" y="1122480"/>
-            <a:ext cx="9143640" cy="2387160"/>
-          </a:xfrm>
-          <a:prstGeom prst="rect">
-            <a:avLst/>
-          </a:prstGeom>
-        </p:spPr>
-        <p:txBody>
-          <a:bodyPr anchor="b"/>
-          <a:p>
-            <a:pPr algn="ctr">
-              <a:lnSpc>
-                <a:spcPct val="100000"/>
-              </a:lnSpc>
-            </a:pPr>
-            <a:r>
-              <a:rPr lang="en-US" sz="6000">
-                <a:solidFill>
-                  <a:srgbClr val="000000"/>
-                </a:solidFill>
-                <a:latin typeface="Calibri Light"/>
-              </a:rPr>
-              <a:t>Click to edit the title text formatClick to edit Master title style</a:t>
+            <a:off x="838080" y="365040"/>
+            <a:ext cx="10514880" cy="1325160"/>
+          </a:xfrm>
+          <a:prstGeom prst="rect">
+            <a:avLst/>
+          </a:prstGeom>
+        </p:spPr>
+        <p:txBody>
+          <a:bodyPr lIns="0" rIns="0" tIns="0" bIns="0" anchor="ctr"/>
+          <a:p>
+            <a:r>
+              <a:rPr lang="en-US">
+                <a:latin typeface="Arial"/>
+              </a:rPr>
+              <a:t>Click to edit the title text format</a:t>
             </a:r>
             <a:endParaRPr/>
           </a:p>
@@ -2388,112 +2406,6 @@
       <p:sp>
         <p:nvSpPr>
           <p:cNvPr id="1" name="PlaceHolder 2"/>
-          <p:cNvSpPr>
-            <a:spLocks noGrp="1"/>
-          </p:cNvSpPr>
-          <p:nvPr>
-            <p:ph type="dt"/>
-          </p:nvPr>
-        </p:nvSpPr>
-        <p:spPr>
-          <a:xfrm>
-            <a:off x="838080" y="6356520"/>
-            <a:ext cx="2742840" cy="364680"/>
-          </a:xfrm>
-          <a:prstGeom prst="rect">
-            <a:avLst/>
-          </a:prstGeom>
-        </p:spPr>
-        <p:txBody>
-          <a:bodyPr anchor="ctr"/>
-          <a:p>
-            <a:pPr>
-              <a:lnSpc>
-                <a:spcPct val="100000"/>
-              </a:lnSpc>
-            </a:pPr>
-            <a:r>
-              <a:rPr lang="en-US" sz="1200">
-                <a:solidFill>
-                  <a:srgbClr val="8b8b8b"/>
-                </a:solidFill>
-                <a:latin typeface="Calibri"/>
-              </a:rPr>
-              <a:t>5/11/15</a:t>
-            </a:r>
-            <a:endParaRPr/>
-          </a:p>
-        </p:txBody>
-      </p:sp>
-      <p:sp>
-        <p:nvSpPr>
-          <p:cNvPr id="2" name="PlaceHolder 3"/>
-          <p:cNvSpPr>
-            <a:spLocks noGrp="1"/>
-          </p:cNvSpPr>
-          <p:nvPr>
-            <p:ph type="ftr"/>
-          </p:nvPr>
-        </p:nvSpPr>
-        <p:spPr>
-          <a:xfrm>
-            <a:off x="4038480" y="6356520"/>
-            <a:ext cx="4114440" cy="364680"/>
-          </a:xfrm>
-          <a:prstGeom prst="rect">
-            <a:avLst/>
-          </a:prstGeom>
-        </p:spPr>
-        <p:txBody>
-          <a:bodyPr anchor="ctr"/>
-          <a:p>
-            <a:endParaRPr/>
-          </a:p>
-        </p:txBody>
-      </p:sp>
-      <p:sp>
-        <p:nvSpPr>
-          <p:cNvPr id="3" name="PlaceHolder 4"/>
-          <p:cNvSpPr>
-            <a:spLocks noGrp="1"/>
-          </p:cNvSpPr>
-          <p:nvPr>
-            <p:ph type="sldNum"/>
-          </p:nvPr>
-        </p:nvSpPr>
-        <p:spPr>
-          <a:xfrm>
-            <a:off x="8610480" y="6356520"/>
-            <a:ext cx="2742840" cy="364680"/>
-          </a:xfrm>
-          <a:prstGeom prst="rect">
-            <a:avLst/>
-          </a:prstGeom>
-        </p:spPr>
-        <p:txBody>
-          <a:bodyPr anchor="ctr"/>
-          <a:p>
-            <a:pPr algn="r">
-              <a:lnSpc>
-                <a:spcPct val="100000"/>
-              </a:lnSpc>
-            </a:pPr>
-            <a:fld id="{66415542-6876-4B9F-8D1C-B8AD74C8C328}" type="slidenum">
-              <a:rPr lang="en-US" sz="1200">
-                <a:solidFill>
-                  <a:srgbClr val="8b8b8b"/>
-                </a:solidFill>
-                <a:latin typeface="Calibri"/>
-              </a:rPr>
-              <a:t>&lt;number&gt;</a:t>
-            </a:fld>
-            <a:endParaRPr/>
-          </a:p>
-        </p:txBody>
-      </p:sp>
-      <p:sp>
-        <p:nvSpPr>
-          <p:cNvPr id="4" name="PlaceHolder 5"/>
           <p:cNvSpPr>
             <a:spLocks noGrp="1"/>
           </p:cNvSpPr>
@@ -2519,8 +2431,8 @@
               <a:buChar char=""/>
             </a:pPr>
             <a:r>
-              <a:rPr lang="en-US" sz="2800">
-                <a:latin typeface="Calibri"/>
+              <a:rPr lang="en-US" sz="3200">
+                <a:latin typeface="Arial"/>
               </a:rPr>
               <a:t>Click to edit the outline text format</a:t>
             </a:r>
@@ -2533,8 +2445,8 @@
               <a:buChar char=""/>
             </a:pPr>
             <a:r>
-              <a:rPr lang="en-US" sz="2000">
-                <a:latin typeface="Calibri"/>
+              <a:rPr lang="en-US" sz="2800">
+                <a:latin typeface="Arial"/>
               </a:rPr>
               <a:t>Second Outline Level</a:t>
             </a:r>
@@ -2547,8 +2459,8 @@
               <a:buChar char=""/>
             </a:pPr>
             <a:r>
-              <a:rPr lang="en-US">
-                <a:latin typeface="Calibri"/>
+              <a:rPr lang="en-US" sz="2400">
+                <a:latin typeface="Arial"/>
               </a:rPr>
               <a:t>Third Outline Level</a:t>
             </a:r>
@@ -2561,8 +2473,8 @@
               <a:buChar char=""/>
             </a:pPr>
             <a:r>
-              <a:rPr lang="en-US">
-                <a:latin typeface="Calibri"/>
+              <a:rPr lang="en-US" sz="2000">
+                <a:latin typeface="Arial"/>
               </a:rPr>
               <a:t>Fourth Outline Level</a:t>
             </a:r>
@@ -2576,7 +2488,7 @@
             </a:pPr>
             <a:r>
               <a:rPr lang="en-US" sz="2000">
-                <a:latin typeface="Calibri"/>
+                <a:latin typeface="Arial"/>
               </a:rPr>
               <a:t>Fifth Outline Level</a:t>
             </a:r>
@@ -2590,7 +2502,7 @@
             </a:pPr>
             <a:r>
               <a:rPr lang="en-US" sz="2000">
-                <a:latin typeface="Calibri"/>
+                <a:latin typeface="Arial"/>
               </a:rPr>
               <a:t>Sixth Outline Level</a:t>
             </a:r>
@@ -2604,7 +2516,7 @@
             </a:pPr>
             <a:r>
               <a:rPr lang="en-US" sz="2000">
-                <a:latin typeface="Calibri"/>
+                <a:latin typeface="Arial"/>
               </a:rPr>
               <a:t>Seventh Outline Level</a:t>
             </a:r>
@@ -2658,7 +2570,7 @@
       </p:grpSpPr>
       <p:sp>
         <p:nvSpPr>
-          <p:cNvPr id="39" name="PlaceHolder 1"/>
+          <p:cNvPr id="36" name="PlaceHolder 1"/>
           <p:cNvSpPr>
             <a:spLocks noGrp="1"/>
           </p:cNvSpPr>
@@ -2668,37 +2580,30 @@
         </p:nvSpPr>
         <p:spPr>
           <a:xfrm>
-            <a:off x="838080" y="365040"/>
-            <a:ext cx="10515240" cy="1325160"/>
-          </a:xfrm>
-          <a:prstGeom prst="rect">
-            <a:avLst/>
-          </a:prstGeom>
-        </p:spPr>
-        <p:txBody>
-          <a:bodyPr anchor="ctr"/>
-          <a:p>
-            <a:pPr>
-              <a:lnSpc>
-                <a:spcPct val="90000"/>
-              </a:lnSpc>
-            </a:pPr>
+            <a:off x="609480" y="273600"/>
+            <a:ext cx="10972440" cy="1144800"/>
+          </a:xfrm>
+          <a:prstGeom prst="rect">
+            <a:avLst/>
+          </a:prstGeom>
+        </p:spPr>
+        <p:txBody>
+          <a:bodyPr lIns="0" rIns="0" tIns="0" bIns="0" anchor="ctr"/>
+          <a:p>
+            <a:pPr algn="ctr"/>
             <a:r>
               <a:rPr lang="en-US" sz="4400">
-                <a:solidFill>
-                  <a:srgbClr val="000000"/>
-                </a:solidFill>
-                <a:latin typeface="Calibri Light"/>
-              </a:rPr>
-              <a:t>Click to edit the title text formatClick to edit Master title style</a:t>
-            </a:r>
-            <a:endParaRPr/>
-          </a:p>
-        </p:txBody>
-      </p:sp>
-      <p:sp>
-        <p:nvSpPr>
-          <p:cNvPr id="40" name="PlaceHolder 2"/>
+                <a:latin typeface="Arial"/>
+              </a:rPr>
+              <a:t>Click to edit the title text format</a:t>
+            </a:r>
+            <a:endParaRPr/>
+          </a:p>
+        </p:txBody>
+      </p:sp>
+      <p:sp>
+        <p:nvSpPr>
+          <p:cNvPr id="37" name="PlaceHolder 2"/>
           <p:cNvSpPr>
             <a:spLocks noGrp="1"/>
           </p:cNvSpPr>
@@ -2708,15 +2613,15 @@
         </p:nvSpPr>
         <p:spPr>
           <a:xfrm>
-            <a:off x="838080" y="1825560"/>
-            <a:ext cx="10515240" cy="4350960"/>
-          </a:xfrm>
-          <a:prstGeom prst="rect">
-            <a:avLst/>
-          </a:prstGeom>
-        </p:spPr>
-        <p:txBody>
-          <a:bodyPr/>
+            <a:off x="609480" y="1604520"/>
+            <a:ext cx="10972440" cy="3976920"/>
+          </a:xfrm>
+          <a:prstGeom prst="rect">
+            <a:avLst/>
+          </a:prstGeom>
+        </p:spPr>
+        <p:txBody>
+          <a:bodyPr lIns="0" rIns="0" tIns="0" bIns="0"/>
           <a:p>
             <a:pPr>
               <a:buSzPct val="45000"/>
@@ -2724,11 +2629,8 @@
               <a:buChar char=""/>
             </a:pPr>
             <a:r>
-              <a:rPr lang="en-US" sz="2800">
-                <a:solidFill>
-                  <a:srgbClr val="000000"/>
-                </a:solidFill>
-                <a:latin typeface="Calibri"/>
+              <a:rPr lang="en-US" sz="3200">
+                <a:latin typeface="Arial"/>
               </a:rPr>
               <a:t>Click to edit the outline text format</a:t>
             </a:r>
@@ -2742,10 +2644,7 @@
             </a:pPr>
             <a:r>
               <a:rPr lang="en-US" sz="2800">
-                <a:solidFill>
-                  <a:srgbClr val="000000"/>
-                </a:solidFill>
-                <a:latin typeface="Calibri"/>
+                <a:latin typeface="Arial"/>
               </a:rPr>
               <a:t>Second Outline Level</a:t>
             </a:r>
@@ -2758,11 +2657,8 @@
               <a:buChar char=""/>
             </a:pPr>
             <a:r>
-              <a:rPr lang="en-US" sz="2800">
-                <a:solidFill>
-                  <a:srgbClr val="000000"/>
-                </a:solidFill>
-                <a:latin typeface="Calibri"/>
+              <a:rPr lang="en-US" sz="2400">
+                <a:latin typeface="Arial"/>
               </a:rPr>
               <a:t>Third Outline Level</a:t>
             </a:r>
@@ -2775,11 +2671,8 @@
               <a:buChar char=""/>
             </a:pPr>
             <a:r>
-              <a:rPr lang="en-US" sz="2800">
-                <a:solidFill>
-                  <a:srgbClr val="000000"/>
-                </a:solidFill>
-                <a:latin typeface="Calibri"/>
+              <a:rPr lang="en-US" sz="2000">
+                <a:latin typeface="Arial"/>
               </a:rPr>
               <a:t>Fourth Outline Level</a:t>
             </a:r>
@@ -2792,11 +2685,8 @@
               <a:buChar char=""/>
             </a:pPr>
             <a:r>
-              <a:rPr lang="en-US" sz="2800">
-                <a:solidFill>
-                  <a:srgbClr val="000000"/>
-                </a:solidFill>
-                <a:latin typeface="Calibri"/>
+              <a:rPr lang="en-US" sz="2000">
+                <a:latin typeface="Arial"/>
               </a:rPr>
               <a:t>Fifth Outline Level</a:t>
             </a:r>
@@ -2809,215 +2699,25 @@
               <a:buChar char=""/>
             </a:pPr>
             <a:r>
-              <a:rPr lang="en-US" sz="2800">
-                <a:solidFill>
-                  <a:srgbClr val="000000"/>
-                </a:solidFill>
-                <a:latin typeface="Calibri"/>
+              <a:rPr lang="en-US" sz="2000">
+                <a:latin typeface="Arial"/>
               </a:rPr>
               <a:t>Sixth Outline Level</a:t>
             </a:r>
             <a:endParaRPr/>
           </a:p>
           <a:p>
-            <a:pPr>
-              <a:lnSpc>
-                <a:spcPct val="100000"/>
-              </a:lnSpc>
-              <a:buFont typeface="Arial"/>
-              <a:buChar char="•"/>
-            </a:pPr>
-            <a:r>
-              <a:rPr lang="en-US" sz="2800">
-                <a:solidFill>
-                  <a:srgbClr val="000000"/>
-                </a:solidFill>
-                <a:latin typeface="Calibri"/>
-              </a:rPr>
-              <a:t>Seventh Outline LevelClick to edit Master text styles</a:t>
-            </a:r>
-            <a:endParaRPr/>
-          </a:p>
-          <a:p>
-            <a:pPr lvl="1">
-              <a:lnSpc>
-                <a:spcPct val="100000"/>
-              </a:lnSpc>
-              <a:buFont typeface="Arial"/>
-              <a:buChar char="•"/>
-            </a:pPr>
-            <a:r>
-              <a:rPr lang="en-US" sz="2400">
-                <a:solidFill>
-                  <a:srgbClr val="000000"/>
-                </a:solidFill>
-                <a:latin typeface="Calibri"/>
-              </a:rPr>
-              <a:t>Second level</a:t>
-            </a:r>
-            <a:endParaRPr/>
-          </a:p>
-          <a:p>
-            <a:pPr lvl="2">
-              <a:lnSpc>
-                <a:spcPct val="100000"/>
-              </a:lnSpc>
-              <a:buFont typeface="Arial"/>
-              <a:buChar char="•"/>
+            <a:pPr lvl="6">
+              <a:buSzPct val="45000"/>
+              <a:buFont typeface="StarSymbol"/>
+              <a:buChar char=""/>
             </a:pPr>
             <a:r>
               <a:rPr lang="en-US" sz="2000">
-                <a:solidFill>
-                  <a:srgbClr val="000000"/>
-                </a:solidFill>
-                <a:latin typeface="Calibri"/>
-              </a:rPr>
-              <a:t>Third level</a:t>
-            </a:r>
-            <a:endParaRPr/>
-          </a:p>
-          <a:p>
-            <a:pPr lvl="3">
-              <a:lnSpc>
-                <a:spcPct val="100000"/>
-              </a:lnSpc>
-              <a:buFont typeface="Arial"/>
-              <a:buChar char="•"/>
-            </a:pPr>
-            <a:r>
-              <a:rPr lang="en-US">
-                <a:solidFill>
-                  <a:srgbClr val="000000"/>
-                </a:solidFill>
-                <a:latin typeface="Calibri"/>
-              </a:rPr>
-              <a:t>Fourth level</a:t>
-            </a:r>
-            <a:endParaRPr/>
-          </a:p>
-          <a:p>
-            <a:pPr lvl="4">
-              <a:lnSpc>
-                <a:spcPct val="100000"/>
-              </a:lnSpc>
-              <a:buFont typeface="Arial"/>
-              <a:buChar char="•"/>
-            </a:pPr>
-            <a:r>
-              <a:rPr lang="en-US">
-                <a:solidFill>
-                  <a:srgbClr val="000000"/>
-                </a:solidFill>
-                <a:latin typeface="Calibri"/>
-              </a:rPr>
-              <a:t>Fifth level</a:t>
-            </a:r>
-            <a:endParaRPr/>
-          </a:p>
-        </p:txBody>
-      </p:sp>
-      <p:sp>
-        <p:nvSpPr>
-          <p:cNvPr id="41" name="PlaceHolder 3"/>
-          <p:cNvSpPr>
-            <a:spLocks noGrp="1"/>
-          </p:cNvSpPr>
-          <p:nvPr>
-            <p:ph type="dt"/>
-          </p:nvPr>
-        </p:nvSpPr>
-        <p:spPr>
-          <a:xfrm>
-            <a:off x="838080" y="6356520"/>
-            <a:ext cx="2742840" cy="364680"/>
-          </a:xfrm>
-          <a:prstGeom prst="rect">
-            <a:avLst/>
-          </a:prstGeom>
-        </p:spPr>
-        <p:txBody>
-          <a:bodyPr anchor="ctr"/>
-          <a:p>
-            <a:pPr>
-              <a:lnSpc>
-                <a:spcPct val="100000"/>
-              </a:lnSpc>
-            </a:pPr>
-            <a:r>
-              <a:rPr lang="en-US" sz="1200">
-                <a:solidFill>
-                  <a:srgbClr val="8b8b8b"/>
-                </a:solidFill>
-                <a:latin typeface="Calibri"/>
-              </a:rPr>
-              <a:t>5/11/15</a:t>
-            </a:r>
-            <a:endParaRPr/>
-          </a:p>
-        </p:txBody>
-      </p:sp>
-      <p:sp>
-        <p:nvSpPr>
-          <p:cNvPr id="42" name="PlaceHolder 4"/>
-          <p:cNvSpPr>
-            <a:spLocks noGrp="1"/>
-          </p:cNvSpPr>
-          <p:nvPr>
-            <p:ph type="ftr"/>
-          </p:nvPr>
-        </p:nvSpPr>
-        <p:spPr>
-          <a:xfrm>
-            <a:off x="4038480" y="6356520"/>
-            <a:ext cx="4114440" cy="364680"/>
-          </a:xfrm>
-          <a:prstGeom prst="rect">
-            <a:avLst/>
-          </a:prstGeom>
-        </p:spPr>
-        <p:txBody>
-          <a:bodyPr anchor="ctr"/>
-          <a:p>
-            <a:endParaRPr/>
-          </a:p>
-        </p:txBody>
-      </p:sp>
-      <p:sp>
-        <p:nvSpPr>
-          <p:cNvPr id="43" name="PlaceHolder 5"/>
-          <p:cNvSpPr>
-            <a:spLocks noGrp="1"/>
-          </p:cNvSpPr>
-          <p:nvPr>
-            <p:ph type="sldNum"/>
-          </p:nvPr>
-        </p:nvSpPr>
-        <p:spPr>
-          <a:xfrm>
-            <a:off x="8610480" y="6356520"/>
-            <a:ext cx="2742840" cy="364680"/>
-          </a:xfrm>
-          <a:prstGeom prst="rect">
-            <a:avLst/>
-          </a:prstGeom>
-        </p:spPr>
-        <p:txBody>
-          <a:bodyPr anchor="ctr"/>
-          <a:p>
-            <a:pPr algn="r">
-              <a:lnSpc>
-                <a:spcPct val="100000"/>
-              </a:lnSpc>
-            </a:pPr>
-            <a:fld id="{1F1354AF-75BC-431F-BEAA-484C9490F1A9}" type="slidenum">
-              <a:rPr lang="en-US" sz="1200">
-                <a:solidFill>
-                  <a:srgbClr val="8b8b8b"/>
-                </a:solidFill>
-                <a:latin typeface="Calibri"/>
-              </a:rPr>
-              <a:t>&lt;number&gt;</a:t>
-            </a:fld>
+                <a:latin typeface="Arial"/>
+              </a:rPr>
+              <a:t>Seventh Outline Level</a:t>
+            </a:r>
             <a:endParaRPr/>
           </a:p>
         </p:txBody>
@@ -3068,14 +2768,14 @@
       </p:grpSpPr>
       <p:sp>
         <p:nvSpPr>
-          <p:cNvPr id="78" name="CustomShape 1"/>
+          <p:cNvPr id="72" name="CustomShape 1"/>
           <p:cNvSpPr/>
           <p:nvPr/>
         </p:nvSpPr>
         <p:spPr>
           <a:xfrm>
             <a:off x="0" y="1236240"/>
-            <a:ext cx="12191760" cy="2100600"/>
+            <a:ext cx="12191400" cy="2100240"/>
           </a:xfrm>
           <a:prstGeom prst="rect">
             <a:avLst/>
@@ -3125,14 +2825,14 @@
       </p:sp>
       <p:sp>
         <p:nvSpPr>
-          <p:cNvPr id="79" name="CustomShape 2"/>
+          <p:cNvPr id="73" name="CustomShape 2"/>
           <p:cNvSpPr/>
           <p:nvPr/>
         </p:nvSpPr>
         <p:spPr>
           <a:xfrm>
             <a:off x="0" y="3939480"/>
-            <a:ext cx="12191760" cy="1552680"/>
+            <a:ext cx="12191400" cy="1552320"/>
           </a:xfrm>
           <a:prstGeom prst="rect">
             <a:avLst/>
@@ -3145,11 +2845,6 @@
         <p:txBody>
           <a:bodyPr lIns="90000" rIns="90000" tIns="45000" bIns="45000"/>
           <a:p>
-            <a:pPr algn="ctr">
-              <a:lnSpc>
-                <a:spcPct val="100000"/>
-              </a:lnSpc>
-            </a:pPr>
             <a:r>
               <a:rPr lang="en-US" sz="3200">
                 <a:solidFill>
@@ -3159,16 +2854,14 @@
               </a:rPr>
               <a:t>Brian Cairl</a:t>
             </a:r>
-            <a:r>
-              <a:rPr lang="en-US" sz="3200">
-                <a:solidFill>
-                  <a:srgbClr val="000000"/>
-                </a:solidFill>
-                <a:latin typeface="Calibri"/>
-              </a:rPr>
-              <a:t>
-</a:t>
-            </a:r>
+            <a:endParaRPr/>
+          </a:p>
+          <a:p>
+            <a:pPr algn="ctr">
+              <a:lnSpc>
+                <a:spcPct val="100000"/>
+              </a:lnSpc>
+            </a:pPr>
             <a:r>
               <a:rPr lang="en-US" sz="3200">
                 <a:solidFill>
@@ -3234,13 +2927,6 @@
 <file path=ppt/slides/slide10.xml><?xml version="1.0" encoding="utf-8"?>
 <p:sld xmlns:a="http://schemas.openxmlformats.org/drawingml/2006/main" xmlns:p="http://schemas.openxmlformats.org/presentationml/2006/main" xmlns:r="http://schemas.openxmlformats.org/officeDocument/2006/relationships">
   <p:cSld>
-    <p:bg>
-      <p:bgPr>
-        <a:solidFill>
-          <a:srgbClr val="000000"/>
-        </a:solidFill>
-      </p:bgPr>
-    </p:bg>
     <p:spTree>
       <p:nvGrpSpPr>
         <p:cNvPr id="1" name=""/>
@@ -3257,14 +2943,14 @@
       </p:grpSpPr>
       <p:sp>
         <p:nvSpPr>
-          <p:cNvPr id="96" name="CustomShape 1"/>
+          <p:cNvPr id="90" name="CustomShape 1"/>
           <p:cNvSpPr/>
           <p:nvPr/>
         </p:nvSpPr>
         <p:spPr>
           <a:xfrm>
             <a:off x="0" y="297000"/>
-            <a:ext cx="12191760" cy="760680"/>
+            <a:ext cx="12191400" cy="760320"/>
           </a:xfrm>
           <a:prstGeom prst="rect">
             <a:avLst/>
@@ -3293,37 +2979,168 @@
                 </a:solidFill>
                 <a:latin typeface="Calibri"/>
               </a:rPr>
-              <a:t>Source Point Cloud (1)</a:t>
-            </a:r>
-            <a:endParaRPr/>
-          </a:p>
-        </p:txBody>
-      </p:sp>
-      <p:pic>
-        <p:nvPicPr>
-          <p:cNvPr id="97" name="Picture 1" descr=""/>
-          <p:cNvPicPr/>
+              <a:t>Introduction: Navigation/Control Overview</a:t>
+            </a:r>
+            <a:endParaRPr/>
+          </a:p>
+        </p:txBody>
+      </p:sp>
+      <p:sp>
+        <p:nvSpPr>
+          <p:cNvPr id="91" name="CustomShape 2"/>
+          <p:cNvSpPr/>
           <p:nvPr/>
-        </p:nvPicPr>
-        <p:blipFill>
-          <a:blip r:embed="rId1"/>
-          <a:stretch>
-            <a:fillRect/>
-          </a:stretch>
-        </p:blipFill>
-        <p:spPr>
-          <a:xfrm>
-            <a:off x="1696320" y="1066320"/>
-            <a:ext cx="8799120" cy="5655960"/>
-          </a:xfrm>
-          <a:prstGeom prst="rect">
-            <a:avLst/>
-          </a:prstGeom>
+        </p:nvSpPr>
+        <p:spPr>
+          <a:xfrm>
+            <a:off x="548640" y="1430640"/>
+            <a:ext cx="11246760" cy="4615560"/>
+          </a:xfrm>
+          <a:prstGeom prst="rect">
+            <a:avLst/>
+          </a:prstGeom>
+          <a:noFill/>
           <a:ln>
             <a:noFill/>
           </a:ln>
         </p:spPr>
-      </p:pic>
+        <p:txBody>
+          <a:bodyPr lIns="90000" rIns="90000" tIns="45000" bIns="45000"/>
+          <a:p>
+            <a:pPr>
+              <a:lnSpc>
+                <a:spcPct val="100000"/>
+              </a:lnSpc>
+              <a:buFont typeface="Arial"/>
+              <a:buChar char="•"/>
+            </a:pPr>
+            <a:r>
+              <a:rPr lang="en-US" sz="3600">
+                <a:solidFill>
+                  <a:srgbClr val="000000"/>
+                </a:solidFill>
+                <a:latin typeface="Calibri"/>
+              </a:rPr>
+              <a:t>Potential-Fields/Visual-Servoing control</a:t>
+            </a:r>
+            <a:endParaRPr/>
+          </a:p>
+          <a:p>
+            <a:pPr>
+              <a:lnSpc>
+                <a:spcPct val="100000"/>
+              </a:lnSpc>
+              <a:buFont typeface="Arial"/>
+              <a:buChar char="•"/>
+            </a:pPr>
+            <a:r>
+              <a:rPr lang="en-US" sz="3600">
+                <a:solidFill>
+                  <a:srgbClr val="000000"/>
+                </a:solidFill>
+                <a:latin typeface="Arial"/>
+              </a:rPr>
+              <a:t>Surface Reconstruction for rough terrain navigation</a:t>
+            </a:r>
+            <a:endParaRPr/>
+          </a:p>
+          <a:p>
+            <a:pPr lvl="1">
+              <a:lnSpc>
+                <a:spcPct val="100000"/>
+              </a:lnSpc>
+              <a:buSzPct val="45000"/>
+              <a:buFont typeface="StarSymbol"/>
+              <a:buChar char=""/>
+            </a:pPr>
+            <a:r>
+              <a:rPr lang="en-US" sz="3600">
+                <a:solidFill>
+                  <a:srgbClr val="000000"/>
+                </a:solidFill>
+                <a:latin typeface="Calibri"/>
+              </a:rPr>
+              <a:t>3D Point cloud composition from 2D LIDAR scans</a:t>
+            </a:r>
+            <a:endParaRPr/>
+          </a:p>
+          <a:p>
+            <a:pPr lvl="1">
+              <a:lnSpc>
+                <a:spcPct val="100000"/>
+              </a:lnSpc>
+              <a:buSzPct val="45000"/>
+              <a:buFont typeface="StarSymbol"/>
+              <a:buChar char=""/>
+            </a:pPr>
+            <a:r>
+              <a:rPr lang="en-US" sz="3600">
+                <a:solidFill>
+                  <a:srgbClr val="000000"/>
+                </a:solidFill>
+                <a:latin typeface="Calibri"/>
+              </a:rPr>
+              <a:t>Height-map Generation</a:t>
+            </a:r>
+            <a:endParaRPr/>
+          </a:p>
+          <a:p>
+            <a:pPr lvl="1">
+              <a:lnSpc>
+                <a:spcPct val="100000"/>
+              </a:lnSpc>
+              <a:buSzPct val="45000"/>
+              <a:buFont typeface="StarSymbol"/>
+              <a:buChar char=""/>
+            </a:pPr>
+            <a:r>
+              <a:rPr lang="en-US" sz="3600">
+                <a:solidFill>
+                  <a:srgbClr val="000000"/>
+                </a:solidFill>
+                <a:latin typeface="Calibri"/>
+              </a:rPr>
+              <a:t>Surface Estimation</a:t>
+            </a:r>
+            <a:endParaRPr/>
+          </a:p>
+          <a:p>
+            <a:pPr>
+              <a:lnSpc>
+                <a:spcPct val="100000"/>
+              </a:lnSpc>
+              <a:buFont typeface="Arial"/>
+              <a:buChar char="•"/>
+            </a:pPr>
+            <a:r>
+              <a:rPr lang="en-US" sz="3600">
+                <a:solidFill>
+                  <a:srgbClr val="000000"/>
+                </a:solidFill>
+                <a:latin typeface="Calibri"/>
+              </a:rPr>
+              <a:t>Planning using Height-maps</a:t>
+            </a:r>
+            <a:endParaRPr/>
+          </a:p>
+          <a:p>
+            <a:pPr>
+              <a:lnSpc>
+                <a:spcPct val="100000"/>
+              </a:lnSpc>
+            </a:pPr>
+            <a:endParaRPr/>
+          </a:p>
+          <a:p>
+            <a:pPr>
+              <a:lnSpc>
+                <a:spcPct val="100000"/>
+              </a:lnSpc>
+            </a:pPr>
+            <a:endParaRPr/>
+          </a:p>
+        </p:txBody>
+      </p:sp>
     </p:spTree>
   </p:cSld>
   <p:timing>
@@ -3359,13 +3176,6 @@
 <file path=ppt/slides/slide11.xml><?xml version="1.0" encoding="utf-8"?>
 <p:sld xmlns:a="http://schemas.openxmlformats.org/drawingml/2006/main" xmlns:p="http://schemas.openxmlformats.org/presentationml/2006/main" xmlns:r="http://schemas.openxmlformats.org/officeDocument/2006/relationships">
   <p:cSld>
-    <p:bg>
-      <p:bgPr>
-        <a:solidFill>
-          <a:srgbClr val="000000"/>
-        </a:solidFill>
-      </p:bgPr>
-    </p:bg>
     <p:spTree>
       <p:nvGrpSpPr>
         <p:cNvPr id="1" name=""/>
@@ -3382,14 +3192,14 @@
       </p:grpSpPr>
       <p:sp>
         <p:nvSpPr>
-          <p:cNvPr id="98" name="CustomShape 1"/>
+          <p:cNvPr id="92" name="CustomShape 1"/>
           <p:cNvSpPr/>
           <p:nvPr/>
         </p:nvSpPr>
         <p:spPr>
           <a:xfrm>
             <a:off x="0" y="297000"/>
-            <a:ext cx="12191760" cy="760680"/>
+            <a:ext cx="12191400" cy="760320"/>
           </a:xfrm>
           <a:prstGeom prst="rect">
             <a:avLst/>
@@ -3418,37 +3228,61 @@
                 </a:solidFill>
                 <a:latin typeface="Calibri"/>
               </a:rPr>
-              <a:t>Surface Normal Estimation (2)</a:t>
-            </a:r>
-            <a:endParaRPr/>
-          </a:p>
-        </p:txBody>
-      </p:sp>
-      <p:pic>
-        <p:nvPicPr>
-          <p:cNvPr id="99" name="Picture 2" descr=""/>
-          <p:cNvPicPr/>
+              <a:t>Design: Physical Structure</a:t>
+            </a:r>
+            <a:endParaRPr/>
+          </a:p>
+        </p:txBody>
+      </p:sp>
+      <p:sp>
+        <p:nvSpPr>
+          <p:cNvPr id="93" name="CustomShape 2"/>
+          <p:cNvSpPr/>
           <p:nvPr/>
-        </p:nvPicPr>
-        <p:blipFill>
-          <a:blip r:embed="rId1"/>
-          <a:stretch>
-            <a:fillRect/>
-          </a:stretch>
-        </p:blipFill>
-        <p:spPr>
-          <a:xfrm>
-            <a:off x="1696320" y="1066320"/>
-            <a:ext cx="8799120" cy="5655960"/>
-          </a:xfrm>
-          <a:prstGeom prst="rect">
-            <a:avLst/>
-          </a:prstGeom>
+        </p:nvSpPr>
+        <p:spPr>
+          <a:xfrm>
+            <a:off x="548640" y="1430640"/>
+            <a:ext cx="11246760" cy="4615560"/>
+          </a:xfrm>
+          <a:prstGeom prst="rect">
+            <a:avLst/>
+          </a:prstGeom>
+          <a:noFill/>
           <a:ln>
             <a:noFill/>
           </a:ln>
         </p:spPr>
-      </p:pic>
+        <p:txBody>
+          <a:bodyPr lIns="90000" rIns="90000" tIns="45000" bIns="45000"/>
+          <a:p>
+            <a:pPr>
+              <a:lnSpc>
+                <a:spcPct val="100000"/>
+              </a:lnSpc>
+              <a:buFont typeface="Arial"/>
+              <a:buChar char="•"/>
+            </a:pPr>
+            <a:endParaRPr/>
+          </a:p>
+          <a:p>
+            <a:pPr>
+              <a:lnSpc>
+                <a:spcPct val="100000"/>
+              </a:lnSpc>
+            </a:pPr>
+            <a:endParaRPr/>
+          </a:p>
+          <a:p>
+            <a:pPr>
+              <a:lnSpc>
+                <a:spcPct val="100000"/>
+              </a:lnSpc>
+            </a:pPr>
+            <a:endParaRPr/>
+          </a:p>
+        </p:txBody>
+      </p:sp>
     </p:spTree>
   </p:cSld>
   <p:timing>
@@ -3484,13 +3318,6 @@
 <file path=ppt/slides/slide12.xml><?xml version="1.0" encoding="utf-8"?>
 <p:sld xmlns:a="http://schemas.openxmlformats.org/drawingml/2006/main" xmlns:p="http://schemas.openxmlformats.org/presentationml/2006/main" xmlns:r="http://schemas.openxmlformats.org/officeDocument/2006/relationships">
   <p:cSld>
-    <p:bg>
-      <p:bgPr>
-        <a:solidFill>
-          <a:srgbClr val="000000"/>
-        </a:solidFill>
-      </p:bgPr>
-    </p:bg>
     <p:spTree>
       <p:nvGrpSpPr>
         <p:cNvPr id="1" name=""/>
@@ -3505,41 +3332,16 @@
           <a:chExt cx="0" cy="0"/>
         </a:xfrm>
       </p:grpSpPr>
-      <p:pic>
-        <p:nvPicPr>
-          <p:cNvPr id="100" name="Picture 2" descr=""/>
-          <p:cNvPicPr/>
-          <p:nvPr/>
-        </p:nvPicPr>
-        <p:blipFill>
-          <a:blip r:embed="rId1"/>
-          <a:stretch>
-            <a:fillRect/>
-          </a:stretch>
-        </p:blipFill>
-        <p:spPr>
-          <a:xfrm>
-            <a:off x="1696320" y="1066320"/>
-            <a:ext cx="8799120" cy="5626440"/>
-          </a:xfrm>
-          <a:prstGeom prst="rect">
-            <a:avLst/>
-          </a:prstGeom>
-          <a:ln>
-            <a:noFill/>
-          </a:ln>
-        </p:spPr>
-      </p:pic>
-      <p:sp>
-        <p:nvSpPr>
-          <p:cNvPr id="101" name="CustomShape 1"/>
+      <p:sp>
+        <p:nvSpPr>
+          <p:cNvPr id="94" name="CustomShape 1"/>
           <p:cNvSpPr/>
           <p:nvPr/>
         </p:nvSpPr>
         <p:spPr>
           <a:xfrm>
             <a:off x="0" y="297000"/>
-            <a:ext cx="12191760" cy="760680"/>
+            <a:ext cx="12191400" cy="760320"/>
           </a:xfrm>
           <a:prstGeom prst="rect">
             <a:avLst/>
@@ -3568,8 +3370,57 @@
                 </a:solidFill>
                 <a:latin typeface="Calibri"/>
               </a:rPr>
-              <a:t>Source Point Cloud (2)</a:t>
-            </a:r>
+              <a:t>Design: Core Devices</a:t>
+            </a:r>
+            <a:endParaRPr/>
+          </a:p>
+        </p:txBody>
+      </p:sp>
+      <p:sp>
+        <p:nvSpPr>
+          <p:cNvPr id="95" name="CustomShape 2"/>
+          <p:cNvSpPr/>
+          <p:nvPr/>
+        </p:nvSpPr>
+        <p:spPr>
+          <a:xfrm>
+            <a:off x="548640" y="1430640"/>
+            <a:ext cx="11246760" cy="4615560"/>
+          </a:xfrm>
+          <a:prstGeom prst="rect">
+            <a:avLst/>
+          </a:prstGeom>
+          <a:noFill/>
+          <a:ln>
+            <a:noFill/>
+          </a:ln>
+        </p:spPr>
+        <p:txBody>
+          <a:bodyPr lIns="90000" rIns="90000" tIns="45000" bIns="45000"/>
+          <a:p>
+            <a:pPr>
+              <a:lnSpc>
+                <a:spcPct val="100000"/>
+              </a:lnSpc>
+              <a:buFont typeface="Arial"/>
+              <a:buChar char="•"/>
+            </a:pPr>
+            <a:endParaRPr/>
+          </a:p>
+          <a:p>
+            <a:pPr>
+              <a:lnSpc>
+                <a:spcPct val="100000"/>
+              </a:lnSpc>
+            </a:pPr>
+            <a:endParaRPr/>
+          </a:p>
+          <a:p>
+            <a:pPr>
+              <a:lnSpc>
+                <a:spcPct val="100000"/>
+              </a:lnSpc>
+            </a:pPr>
             <a:endParaRPr/>
           </a:p>
         </p:txBody>
@@ -3609,6 +3460,665 @@
 <file path=ppt/slides/slide13.xml><?xml version="1.0" encoding="utf-8"?>
 <p:sld xmlns:a="http://schemas.openxmlformats.org/drawingml/2006/main" xmlns:p="http://schemas.openxmlformats.org/presentationml/2006/main" xmlns:r="http://schemas.openxmlformats.org/officeDocument/2006/relationships">
   <p:cSld>
+    <p:spTree>
+      <p:nvGrpSpPr>
+        <p:cNvPr id="1" name=""/>
+        <p:cNvGrpSpPr/>
+        <p:nvPr/>
+      </p:nvGrpSpPr>
+      <p:grpSpPr>
+        <a:xfrm>
+          <a:off x="0" y="0"/>
+          <a:ext cx="0" cy="0"/>
+          <a:chOff x="0" y="0"/>
+          <a:chExt cx="0" cy="0"/>
+        </a:xfrm>
+      </p:grpSpPr>
+      <p:sp>
+        <p:nvSpPr>
+          <p:cNvPr id="96" name="CustomShape 1"/>
+          <p:cNvSpPr/>
+          <p:nvPr/>
+        </p:nvSpPr>
+        <p:spPr>
+          <a:xfrm>
+            <a:off x="0" y="297000"/>
+            <a:ext cx="12191400" cy="760320"/>
+          </a:xfrm>
+          <a:prstGeom prst="rect">
+            <a:avLst/>
+          </a:prstGeom>
+          <a:solidFill>
+            <a:srgbClr val="f2f2f2"/>
+          </a:solidFill>
+          <a:ln>
+            <a:solidFill>
+              <a:srgbClr val="bfbfbf"/>
+            </a:solidFill>
+          </a:ln>
+        </p:spPr>
+        <p:txBody>
+          <a:bodyPr lIns="90000" rIns="90000" tIns="45000" bIns="45000"/>
+          <a:p>
+            <a:pPr algn="ctr">
+              <a:lnSpc>
+                <a:spcPct val="100000"/>
+              </a:lnSpc>
+            </a:pPr>
+            <a:r>
+              <a:rPr lang="en-US" sz="4400">
+                <a:solidFill>
+                  <a:srgbClr val="000000"/>
+                </a:solidFill>
+                <a:latin typeface="Calibri"/>
+              </a:rPr>
+              <a:t>Design: Device Association</a:t>
+            </a:r>
+            <a:endParaRPr/>
+          </a:p>
+        </p:txBody>
+      </p:sp>
+      <p:sp>
+        <p:nvSpPr>
+          <p:cNvPr id="97" name="CustomShape 2"/>
+          <p:cNvSpPr/>
+          <p:nvPr/>
+        </p:nvSpPr>
+        <p:spPr>
+          <a:xfrm>
+            <a:off x="548640" y="1430640"/>
+            <a:ext cx="11246760" cy="4615560"/>
+          </a:xfrm>
+          <a:prstGeom prst="rect">
+            <a:avLst/>
+          </a:prstGeom>
+          <a:noFill/>
+          <a:ln>
+            <a:noFill/>
+          </a:ln>
+        </p:spPr>
+        <p:txBody>
+          <a:bodyPr lIns="90000" rIns="90000" tIns="45000" bIns="45000"/>
+          <a:p>
+            <a:pPr>
+              <a:lnSpc>
+                <a:spcPct val="100000"/>
+              </a:lnSpc>
+              <a:buFont typeface="Arial"/>
+              <a:buChar char="•"/>
+            </a:pPr>
+            <a:endParaRPr/>
+          </a:p>
+          <a:p>
+            <a:pPr>
+              <a:lnSpc>
+                <a:spcPct val="100000"/>
+              </a:lnSpc>
+            </a:pPr>
+            <a:endParaRPr/>
+          </a:p>
+          <a:p>
+            <a:pPr>
+              <a:lnSpc>
+                <a:spcPct val="100000"/>
+              </a:lnSpc>
+            </a:pPr>
+            <a:endParaRPr/>
+          </a:p>
+        </p:txBody>
+      </p:sp>
+    </p:spTree>
+  </p:cSld>
+  <p:timing>
+    <p:tnLst>
+      <p:par>
+        <p:cTn id="25" dur="indefinite" restart="never" nodeType="tmRoot">
+          <p:childTnLst>
+            <p:seq>
+              <p:cTn id="26" nodeType="mainSeq"/>
+              <p:prevCondLst>
+                <p:cond delay="0" evt="onPrev">
+                  <p:tgtEl>
+                    <p:sldTgt/>
+                  </p:tgtEl>
+                </p:cond>
+              </p:prevCondLst>
+              <p:nextCondLst>
+                <p:cond delay="0" evt="onNext">
+                  <p:tgtEl>
+                    <p:sldTgt/>
+                  </p:tgtEl>
+                </p:cond>
+              </p:nextCondLst>
+            </p:seq>
+          </p:childTnLst>
+        </p:cTn>
+      </p:par>
+    </p:tnLst>
+  </p:timing>
+</p:sld>
+</file>
+
+<file path=ppt/slides/slide14.xml><?xml version="1.0" encoding="utf-8"?>
+<p:sld xmlns:a="http://schemas.openxmlformats.org/drawingml/2006/main" xmlns:p="http://schemas.openxmlformats.org/presentationml/2006/main" xmlns:r="http://schemas.openxmlformats.org/officeDocument/2006/relationships">
+  <p:cSld>
+    <p:spTree>
+      <p:nvGrpSpPr>
+        <p:cNvPr id="1" name=""/>
+        <p:cNvGrpSpPr/>
+        <p:nvPr/>
+      </p:nvGrpSpPr>
+      <p:grpSpPr>
+        <a:xfrm>
+          <a:off x="0" y="0"/>
+          <a:ext cx="0" cy="0"/>
+          <a:chOff x="0" y="0"/>
+          <a:chExt cx="0" cy="0"/>
+        </a:xfrm>
+      </p:grpSpPr>
+      <p:sp>
+        <p:nvSpPr>
+          <p:cNvPr id="98" name="CustomShape 1"/>
+          <p:cNvSpPr/>
+          <p:nvPr/>
+        </p:nvSpPr>
+        <p:spPr>
+          <a:xfrm>
+            <a:off x="0" y="297000"/>
+            <a:ext cx="12191400" cy="760320"/>
+          </a:xfrm>
+          <a:prstGeom prst="rect">
+            <a:avLst/>
+          </a:prstGeom>
+          <a:solidFill>
+            <a:srgbClr val="f2f2f2"/>
+          </a:solidFill>
+          <a:ln>
+            <a:solidFill>
+              <a:srgbClr val="bfbfbf"/>
+            </a:solidFill>
+          </a:ln>
+        </p:spPr>
+        <p:txBody>
+          <a:bodyPr lIns="90000" rIns="90000" tIns="45000" bIns="45000"/>
+          <a:p>
+            <a:pPr algn="ctr">
+              <a:lnSpc>
+                <a:spcPct val="100000"/>
+              </a:lnSpc>
+            </a:pPr>
+            <a:r>
+              <a:rPr lang="en-US" sz="4400">
+                <a:solidFill>
+                  <a:srgbClr val="000000"/>
+                </a:solidFill>
+                <a:latin typeface="Calibri"/>
+              </a:rPr>
+              <a:t>Design: Power Requirements/Run-time</a:t>
+            </a:r>
+            <a:endParaRPr/>
+          </a:p>
+        </p:txBody>
+      </p:sp>
+      <p:sp>
+        <p:nvSpPr>
+          <p:cNvPr id="99" name="CustomShape 2"/>
+          <p:cNvSpPr/>
+          <p:nvPr/>
+        </p:nvSpPr>
+        <p:spPr>
+          <a:xfrm>
+            <a:off x="548640" y="1430640"/>
+            <a:ext cx="11246760" cy="4615560"/>
+          </a:xfrm>
+          <a:prstGeom prst="rect">
+            <a:avLst/>
+          </a:prstGeom>
+          <a:noFill/>
+          <a:ln>
+            <a:noFill/>
+          </a:ln>
+        </p:spPr>
+        <p:txBody>
+          <a:bodyPr lIns="90000" rIns="90000" tIns="45000" bIns="45000"/>
+          <a:p>
+            <a:pPr>
+              <a:lnSpc>
+                <a:spcPct val="100000"/>
+              </a:lnSpc>
+              <a:buFont typeface="Arial"/>
+              <a:buChar char="•"/>
+            </a:pPr>
+            <a:endParaRPr/>
+          </a:p>
+          <a:p>
+            <a:pPr>
+              <a:lnSpc>
+                <a:spcPct val="100000"/>
+              </a:lnSpc>
+            </a:pPr>
+            <a:endParaRPr/>
+          </a:p>
+          <a:p>
+            <a:pPr>
+              <a:lnSpc>
+                <a:spcPct val="100000"/>
+              </a:lnSpc>
+            </a:pPr>
+            <a:endParaRPr/>
+          </a:p>
+        </p:txBody>
+      </p:sp>
+    </p:spTree>
+  </p:cSld>
+  <p:timing>
+    <p:tnLst>
+      <p:par>
+        <p:cTn id="27" dur="indefinite" restart="never" nodeType="tmRoot">
+          <p:childTnLst>
+            <p:seq>
+              <p:cTn id="28" nodeType="mainSeq"/>
+              <p:prevCondLst>
+                <p:cond delay="0" evt="onPrev">
+                  <p:tgtEl>
+                    <p:sldTgt/>
+                  </p:tgtEl>
+                </p:cond>
+              </p:prevCondLst>
+              <p:nextCondLst>
+                <p:cond delay="0" evt="onNext">
+                  <p:tgtEl>
+                    <p:sldTgt/>
+                  </p:tgtEl>
+                </p:cond>
+              </p:nextCondLst>
+            </p:seq>
+          </p:childTnLst>
+        </p:cTn>
+      </p:par>
+    </p:tnLst>
+  </p:timing>
+</p:sld>
+</file>
+
+<file path=ppt/slides/slide15.xml><?xml version="1.0" encoding="utf-8"?>
+<p:sld xmlns:a="http://schemas.openxmlformats.org/drawingml/2006/main" xmlns:p="http://schemas.openxmlformats.org/presentationml/2006/main" xmlns:r="http://schemas.openxmlformats.org/officeDocument/2006/relationships">
+  <p:cSld>
+    <p:spTree>
+      <p:nvGrpSpPr>
+        <p:cNvPr id="1" name=""/>
+        <p:cNvGrpSpPr/>
+        <p:nvPr/>
+      </p:nvGrpSpPr>
+      <p:grpSpPr>
+        <a:xfrm>
+          <a:off x="0" y="0"/>
+          <a:ext cx="0" cy="0"/>
+          <a:chOff x="0" y="0"/>
+          <a:chExt cx="0" cy="0"/>
+        </a:xfrm>
+      </p:grpSpPr>
+      <p:sp>
+        <p:nvSpPr>
+          <p:cNvPr id="100" name="CustomShape 1"/>
+          <p:cNvSpPr/>
+          <p:nvPr/>
+        </p:nvSpPr>
+        <p:spPr>
+          <a:xfrm>
+            <a:off x="548640" y="1430640"/>
+            <a:ext cx="11246760" cy="4615560"/>
+          </a:xfrm>
+          <a:prstGeom prst="rect">
+            <a:avLst/>
+          </a:prstGeom>
+          <a:noFill/>
+          <a:ln>
+            <a:noFill/>
+          </a:ln>
+        </p:spPr>
+        <p:txBody>
+          <a:bodyPr lIns="90000" rIns="90000" tIns="45000" bIns="45000"/>
+          <a:p>
+            <a:pPr>
+              <a:lnSpc>
+                <a:spcPct val="100000"/>
+              </a:lnSpc>
+              <a:buFont typeface="Arial"/>
+              <a:buChar char="•"/>
+            </a:pPr>
+            <a:endParaRPr/>
+          </a:p>
+          <a:p>
+            <a:pPr>
+              <a:lnSpc>
+                <a:spcPct val="100000"/>
+              </a:lnSpc>
+            </a:pPr>
+            <a:endParaRPr/>
+          </a:p>
+          <a:p>
+            <a:pPr>
+              <a:lnSpc>
+                <a:spcPct val="100000"/>
+              </a:lnSpc>
+            </a:pPr>
+            <a:endParaRPr/>
+          </a:p>
+        </p:txBody>
+      </p:sp>
+      <p:pic>
+        <p:nvPicPr>
+          <p:cNvPr id="101" name="" descr=""/>
+          <p:cNvPicPr/>
+          <p:nvPr/>
+        </p:nvPicPr>
+        <p:blipFill>
+          <a:blip r:embed="rId1"/>
+          <a:stretch>
+            <a:fillRect/>
+          </a:stretch>
+        </p:blipFill>
+        <p:spPr>
+          <a:xfrm>
+            <a:off x="1295280" y="0"/>
+            <a:ext cx="9601200" cy="6875280"/>
+          </a:xfrm>
+          <a:prstGeom prst="rect">
+            <a:avLst/>
+          </a:prstGeom>
+          <a:ln>
+            <a:solidFill>
+              <a:srgbClr val="000000"/>
+            </a:solidFill>
+          </a:ln>
+        </p:spPr>
+      </p:pic>
+    </p:spTree>
+  </p:cSld>
+  <p:timing>
+    <p:tnLst>
+      <p:par>
+        <p:cTn id="29" dur="indefinite" restart="never" nodeType="tmRoot">
+          <p:childTnLst>
+            <p:seq>
+              <p:cTn id="30" nodeType="mainSeq"/>
+              <p:prevCondLst>
+                <p:cond delay="0" evt="onPrev">
+                  <p:tgtEl>
+                    <p:sldTgt/>
+                  </p:tgtEl>
+                </p:cond>
+              </p:prevCondLst>
+              <p:nextCondLst>
+                <p:cond delay="0" evt="onNext">
+                  <p:tgtEl>
+                    <p:sldTgt/>
+                  </p:tgtEl>
+                </p:cond>
+              </p:nextCondLst>
+            </p:seq>
+          </p:childTnLst>
+        </p:cTn>
+      </p:par>
+    </p:tnLst>
+  </p:timing>
+</p:sld>
+</file>
+
+<file path=ppt/slides/slide16.xml><?xml version="1.0" encoding="utf-8"?>
+<p:sld xmlns:a="http://schemas.openxmlformats.org/drawingml/2006/main" xmlns:p="http://schemas.openxmlformats.org/presentationml/2006/main" xmlns:r="http://schemas.openxmlformats.org/officeDocument/2006/relationships">
+  <p:cSld>
+    <p:bg>
+      <p:bgPr>
+        <a:solidFill>
+          <a:srgbClr val="000000"/>
+        </a:solidFill>
+      </p:bgPr>
+    </p:bg>
+    <p:spTree>
+      <p:nvGrpSpPr>
+        <p:cNvPr id="1" name=""/>
+        <p:cNvGrpSpPr/>
+        <p:nvPr/>
+      </p:nvGrpSpPr>
+      <p:grpSpPr>
+        <a:xfrm>
+          <a:off x="0" y="0"/>
+          <a:ext cx="0" cy="0"/>
+          <a:chOff x="0" y="0"/>
+          <a:chExt cx="0" cy="0"/>
+        </a:xfrm>
+      </p:grpSpPr>
+      <p:sp>
+        <p:nvSpPr>
+          <p:cNvPr id="102" name="CustomShape 1"/>
+          <p:cNvSpPr/>
+          <p:nvPr/>
+        </p:nvSpPr>
+        <p:spPr>
+          <a:xfrm>
+            <a:off x="0" y="297000"/>
+            <a:ext cx="12191400" cy="760320"/>
+          </a:xfrm>
+          <a:prstGeom prst="rect">
+            <a:avLst/>
+          </a:prstGeom>
+          <a:solidFill>
+            <a:srgbClr val="f2f2f2"/>
+          </a:solidFill>
+          <a:ln>
+            <a:solidFill>
+              <a:srgbClr val="bfbfbf"/>
+            </a:solidFill>
+          </a:ln>
+        </p:spPr>
+        <p:txBody>
+          <a:bodyPr lIns="90000" rIns="90000" tIns="45000" bIns="45000"/>
+          <a:p>
+            <a:pPr algn="ctr">
+              <a:lnSpc>
+                <a:spcPct val="100000"/>
+              </a:lnSpc>
+            </a:pPr>
+            <a:r>
+              <a:rPr lang="en-US" sz="4400">
+                <a:solidFill>
+                  <a:srgbClr val="000000"/>
+                </a:solidFill>
+                <a:latin typeface="Calibri"/>
+              </a:rPr>
+              <a:t>Source Point Cloud (1)</a:t>
+            </a:r>
+            <a:endParaRPr/>
+          </a:p>
+        </p:txBody>
+      </p:sp>
+      <p:pic>
+        <p:nvPicPr>
+          <p:cNvPr id="103" name="Picture 1" descr=""/>
+          <p:cNvPicPr/>
+          <p:nvPr/>
+        </p:nvPicPr>
+        <p:blipFill>
+          <a:blip r:embed="rId1"/>
+          <a:stretch>
+            <a:fillRect/>
+          </a:stretch>
+        </p:blipFill>
+        <p:spPr>
+          <a:xfrm>
+            <a:off x="1696320" y="1066320"/>
+            <a:ext cx="8798760" cy="5655600"/>
+          </a:xfrm>
+          <a:prstGeom prst="rect">
+            <a:avLst/>
+          </a:prstGeom>
+          <a:ln>
+            <a:noFill/>
+          </a:ln>
+        </p:spPr>
+      </p:pic>
+    </p:spTree>
+  </p:cSld>
+  <p:timing>
+    <p:tnLst>
+      <p:par>
+        <p:cTn id="31" dur="indefinite" restart="never" nodeType="tmRoot">
+          <p:childTnLst>
+            <p:seq>
+              <p:cTn id="32" nodeType="mainSeq"/>
+              <p:prevCondLst>
+                <p:cond delay="0" evt="onPrev">
+                  <p:tgtEl>
+                    <p:sldTgt/>
+                  </p:tgtEl>
+                </p:cond>
+              </p:prevCondLst>
+              <p:nextCondLst>
+                <p:cond delay="0" evt="onNext">
+                  <p:tgtEl>
+                    <p:sldTgt/>
+                  </p:tgtEl>
+                </p:cond>
+              </p:nextCondLst>
+            </p:seq>
+          </p:childTnLst>
+        </p:cTn>
+      </p:par>
+    </p:tnLst>
+  </p:timing>
+</p:sld>
+</file>
+
+<file path=ppt/slides/slide17.xml><?xml version="1.0" encoding="utf-8"?>
+<p:sld xmlns:a="http://schemas.openxmlformats.org/drawingml/2006/main" xmlns:p="http://schemas.openxmlformats.org/presentationml/2006/main" xmlns:r="http://schemas.openxmlformats.org/officeDocument/2006/relationships">
+  <p:cSld>
+    <p:bg>
+      <p:bgPr>
+        <a:solidFill>
+          <a:srgbClr val="000000"/>
+        </a:solidFill>
+      </p:bgPr>
+    </p:bg>
+    <p:spTree>
+      <p:nvGrpSpPr>
+        <p:cNvPr id="1" name=""/>
+        <p:cNvGrpSpPr/>
+        <p:nvPr/>
+      </p:nvGrpSpPr>
+      <p:grpSpPr>
+        <a:xfrm>
+          <a:off x="0" y="0"/>
+          <a:ext cx="0" cy="0"/>
+          <a:chOff x="0" y="0"/>
+          <a:chExt cx="0" cy="0"/>
+        </a:xfrm>
+      </p:grpSpPr>
+      <p:sp>
+        <p:nvSpPr>
+          <p:cNvPr id="104" name="CustomShape 1"/>
+          <p:cNvSpPr/>
+          <p:nvPr/>
+        </p:nvSpPr>
+        <p:spPr>
+          <a:xfrm>
+            <a:off x="0" y="297000"/>
+            <a:ext cx="12191400" cy="760320"/>
+          </a:xfrm>
+          <a:prstGeom prst="rect">
+            <a:avLst/>
+          </a:prstGeom>
+          <a:solidFill>
+            <a:srgbClr val="f2f2f2"/>
+          </a:solidFill>
+          <a:ln>
+            <a:solidFill>
+              <a:srgbClr val="bfbfbf"/>
+            </a:solidFill>
+          </a:ln>
+        </p:spPr>
+        <p:txBody>
+          <a:bodyPr lIns="90000" rIns="90000" tIns="45000" bIns="45000"/>
+          <a:p>
+            <a:pPr algn="ctr">
+              <a:lnSpc>
+                <a:spcPct val="100000"/>
+              </a:lnSpc>
+            </a:pPr>
+            <a:r>
+              <a:rPr lang="en-US" sz="4400">
+                <a:solidFill>
+                  <a:srgbClr val="000000"/>
+                </a:solidFill>
+                <a:latin typeface="Calibri"/>
+              </a:rPr>
+              <a:t>Surface Normal Estimation (2)</a:t>
+            </a:r>
+            <a:endParaRPr/>
+          </a:p>
+        </p:txBody>
+      </p:sp>
+      <p:pic>
+        <p:nvPicPr>
+          <p:cNvPr id="105" name="Picture 2" descr=""/>
+          <p:cNvPicPr/>
+          <p:nvPr/>
+        </p:nvPicPr>
+        <p:blipFill>
+          <a:blip r:embed="rId1"/>
+          <a:stretch>
+            <a:fillRect/>
+          </a:stretch>
+        </p:blipFill>
+        <p:spPr>
+          <a:xfrm>
+            <a:off x="1696320" y="1066320"/>
+            <a:ext cx="8798760" cy="5655600"/>
+          </a:xfrm>
+          <a:prstGeom prst="rect">
+            <a:avLst/>
+          </a:prstGeom>
+          <a:ln>
+            <a:noFill/>
+          </a:ln>
+        </p:spPr>
+      </p:pic>
+    </p:spTree>
+  </p:cSld>
+  <p:timing>
+    <p:tnLst>
+      <p:par>
+        <p:cTn id="33" dur="indefinite" restart="never" nodeType="tmRoot">
+          <p:childTnLst>
+            <p:seq>
+              <p:cTn id="34" nodeType="mainSeq"/>
+              <p:prevCondLst>
+                <p:cond delay="0" evt="onPrev">
+                  <p:tgtEl>
+                    <p:sldTgt/>
+                  </p:tgtEl>
+                </p:cond>
+              </p:prevCondLst>
+              <p:nextCondLst>
+                <p:cond delay="0" evt="onNext">
+                  <p:tgtEl>
+                    <p:sldTgt/>
+                  </p:tgtEl>
+                </p:cond>
+              </p:nextCondLst>
+            </p:seq>
+          </p:childTnLst>
+        </p:cTn>
+      </p:par>
+    </p:tnLst>
+  </p:timing>
+</p:sld>
+</file>
+
+<file path=ppt/slides/slide18.xml><?xml version="1.0" encoding="utf-8"?>
+<p:sld xmlns:a="http://schemas.openxmlformats.org/drawingml/2006/main" xmlns:p="http://schemas.openxmlformats.org/presentationml/2006/main" xmlns:r="http://schemas.openxmlformats.org/officeDocument/2006/relationships">
+  <p:cSld>
     <p:bg>
       <p:bgPr>
         <a:solidFill>
@@ -3632,7 +4142,7 @@
       </p:grpSpPr>
       <p:pic>
         <p:nvPicPr>
-          <p:cNvPr id="102" name="Picture 1" descr=""/>
+          <p:cNvPr id="106" name="Picture 2" descr=""/>
           <p:cNvPicPr/>
           <p:nvPr/>
         </p:nvPicPr>
@@ -3645,7 +4155,7 @@
         <p:spPr>
           <a:xfrm>
             <a:off x="1696320" y="1066320"/>
-            <a:ext cx="8799120" cy="5618880"/>
+            <a:ext cx="8798760" cy="5626080"/>
           </a:xfrm>
           <a:prstGeom prst="rect">
             <a:avLst/>
@@ -3657,14 +4167,14 @@
       </p:pic>
       <p:sp>
         <p:nvSpPr>
-          <p:cNvPr id="103" name="CustomShape 1"/>
+          <p:cNvPr id="107" name="CustomShape 1"/>
           <p:cNvSpPr/>
           <p:nvPr/>
         </p:nvSpPr>
         <p:spPr>
           <a:xfrm>
             <a:off x="0" y="297000"/>
-            <a:ext cx="12191760" cy="760680"/>
+            <a:ext cx="12191400" cy="760320"/>
           </a:xfrm>
           <a:prstGeom prst="rect">
             <a:avLst/>
@@ -3693,7 +4203,7 @@
                 </a:solidFill>
                 <a:latin typeface="Calibri"/>
               </a:rPr>
-              <a:t>Surface Normal Estimation (2)</a:t>
+              <a:t>Source Point Cloud (2)</a:t>
             </a:r>
             <a:endParaRPr/>
           </a:p>
@@ -3704,10 +4214,135 @@
   <p:timing>
     <p:tnLst>
       <p:par>
-        <p:cTn id="25" dur="indefinite" restart="never" nodeType="tmRoot">
+        <p:cTn id="35" dur="indefinite" restart="never" nodeType="tmRoot">
           <p:childTnLst>
             <p:seq>
-              <p:cTn id="26" nodeType="mainSeq"/>
+              <p:cTn id="36" nodeType="mainSeq"/>
+              <p:prevCondLst>
+                <p:cond delay="0" evt="onPrev">
+                  <p:tgtEl>
+                    <p:sldTgt/>
+                  </p:tgtEl>
+                </p:cond>
+              </p:prevCondLst>
+              <p:nextCondLst>
+                <p:cond delay="0" evt="onNext">
+                  <p:tgtEl>
+                    <p:sldTgt/>
+                  </p:tgtEl>
+                </p:cond>
+              </p:nextCondLst>
+            </p:seq>
+          </p:childTnLst>
+        </p:cTn>
+      </p:par>
+    </p:tnLst>
+  </p:timing>
+</p:sld>
+</file>
+
+<file path=ppt/slides/slide19.xml><?xml version="1.0" encoding="utf-8"?>
+<p:sld xmlns:a="http://schemas.openxmlformats.org/drawingml/2006/main" xmlns:p="http://schemas.openxmlformats.org/presentationml/2006/main" xmlns:r="http://schemas.openxmlformats.org/officeDocument/2006/relationships">
+  <p:cSld>
+    <p:bg>
+      <p:bgPr>
+        <a:solidFill>
+          <a:srgbClr val="000000"/>
+        </a:solidFill>
+      </p:bgPr>
+    </p:bg>
+    <p:spTree>
+      <p:nvGrpSpPr>
+        <p:cNvPr id="1" name=""/>
+        <p:cNvGrpSpPr/>
+        <p:nvPr/>
+      </p:nvGrpSpPr>
+      <p:grpSpPr>
+        <a:xfrm>
+          <a:off x="0" y="0"/>
+          <a:ext cx="0" cy="0"/>
+          <a:chOff x="0" y="0"/>
+          <a:chExt cx="0" cy="0"/>
+        </a:xfrm>
+      </p:grpSpPr>
+      <p:pic>
+        <p:nvPicPr>
+          <p:cNvPr id="108" name="Picture 1" descr=""/>
+          <p:cNvPicPr/>
+          <p:nvPr/>
+        </p:nvPicPr>
+        <p:blipFill>
+          <a:blip r:embed="rId1"/>
+          <a:stretch>
+            <a:fillRect/>
+          </a:stretch>
+        </p:blipFill>
+        <p:spPr>
+          <a:xfrm>
+            <a:off x="1696320" y="1066320"/>
+            <a:ext cx="8798760" cy="5618520"/>
+          </a:xfrm>
+          <a:prstGeom prst="rect">
+            <a:avLst/>
+          </a:prstGeom>
+          <a:ln>
+            <a:noFill/>
+          </a:ln>
+        </p:spPr>
+      </p:pic>
+      <p:sp>
+        <p:nvSpPr>
+          <p:cNvPr id="109" name="CustomShape 1"/>
+          <p:cNvSpPr/>
+          <p:nvPr/>
+        </p:nvSpPr>
+        <p:spPr>
+          <a:xfrm>
+            <a:off x="0" y="297000"/>
+            <a:ext cx="12191400" cy="760320"/>
+          </a:xfrm>
+          <a:prstGeom prst="rect">
+            <a:avLst/>
+          </a:prstGeom>
+          <a:solidFill>
+            <a:srgbClr val="f2f2f2"/>
+          </a:solidFill>
+          <a:ln>
+            <a:solidFill>
+              <a:srgbClr val="bfbfbf"/>
+            </a:solidFill>
+          </a:ln>
+        </p:spPr>
+        <p:txBody>
+          <a:bodyPr lIns="90000" rIns="90000" tIns="45000" bIns="45000"/>
+          <a:p>
+            <a:pPr algn="ctr">
+              <a:lnSpc>
+                <a:spcPct val="100000"/>
+              </a:lnSpc>
+            </a:pPr>
+            <a:r>
+              <a:rPr lang="en-US" sz="4400">
+                <a:solidFill>
+                  <a:srgbClr val="000000"/>
+                </a:solidFill>
+                <a:latin typeface="Calibri"/>
+              </a:rPr>
+              <a:t>Surface Normal Estimation (2)</a:t>
+            </a:r>
+            <a:endParaRPr/>
+          </a:p>
+        </p:txBody>
+      </p:sp>
+    </p:spTree>
+  </p:cSld>
+  <p:timing>
+    <p:tnLst>
+      <p:par>
+        <p:cTn id="37" dur="indefinite" restart="never" nodeType="tmRoot">
+          <p:childTnLst>
+            <p:seq>
+              <p:cTn id="38" nodeType="mainSeq"/>
               <p:prevCondLst>
                 <p:cond delay="0" evt="onPrev">
                   <p:tgtEl>
@@ -3750,14 +4385,14 @@
       </p:grpSpPr>
       <p:sp>
         <p:nvSpPr>
-          <p:cNvPr id="80" name="CustomShape 1"/>
+          <p:cNvPr id="74" name="CustomShape 1"/>
           <p:cNvSpPr/>
           <p:nvPr/>
         </p:nvSpPr>
         <p:spPr>
           <a:xfrm>
             <a:off x="838080" y="1256400"/>
-            <a:ext cx="10515240" cy="5270400"/>
+            <a:ext cx="10514880" cy="5270040"/>
           </a:xfrm>
           <a:prstGeom prst="rect">
             <a:avLst/>
@@ -3906,14 +4541,14 @@
       </p:sp>
       <p:sp>
         <p:nvSpPr>
-          <p:cNvPr id="81" name="CustomShape 2"/>
+          <p:cNvPr id="75" name="CustomShape 2"/>
           <p:cNvSpPr/>
           <p:nvPr/>
         </p:nvSpPr>
         <p:spPr>
           <a:xfrm>
             <a:off x="0" y="297000"/>
-            <a:ext cx="12191760" cy="760680"/>
+            <a:ext cx="12191400" cy="760320"/>
           </a:xfrm>
           <a:prstGeom prst="rect">
             <a:avLst/>
@@ -3999,14 +4634,14 @@
       </p:grpSpPr>
       <p:sp>
         <p:nvSpPr>
-          <p:cNvPr id="82" name="CustomShape 1"/>
+          <p:cNvPr id="76" name="CustomShape 1"/>
           <p:cNvSpPr/>
           <p:nvPr/>
         </p:nvSpPr>
         <p:spPr>
           <a:xfrm>
             <a:off x="0" y="297000"/>
-            <a:ext cx="12191760" cy="760680"/>
+            <a:ext cx="12191400" cy="760320"/>
           </a:xfrm>
           <a:prstGeom prst="rect">
             <a:avLst/>
@@ -4043,14 +4678,14 @@
       </p:sp>
       <p:sp>
         <p:nvSpPr>
-          <p:cNvPr id="83" name="CustomShape 2"/>
+          <p:cNvPr id="77" name="CustomShape 2"/>
           <p:cNvSpPr/>
           <p:nvPr/>
         </p:nvSpPr>
         <p:spPr>
           <a:xfrm>
             <a:off x="838080" y="1256400"/>
-            <a:ext cx="10515240" cy="5073840"/>
+            <a:ext cx="10514880" cy="5073480"/>
           </a:xfrm>
           <a:prstGeom prst="rect">
             <a:avLst/>
@@ -4083,8 +4718,6 @@
               <a:lnSpc>
                 <a:spcPct val="100000"/>
               </a:lnSpc>
-              <a:buFont typeface="Arial"/>
-              <a:buChar char="•"/>
             </a:pPr>
             <a:endParaRPr/>
           </a:p>
@@ -4189,14 +4822,14 @@
       </p:grpSpPr>
       <p:sp>
         <p:nvSpPr>
-          <p:cNvPr id="84" name="CustomShape 1"/>
+          <p:cNvPr id="78" name="CustomShape 1"/>
           <p:cNvSpPr/>
           <p:nvPr/>
         </p:nvSpPr>
         <p:spPr>
           <a:xfrm>
             <a:off x="0" y="297000"/>
-            <a:ext cx="12191760" cy="760680"/>
+            <a:ext cx="12191400" cy="760320"/>
           </a:xfrm>
           <a:prstGeom prst="rect">
             <a:avLst/>
@@ -4233,14 +4866,14 @@
       </p:sp>
       <p:sp>
         <p:nvSpPr>
-          <p:cNvPr id="85" name="CustomShape 2"/>
+          <p:cNvPr id="79" name="CustomShape 2"/>
           <p:cNvSpPr/>
           <p:nvPr/>
         </p:nvSpPr>
         <p:spPr>
           <a:xfrm>
             <a:off x="838080" y="1256400"/>
-            <a:ext cx="10515240" cy="5073840"/>
+            <a:ext cx="10514880" cy="5073480"/>
           </a:xfrm>
           <a:prstGeom prst="rect">
             <a:avLst/>
@@ -4279,20 +4912,30 @@
             <a:r>
               <a:rPr lang="en-US" sz="3600">
                 <a:solidFill>
-                  <a:srgbClr val="ff3300"/>
+                  <a:srgbClr val="ff0000"/>
                 </a:solidFill>
                 <a:latin typeface="Calibri"/>
               </a:rPr>
-              <a:t>LittleDog (Boston Dynamics)</a:t>
-            </a:r>
+              <a:t>LittleDog (Boston Dynamics) </a:t>
+            </a:r>
+            <a:endParaRPr/>
+          </a:p>
+          <a:p>
+            <a:pPr lvl="1">
+              <a:lnSpc>
+                <a:spcPct val="100000"/>
+              </a:lnSpc>
+              <a:buFont typeface="Courier New"/>
+              <a:buChar char="o"/>
+            </a:pPr>
             <a:r>
               <a:rPr lang="en-US" sz="3600">
                 <a:solidFill>
-                  <a:srgbClr val="ff3300"/>
+                  <a:srgbClr val="000000"/>
                 </a:solidFill>
                 <a:latin typeface="Calibri"/>
               </a:rPr>
-              <a:t> </a:t>
+              <a:t>BigDog (Boston Dynamics) </a:t>
             </a:r>
             <a:endParaRPr/>
           </a:p>
@@ -4306,9 +4949,12 @@
             </a:pPr>
             <a:r>
               <a:rPr lang="en-US" sz="3600">
-                <a:latin typeface="Calibri"/>
-              </a:rPr>
-              <a:t>BigDog (Boston Dynamics) </a:t>
+                <a:solidFill>
+                  <a:srgbClr val="000000"/>
+                </a:solidFill>
+                <a:latin typeface="Calibri"/>
+              </a:rPr>
+              <a:t>Tekken (Kyoto Institute of Technology)</a:t>
             </a:r>
             <a:endParaRPr/>
           </a:p>
@@ -4322,9 +4968,12 @@
             </a:pPr>
             <a:r>
               <a:rPr lang="en-US" sz="3600">
-                <a:latin typeface="Calibri"/>
-              </a:rPr>
-              <a:t>Tekken (Kyoto Institute of Technology)</a:t>
+                <a:solidFill>
+                  <a:srgbClr val="000000"/>
+                </a:solidFill>
+                <a:latin typeface="Calibri"/>
+              </a:rPr>
+              <a:t>Kolt (Stanford University)</a:t>
             </a:r>
             <a:endParaRPr/>
           </a:p>
@@ -4338,22 +4987,9 @@
             </a:pPr>
             <a:r>
               <a:rPr lang="en-US" sz="3600">
-                <a:latin typeface="Calibri"/>
-              </a:rPr>
-              <a:t>Kolt (Stanford University)</a:t>
-            </a:r>
-            <a:endParaRPr/>
-          </a:p>
-          <a:p>
-            <a:pPr lvl="1">
-              <a:lnSpc>
-                <a:spcPct val="100000"/>
-              </a:lnSpc>
-              <a:buFont typeface="Courier New"/>
-              <a:buChar char="o"/>
-            </a:pPr>
-            <a:r>
-              <a:rPr lang="en-US" sz="3600">
+                <a:solidFill>
+                  <a:srgbClr val="000000"/>
+                </a:solidFill>
                 <a:latin typeface="Calibri"/>
               </a:rPr>
               <a:t>HyQ (Istituto Italiano di Tecnologia)</a:t>
@@ -4411,43 +5047,16 @@
           <a:chExt cx="0" cy="0"/>
         </a:xfrm>
       </p:grpSpPr>
-      <p:pic>
-        <p:nvPicPr>
-          <p:cNvPr id="86" name="Picture 3" descr=""/>
-          <p:cNvPicPr/>
-          <p:nvPr/>
-        </p:nvPicPr>
-        <p:blipFill>
-          <a:blip r:embed="rId1"/>
-          <a:stretch>
-            <a:fillRect/>
-          </a:stretch>
-        </p:blipFill>
-        <p:spPr>
-          <a:xfrm>
-            <a:off x="1523880" y="1300680"/>
-            <a:ext cx="9143640" cy="5143320"/>
-          </a:xfrm>
-          <a:prstGeom prst="rect">
-            <a:avLst/>
-          </a:prstGeom>
-          <a:ln>
-            <a:solidFill>
-              <a:srgbClr val="000000"/>
-            </a:solidFill>
-          </a:ln>
-        </p:spPr>
-      </p:pic>
-      <p:sp>
-        <p:nvSpPr>
-          <p:cNvPr id="87" name="CustomShape 1"/>
+      <p:sp>
+        <p:nvSpPr>
+          <p:cNvPr id="80" name="CustomShape 1"/>
           <p:cNvSpPr/>
           <p:nvPr/>
         </p:nvSpPr>
         <p:spPr>
           <a:xfrm>
             <a:off x="0" y="297000"/>
-            <a:ext cx="12191760" cy="760680"/>
+            <a:ext cx="12191400" cy="760320"/>
           </a:xfrm>
           <a:prstGeom prst="rect">
             <a:avLst/>
@@ -4476,7 +5085,148 @@
                 </a:solidFill>
                 <a:latin typeface="Calibri"/>
               </a:rPr>
-              <a:t>Introduction: The BlueFoot Platform</a:t>
+              <a:t>Introduction: Quadruped Robotics</a:t>
+            </a:r>
+            <a:endParaRPr/>
+          </a:p>
+        </p:txBody>
+      </p:sp>
+      <p:sp>
+        <p:nvSpPr>
+          <p:cNvPr id="81" name="CustomShape 2"/>
+          <p:cNvSpPr/>
+          <p:nvPr/>
+        </p:nvSpPr>
+        <p:spPr>
+          <a:xfrm>
+            <a:off x="838080" y="1256400"/>
+            <a:ext cx="10514880" cy="5073480"/>
+          </a:xfrm>
+          <a:prstGeom prst="rect">
+            <a:avLst/>
+          </a:prstGeom>
+          <a:noFill/>
+          <a:ln>
+            <a:noFill/>
+          </a:ln>
+        </p:spPr>
+        <p:txBody>
+          <a:bodyPr lIns="90000" rIns="90000" tIns="45000" bIns="45000"/>
+          <a:p>
+            <a:pPr>
+              <a:lnSpc>
+                <a:spcPct val="100000"/>
+              </a:lnSpc>
+              <a:buFont typeface="Arial"/>
+              <a:buChar char="•"/>
+            </a:pPr>
+            <a:r>
+              <a:rPr lang="en-US" sz="3600">
+                <a:latin typeface="Calibri"/>
+              </a:rPr>
+              <a:t>Practical Applications of such a system</a:t>
+            </a:r>
+            <a:endParaRPr/>
+          </a:p>
+          <a:p>
+            <a:pPr lvl="1">
+              <a:lnSpc>
+                <a:spcPct val="100000"/>
+              </a:lnSpc>
+              <a:buSzPct val="45000"/>
+              <a:buFont typeface="StarSymbol"/>
+              <a:buChar char=""/>
+            </a:pPr>
+            <a:r>
+              <a:rPr lang="en-US" sz="3600">
+                <a:latin typeface="Calibri"/>
+              </a:rPr>
+              <a:t>Gaiting design/research</a:t>
+            </a:r>
+            <a:endParaRPr/>
+          </a:p>
+          <a:p>
+            <a:pPr lvl="1">
+              <a:lnSpc>
+                <a:spcPct val="100000"/>
+              </a:lnSpc>
+              <a:buSzPct val="45000"/>
+              <a:buFont typeface="StarSymbol"/>
+              <a:buChar char=""/>
+            </a:pPr>
+            <a:r>
+              <a:rPr lang="en-US" sz="3600">
+                <a:latin typeface="Calibri"/>
+              </a:rPr>
+              <a:t>Rough-terrain navigation/planning</a:t>
+            </a:r>
+            <a:endParaRPr/>
+          </a:p>
+          <a:p>
+            <a:pPr lvl="1">
+              <a:lnSpc>
+                <a:spcPct val="100000"/>
+              </a:lnSpc>
+              <a:buSzPct val="45000"/>
+              <a:buFont typeface="StarSymbol"/>
+              <a:buChar char=""/>
+            </a:pPr>
+            <a:r>
+              <a:rPr lang="en-US" sz="3600">
+                <a:latin typeface="Calibri"/>
+              </a:rPr>
+              <a:t>Toward:</a:t>
+            </a:r>
+            <a:endParaRPr/>
+          </a:p>
+          <a:p>
+            <a:pPr lvl="2">
+              <a:lnSpc>
+                <a:spcPct val="100000"/>
+              </a:lnSpc>
+              <a:buSzPct val="45000"/>
+              <a:buFont typeface="StarSymbol"/>
+              <a:buChar char=""/>
+            </a:pPr>
+            <a:r>
+              <a:rPr lang="en-US" sz="3600">
+                <a:latin typeface="Calibri"/>
+              </a:rPr>
+              <a:t>Disaster recovery</a:t>
+            </a:r>
+            <a:endParaRPr/>
+          </a:p>
+          <a:p>
+            <a:pPr lvl="2">
+              <a:lnSpc>
+                <a:spcPct val="100000"/>
+              </a:lnSpc>
+              <a:buSzPct val="45000"/>
+              <a:buFont typeface="StarSymbol"/>
+              <a:buChar char=""/>
+            </a:pPr>
+            <a:r>
+              <a:rPr lang="en-US" sz="3600">
+                <a:latin typeface="Calibri"/>
+              </a:rPr>
+              <a:t>Search and rescue</a:t>
+            </a:r>
+            <a:endParaRPr/>
+          </a:p>
+          <a:p>
+            <a:pPr lvl="2">
+              <a:lnSpc>
+                <a:spcPct val="100000"/>
+              </a:lnSpc>
+              <a:buSzPct val="45000"/>
+              <a:buFont typeface="StarSymbol"/>
+              <a:buChar char=""/>
+            </a:pPr>
+            <a:r>
+              <a:rPr lang="en-US" sz="3600">
+                <a:latin typeface="Calibri"/>
+              </a:rPr>
+              <a:t>Environmental mapping</a:t>
             </a:r>
             <a:endParaRPr/>
           </a:p>
@@ -4531,16 +5281,43 @@
           <a:chExt cx="0" cy="0"/>
         </a:xfrm>
       </p:grpSpPr>
-      <p:sp>
-        <p:nvSpPr>
-          <p:cNvPr id="88" name="CustomShape 1"/>
+      <p:pic>
+        <p:nvPicPr>
+          <p:cNvPr id="82" name="Picture 3" descr=""/>
+          <p:cNvPicPr/>
+          <p:nvPr/>
+        </p:nvPicPr>
+        <p:blipFill>
+          <a:blip r:embed="rId1"/>
+          <a:stretch>
+            <a:fillRect/>
+          </a:stretch>
+        </p:blipFill>
+        <p:spPr>
+          <a:xfrm>
+            <a:off x="1523880" y="1300680"/>
+            <a:ext cx="9143280" cy="5142960"/>
+          </a:xfrm>
+          <a:prstGeom prst="rect">
+            <a:avLst/>
+          </a:prstGeom>
+          <a:ln>
+            <a:solidFill>
+              <a:srgbClr val="000000"/>
+            </a:solidFill>
+          </a:ln>
+        </p:spPr>
+      </p:pic>
+      <p:sp>
+        <p:nvSpPr>
+          <p:cNvPr id="83" name="CustomShape 1"/>
           <p:cNvSpPr/>
           <p:nvPr/>
         </p:nvSpPr>
         <p:spPr>
           <a:xfrm>
             <a:off x="0" y="297000"/>
-            <a:ext cx="12191760" cy="760680"/>
+            <a:ext cx="12191400" cy="760320"/>
           </a:xfrm>
           <a:prstGeom prst="rect">
             <a:avLst/>
@@ -4570,143 +5347,6 @@
                 <a:latin typeface="Calibri"/>
               </a:rPr>
               <a:t>Introduction: The BlueFoot Platform</a:t>
-            </a:r>
-            <a:endParaRPr/>
-          </a:p>
-        </p:txBody>
-      </p:sp>
-      <p:sp>
-        <p:nvSpPr>
-          <p:cNvPr id="89" name="CustomShape 2"/>
-          <p:cNvSpPr/>
-          <p:nvPr/>
-        </p:nvSpPr>
-        <p:spPr>
-          <a:xfrm>
-            <a:off x="838080" y="1430640"/>
-            <a:ext cx="10515240" cy="4604760"/>
-          </a:xfrm>
-          <a:prstGeom prst="rect">
-            <a:avLst/>
-          </a:prstGeom>
-          <a:noFill/>
-          <a:ln>
-            <a:noFill/>
-          </a:ln>
-        </p:spPr>
-        <p:txBody>
-          <a:bodyPr lIns="90000" rIns="90000" tIns="45000" bIns="45000"/>
-          <a:p>
-            <a:pPr>
-              <a:lnSpc>
-                <a:spcPct val="100000"/>
-              </a:lnSpc>
-              <a:buFont typeface="Arial"/>
-              <a:buChar char="•"/>
-            </a:pPr>
-            <a:r>
-              <a:rPr lang="en-US" sz="3600">
-                <a:solidFill>
-                  <a:srgbClr val="000000"/>
-                </a:solidFill>
-                <a:latin typeface="Calibri"/>
-              </a:rPr>
-              <a:t>Small-scale quadruped robot </a:t>
-            </a:r>
-            <a:endParaRPr/>
-          </a:p>
-          <a:p>
-            <a:pPr>
-              <a:lnSpc>
-                <a:spcPct val="100000"/>
-              </a:lnSpc>
-              <a:buFont typeface="Arial"/>
-              <a:buChar char="•"/>
-            </a:pPr>
-            <a:r>
-              <a:rPr lang="en-US" sz="3600">
-                <a:solidFill>
-                  <a:srgbClr val="000000"/>
-                </a:solidFill>
-                <a:latin typeface="Calibri"/>
-              </a:rPr>
-              <a:t>16 actuated degrees of freedom</a:t>
-            </a:r>
-            <a:endParaRPr/>
-          </a:p>
-          <a:p>
-            <a:pPr>
-              <a:lnSpc>
-                <a:spcPct val="100000"/>
-              </a:lnSpc>
-              <a:buFont typeface="Arial"/>
-              <a:buChar char="•"/>
-            </a:pPr>
-            <a:r>
-              <a:rPr lang="en-US" sz="3600">
-                <a:solidFill>
-                  <a:srgbClr val="000000"/>
-                </a:solidFill>
-                <a:latin typeface="Calibri"/>
-              </a:rPr>
-              <a:t>High Dexterity:</a:t>
-            </a:r>
-            <a:endParaRPr/>
-          </a:p>
-          <a:p>
-            <a:pPr lvl="1">
-              <a:lnSpc>
-                <a:spcPct val="100000"/>
-              </a:lnSpc>
-              <a:buFont typeface="Courier New"/>
-              <a:buChar char="o"/>
-            </a:pPr>
-            <a:r>
-              <a:rPr lang="en-US" sz="3600">
-                <a:solidFill>
-                  <a:srgbClr val="000000"/>
-                </a:solidFill>
-                <a:latin typeface="Calibri"/>
-              </a:rPr>
-              <a:t>Stabilize and reposition on rough terrain</a:t>
-            </a:r>
-            <a:endParaRPr/>
-          </a:p>
-          <a:p>
-            <a:pPr lvl="1">
-              <a:lnSpc>
-                <a:spcPct val="100000"/>
-              </a:lnSpc>
-              <a:buFont typeface="Courier New"/>
-              <a:buChar char="o"/>
-            </a:pPr>
-            <a:r>
-              <a:rPr lang="en-US" sz="3600">
-                <a:solidFill>
-                  <a:srgbClr val="000000"/>
-                </a:solidFill>
-                <a:latin typeface="Calibri"/>
-              </a:rPr>
-              <a:t>Trunk articulation</a:t>
-            </a:r>
-            <a:endParaRPr/>
-          </a:p>
-          <a:p>
-            <a:pPr lvl="1">
-              <a:lnSpc>
-                <a:spcPct val="100000"/>
-              </a:lnSpc>
-              <a:buFont typeface="Courier New"/>
-              <a:buChar char="o"/>
-            </a:pPr>
-            <a:r>
-              <a:rPr lang="en-US" sz="3600">
-                <a:solidFill>
-                  <a:srgbClr val="000000"/>
-                </a:solidFill>
-                <a:latin typeface="Calibri"/>
-              </a:rPr>
-              <a:t>Overcome raised/uneven terrain</a:t>
             </a:r>
             <a:endParaRPr/>
           </a:p>
@@ -4763,14 +5403,14 @@
       </p:grpSpPr>
       <p:sp>
         <p:nvSpPr>
-          <p:cNvPr id="90" name="CustomShape 1"/>
+          <p:cNvPr id="84" name="CustomShape 1"/>
           <p:cNvSpPr/>
           <p:nvPr/>
         </p:nvSpPr>
         <p:spPr>
           <a:xfrm>
             <a:off x="0" y="297000"/>
-            <a:ext cx="12191760" cy="760680"/>
+            <a:ext cx="12191400" cy="760320"/>
           </a:xfrm>
           <a:prstGeom prst="rect">
             <a:avLst/>
@@ -4807,14 +5447,14 @@
       </p:sp>
       <p:sp>
         <p:nvSpPr>
-          <p:cNvPr id="91" name="CustomShape 2"/>
+          <p:cNvPr id="85" name="CustomShape 2"/>
           <p:cNvSpPr/>
           <p:nvPr/>
         </p:nvSpPr>
         <p:spPr>
           <a:xfrm>
             <a:off x="838080" y="1430640"/>
-            <a:ext cx="10515240" cy="4604760"/>
+            <a:ext cx="10514880" cy="4604400"/>
           </a:xfrm>
           <a:prstGeom prst="rect">
             <a:avLst/>
@@ -4993,14 +5633,14 @@
       </p:grpSpPr>
       <p:sp>
         <p:nvSpPr>
-          <p:cNvPr id="92" name="CustomShape 1"/>
+          <p:cNvPr id="86" name="CustomShape 1"/>
           <p:cNvSpPr/>
           <p:nvPr/>
         </p:nvSpPr>
         <p:spPr>
           <a:xfrm>
             <a:off x="0" y="297000"/>
-            <a:ext cx="12191760" cy="760680"/>
+            <a:ext cx="12191400" cy="760320"/>
           </a:xfrm>
           <a:prstGeom prst="rect">
             <a:avLst/>
@@ -5029,22 +5669,22 @@
                 </a:solidFill>
                 <a:latin typeface="Calibri"/>
               </a:rPr>
-              <a:t>Introduction: Control Overview</a:t>
-            </a:r>
-            <a:endParaRPr/>
-          </a:p>
-        </p:txBody>
-      </p:sp>
-      <p:sp>
-        <p:nvSpPr>
-          <p:cNvPr id="93" name="CustomShape 2"/>
+              <a:t>Introduction: The BlueFoot Platform</a:t>
+            </a:r>
+            <a:endParaRPr/>
+          </a:p>
+        </p:txBody>
+      </p:sp>
+      <p:sp>
+        <p:nvSpPr>
+          <p:cNvPr id="87" name="CustomShape 2"/>
           <p:cNvSpPr/>
           <p:nvPr/>
         </p:nvSpPr>
         <p:spPr>
           <a:xfrm>
-            <a:off x="548640" y="1430640"/>
-            <a:ext cx="11247120" cy="4615920"/>
+            <a:off x="838080" y="1430640"/>
+            <a:ext cx="10514880" cy="4604400"/>
           </a:xfrm>
           <a:prstGeom prst="rect">
             <a:avLst/>
@@ -5071,7 +5711,7 @@
                 </a:solidFill>
                 <a:latin typeface="Calibri"/>
               </a:rPr>
-              <a:t>Central Pattern Generator (CPG)-based gait control</a:t>
+              <a:t>Small-scale quadruped robot </a:t>
             </a:r>
             <a:endParaRPr/>
           </a:p>
@@ -5090,7 +5730,7 @@
                 </a:solidFill>
                 <a:latin typeface="Calibri"/>
               </a:rPr>
-              <a:t>Zero-Moment Point (ZMP) body posture control</a:t>
+              <a:t>16 actuated degrees of freedom</a:t>
             </a:r>
             <a:endParaRPr/>
           </a:p>
@@ -5109,23 +5749,64 @@
                 </a:solidFill>
                 <a:latin typeface="Calibri"/>
               </a:rPr>
-              <a:t>Virtual-Force foothold controller</a:t>
-            </a:r>
-            <a:endParaRPr/>
-          </a:p>
-          <a:p>
-            <a:pPr>
-              <a:lnSpc>
-                <a:spcPct val="100000"/>
-              </a:lnSpc>
-              <a:buFont typeface="Arial"/>
-              <a:buChar char="•"/>
+              <a:t>High Dexterity:</a:t>
+            </a:r>
+            <a:endParaRPr/>
+          </a:p>
+          <a:p>
+            <a:pPr lvl="1">
+              <a:lnSpc>
+                <a:spcPct val="100000"/>
+              </a:lnSpc>
+              <a:buFont typeface="Courier New"/>
+              <a:buChar char="o"/>
             </a:pPr>
             <a:r>
               <a:rPr lang="en-US" sz="3600">
-                <a:latin typeface="Arial"/>
-              </a:rPr>
-              <a:t>NARX-Neural Network based trunk-leveling controller</a:t>
+                <a:solidFill>
+                  <a:srgbClr val="000000"/>
+                </a:solidFill>
+                <a:latin typeface="Calibri"/>
+              </a:rPr>
+              <a:t>Stabilize and reposition on rough terrain</a:t>
+            </a:r>
+            <a:endParaRPr/>
+          </a:p>
+          <a:p>
+            <a:pPr lvl="1">
+              <a:lnSpc>
+                <a:spcPct val="100000"/>
+              </a:lnSpc>
+              <a:buFont typeface="Courier New"/>
+              <a:buChar char="o"/>
+            </a:pPr>
+            <a:r>
+              <a:rPr lang="en-US" sz="3600">
+                <a:solidFill>
+                  <a:srgbClr val="000000"/>
+                </a:solidFill>
+                <a:latin typeface="Calibri"/>
+              </a:rPr>
+              <a:t>Trunk articulation</a:t>
+            </a:r>
+            <a:endParaRPr/>
+          </a:p>
+          <a:p>
+            <a:pPr lvl="1">
+              <a:lnSpc>
+                <a:spcPct val="100000"/>
+              </a:lnSpc>
+              <a:buFont typeface="Courier New"/>
+              <a:buChar char="o"/>
+            </a:pPr>
+            <a:r>
+              <a:rPr lang="en-US" sz="3600">
+                <a:solidFill>
+                  <a:srgbClr val="000000"/>
+                </a:solidFill>
+                <a:latin typeface="Calibri"/>
+              </a:rPr>
+              <a:t>Overcome raised/uneven terrain</a:t>
             </a:r>
             <a:endParaRPr/>
           </a:p>
@@ -5182,14 +5863,14 @@
       </p:grpSpPr>
       <p:sp>
         <p:nvSpPr>
-          <p:cNvPr id="94" name="CustomShape 1"/>
+          <p:cNvPr id="88" name="CustomShape 1"/>
           <p:cNvSpPr/>
           <p:nvPr/>
         </p:nvSpPr>
         <p:spPr>
           <a:xfrm>
             <a:off x="0" y="297000"/>
-            <a:ext cx="12191760" cy="760680"/>
+            <a:ext cx="12191400" cy="760320"/>
           </a:xfrm>
           <a:prstGeom prst="rect">
             <a:avLst/>
@@ -5218,22 +5899,22 @@
                 </a:solidFill>
                 <a:latin typeface="Calibri"/>
               </a:rPr>
-              <a:t>Introduction: Navigation/Control Overview</a:t>
-            </a:r>
-            <a:endParaRPr/>
-          </a:p>
-        </p:txBody>
-      </p:sp>
-      <p:sp>
-        <p:nvSpPr>
-          <p:cNvPr id="95" name="CustomShape 2"/>
+              <a:t>Introduction: Control Overview</a:t>
+            </a:r>
+            <a:endParaRPr/>
+          </a:p>
+        </p:txBody>
+      </p:sp>
+      <p:sp>
+        <p:nvSpPr>
+          <p:cNvPr id="89" name="CustomShape 2"/>
           <p:cNvSpPr/>
           <p:nvPr/>
         </p:nvSpPr>
         <p:spPr>
           <a:xfrm>
             <a:off x="548640" y="1430640"/>
-            <a:ext cx="11247120" cy="4615920"/>
+            <a:ext cx="11246760" cy="4615560"/>
           </a:xfrm>
           <a:prstGeom prst="rect">
             <a:avLst/>
@@ -5260,7 +5941,7 @@
                 </a:solidFill>
                 <a:latin typeface="Calibri"/>
               </a:rPr>
-              <a:t>Potential-Fields/Visual-Servoing control</a:t>
+              <a:t>Central Pattern Generator (CPG)-based gait control</a:t>
             </a:r>
             <a:endParaRPr/>
           </a:p>
@@ -5312,6 +5993,9 @@
             </a:pPr>
             <a:r>
               <a:rPr lang="en-US" sz="3600">
+                <a:solidFill>
+                  <a:srgbClr val="000000"/>
+                </a:solidFill>
                 <a:latin typeface="Arial"/>
               </a:rPr>
               <a:t>NARX-Neural Network based trunk-leveling controller</a:t>
